--- a/resources/tcrs.pptx
+++ b/resources/tcrs.pptx
@@ -19,6 +19,9 @@
   </p:sldIdLst>
   <p:sldSz cx="12192000" cy="6858000"/>
   <p:notesSz cx="6858000" cy="9144000"/>
+  <p:custDataLst>
+    <p:tags r:id="rId11"/>
+  </p:custDataLst>
   <p:defaultTextStyle>
     <a:defPPr>
       <a:defRPr lang="en-US"/>
@@ -215,7 +218,7 @@
           <a:p>
             <a:fld id="{4DBBD189-96E9-46B4-AD8F-C82A888AE887}" type="datetimeFigureOut">
               <a:rPr lang="en-CA" smtClean="0"/>
-              <a:t>2020-11-03</a:t>
+              <a:t>2023-06-29</a:t>
             </a:fld>
             <a:endParaRPr lang="en-CA"/>
           </a:p>
@@ -279,35 +282,35 @@
           <a:p>
             <a:pPr lvl="0"/>
             <a:r>
-              <a:rPr lang="en-US" smtClean="0"/>
+              <a:rPr lang="en-US"/>
               <a:t>Edit Master text styles</a:t>
             </a:r>
           </a:p>
           <a:p>
             <a:pPr lvl="1"/>
             <a:r>
-              <a:rPr lang="en-US" smtClean="0"/>
+              <a:rPr lang="en-US"/>
               <a:t>Second level</a:t>
             </a:r>
           </a:p>
           <a:p>
             <a:pPr lvl="2"/>
             <a:r>
-              <a:rPr lang="en-US" smtClean="0"/>
+              <a:rPr lang="en-US"/>
               <a:t>Third level</a:t>
             </a:r>
           </a:p>
           <a:p>
             <a:pPr lvl="3"/>
             <a:r>
-              <a:rPr lang="en-US" smtClean="0"/>
+              <a:rPr lang="en-US"/>
               <a:t>Fourth level</a:t>
             </a:r>
           </a:p>
           <a:p>
             <a:pPr lvl="4"/>
             <a:r>
-              <a:rPr lang="en-US" smtClean="0"/>
+              <a:rPr lang="en-US"/>
               <a:t>Fifth level</a:t>
             </a:r>
             <a:endParaRPr lang="en-CA"/>
@@ -525,7 +528,7 @@
           </a:lstStyle>
           <a:p>
             <a:r>
-              <a:rPr lang="en-US" smtClean="0"/>
+              <a:rPr lang="en-US"/>
               <a:t>Click to edit Master title style</a:t>
             </a:r>
             <a:endParaRPr lang="en-CA"/>
@@ -590,7 +593,7 @@
           </a:lstStyle>
           <a:p>
             <a:r>
-              <a:rPr lang="en-US" smtClean="0"/>
+              <a:rPr lang="en-US"/>
               <a:t>Click to edit Master subtitle style</a:t>
             </a:r>
             <a:endParaRPr lang="en-CA"/>
@@ -614,7 +617,7 @@
           <a:p>
             <a:fld id="{0062E371-98E4-479B-95D6-4889C56667E5}" type="datetimeFigureOut">
               <a:rPr lang="en-CA" smtClean="0"/>
-              <a:t>2020-11-03</a:t>
+              <a:t>2023-06-29</a:t>
             </a:fld>
             <a:endParaRPr lang="en-CA"/>
           </a:p>
@@ -708,7 +711,7 @@
           <a:lstStyle/>
           <a:p>
             <a:r>
-              <a:rPr lang="en-US" smtClean="0"/>
+              <a:rPr lang="en-US"/>
               <a:t>Click to edit Master title style</a:t>
             </a:r>
             <a:endParaRPr lang="en-CA"/>
@@ -732,35 +735,35 @@
           <a:p>
             <a:pPr lvl="0"/>
             <a:r>
-              <a:rPr lang="en-US" smtClean="0"/>
+              <a:rPr lang="en-US"/>
               <a:t>Edit Master text styles</a:t>
             </a:r>
           </a:p>
           <a:p>
             <a:pPr lvl="1"/>
             <a:r>
-              <a:rPr lang="en-US" smtClean="0"/>
+              <a:rPr lang="en-US"/>
               <a:t>Second level</a:t>
             </a:r>
           </a:p>
           <a:p>
             <a:pPr lvl="2"/>
             <a:r>
-              <a:rPr lang="en-US" smtClean="0"/>
+              <a:rPr lang="en-US"/>
               <a:t>Third level</a:t>
             </a:r>
           </a:p>
           <a:p>
             <a:pPr lvl="3"/>
             <a:r>
-              <a:rPr lang="en-US" smtClean="0"/>
+              <a:rPr lang="en-US"/>
               <a:t>Fourth level</a:t>
             </a:r>
           </a:p>
           <a:p>
             <a:pPr lvl="4"/>
             <a:r>
-              <a:rPr lang="en-US" smtClean="0"/>
+              <a:rPr lang="en-US"/>
               <a:t>Fifth level</a:t>
             </a:r>
             <a:endParaRPr lang="en-CA"/>
@@ -784,7 +787,7 @@
           <a:p>
             <a:fld id="{0062E371-98E4-479B-95D6-4889C56667E5}" type="datetimeFigureOut">
               <a:rPr lang="en-CA" smtClean="0"/>
-              <a:t>2020-11-03</a:t>
+              <a:t>2023-06-29</a:t>
             </a:fld>
             <a:endParaRPr lang="en-CA"/>
           </a:p>
@@ -883,7 +886,7 @@
           <a:lstStyle/>
           <a:p>
             <a:r>
-              <a:rPr lang="en-US" smtClean="0"/>
+              <a:rPr lang="en-US"/>
               <a:t>Click to edit Master title style</a:t>
             </a:r>
             <a:endParaRPr lang="en-CA"/>
@@ -912,35 +915,35 @@
           <a:p>
             <a:pPr lvl="0"/>
             <a:r>
-              <a:rPr lang="en-US" smtClean="0"/>
+              <a:rPr lang="en-US"/>
               <a:t>Edit Master text styles</a:t>
             </a:r>
           </a:p>
           <a:p>
             <a:pPr lvl="1"/>
             <a:r>
-              <a:rPr lang="en-US" smtClean="0"/>
+              <a:rPr lang="en-US"/>
               <a:t>Second level</a:t>
             </a:r>
           </a:p>
           <a:p>
             <a:pPr lvl="2"/>
             <a:r>
-              <a:rPr lang="en-US" smtClean="0"/>
+              <a:rPr lang="en-US"/>
               <a:t>Third level</a:t>
             </a:r>
           </a:p>
           <a:p>
             <a:pPr lvl="3"/>
             <a:r>
-              <a:rPr lang="en-US" smtClean="0"/>
+              <a:rPr lang="en-US"/>
               <a:t>Fourth level</a:t>
             </a:r>
           </a:p>
           <a:p>
             <a:pPr lvl="4"/>
             <a:r>
-              <a:rPr lang="en-US" smtClean="0"/>
+              <a:rPr lang="en-US"/>
               <a:t>Fifth level</a:t>
             </a:r>
             <a:endParaRPr lang="en-CA"/>
@@ -964,7 +967,7 @@
           <a:p>
             <a:fld id="{0062E371-98E4-479B-95D6-4889C56667E5}" type="datetimeFigureOut">
               <a:rPr lang="en-CA" smtClean="0"/>
-              <a:t>2020-11-03</a:t>
+              <a:t>2023-06-29</a:t>
             </a:fld>
             <a:endParaRPr lang="en-CA"/>
           </a:p>
@@ -1058,7 +1061,7 @@
           <a:lstStyle/>
           <a:p>
             <a:r>
-              <a:rPr lang="en-US" smtClean="0"/>
+              <a:rPr lang="en-US"/>
               <a:t>Click to edit Master title style</a:t>
             </a:r>
             <a:endParaRPr lang="en-CA"/>
@@ -1082,35 +1085,35 @@
           <a:p>
             <a:pPr lvl="0"/>
             <a:r>
-              <a:rPr lang="en-US" smtClean="0"/>
+              <a:rPr lang="en-US"/>
               <a:t>Edit Master text styles</a:t>
             </a:r>
           </a:p>
           <a:p>
             <a:pPr lvl="1"/>
             <a:r>
-              <a:rPr lang="en-US" smtClean="0"/>
+              <a:rPr lang="en-US"/>
               <a:t>Second level</a:t>
             </a:r>
           </a:p>
           <a:p>
             <a:pPr lvl="2"/>
             <a:r>
-              <a:rPr lang="en-US" smtClean="0"/>
+              <a:rPr lang="en-US"/>
               <a:t>Third level</a:t>
             </a:r>
           </a:p>
           <a:p>
             <a:pPr lvl="3"/>
             <a:r>
-              <a:rPr lang="en-US" smtClean="0"/>
+              <a:rPr lang="en-US"/>
               <a:t>Fourth level</a:t>
             </a:r>
           </a:p>
           <a:p>
             <a:pPr lvl="4"/>
             <a:r>
-              <a:rPr lang="en-US" smtClean="0"/>
+              <a:rPr lang="en-US"/>
               <a:t>Fifth level</a:t>
             </a:r>
             <a:endParaRPr lang="en-CA"/>
@@ -1134,7 +1137,7 @@
           <a:p>
             <a:fld id="{0062E371-98E4-479B-95D6-4889C56667E5}" type="datetimeFigureOut">
               <a:rPr lang="en-CA" smtClean="0"/>
-              <a:t>2020-11-03</a:t>
+              <a:t>2023-06-29</a:t>
             </a:fld>
             <a:endParaRPr lang="en-CA"/>
           </a:p>
@@ -1237,7 +1240,7 @@
           </a:lstStyle>
           <a:p>
             <a:r>
-              <a:rPr lang="en-US" smtClean="0"/>
+              <a:rPr lang="en-US"/>
               <a:t>Click to edit Master title style</a:t>
             </a:r>
             <a:endParaRPr lang="en-CA"/>
@@ -1357,7 +1360,7 @@
           <a:p>
             <a:pPr lvl="0"/>
             <a:r>
-              <a:rPr lang="en-US" smtClean="0"/>
+              <a:rPr lang="en-US"/>
               <a:t>Edit Master text styles</a:t>
             </a:r>
           </a:p>
@@ -1380,7 +1383,7 @@
           <a:p>
             <a:fld id="{0062E371-98E4-479B-95D6-4889C56667E5}" type="datetimeFigureOut">
               <a:rPr lang="en-CA" smtClean="0"/>
-              <a:t>2020-11-03</a:t>
+              <a:t>2023-06-29</a:t>
             </a:fld>
             <a:endParaRPr lang="en-CA"/>
           </a:p>
@@ -1474,7 +1477,7 @@
           <a:lstStyle/>
           <a:p>
             <a:r>
-              <a:rPr lang="en-US" smtClean="0"/>
+              <a:rPr lang="en-US"/>
               <a:t>Click to edit Master title style</a:t>
             </a:r>
             <a:endParaRPr lang="en-CA"/>
@@ -1503,35 +1506,35 @@
           <a:p>
             <a:pPr lvl="0"/>
             <a:r>
-              <a:rPr lang="en-US" smtClean="0"/>
+              <a:rPr lang="en-US"/>
               <a:t>Edit Master text styles</a:t>
             </a:r>
           </a:p>
           <a:p>
             <a:pPr lvl="1"/>
             <a:r>
-              <a:rPr lang="en-US" smtClean="0"/>
+              <a:rPr lang="en-US"/>
               <a:t>Second level</a:t>
             </a:r>
           </a:p>
           <a:p>
             <a:pPr lvl="2"/>
             <a:r>
-              <a:rPr lang="en-US" smtClean="0"/>
+              <a:rPr lang="en-US"/>
               <a:t>Third level</a:t>
             </a:r>
           </a:p>
           <a:p>
             <a:pPr lvl="3"/>
             <a:r>
-              <a:rPr lang="en-US" smtClean="0"/>
+              <a:rPr lang="en-US"/>
               <a:t>Fourth level</a:t>
             </a:r>
           </a:p>
           <a:p>
             <a:pPr lvl="4"/>
             <a:r>
-              <a:rPr lang="en-US" smtClean="0"/>
+              <a:rPr lang="en-US"/>
               <a:t>Fifth level</a:t>
             </a:r>
             <a:endParaRPr lang="en-CA"/>
@@ -1560,35 +1563,35 @@
           <a:p>
             <a:pPr lvl="0"/>
             <a:r>
-              <a:rPr lang="en-US" smtClean="0"/>
+              <a:rPr lang="en-US"/>
               <a:t>Edit Master text styles</a:t>
             </a:r>
           </a:p>
           <a:p>
             <a:pPr lvl="1"/>
             <a:r>
-              <a:rPr lang="en-US" smtClean="0"/>
+              <a:rPr lang="en-US"/>
               <a:t>Second level</a:t>
             </a:r>
           </a:p>
           <a:p>
             <a:pPr lvl="2"/>
             <a:r>
-              <a:rPr lang="en-US" smtClean="0"/>
+              <a:rPr lang="en-US"/>
               <a:t>Third level</a:t>
             </a:r>
           </a:p>
           <a:p>
             <a:pPr lvl="3"/>
             <a:r>
-              <a:rPr lang="en-US" smtClean="0"/>
+              <a:rPr lang="en-US"/>
               <a:t>Fourth level</a:t>
             </a:r>
           </a:p>
           <a:p>
             <a:pPr lvl="4"/>
             <a:r>
-              <a:rPr lang="en-US" smtClean="0"/>
+              <a:rPr lang="en-US"/>
               <a:t>Fifth level</a:t>
             </a:r>
             <a:endParaRPr lang="en-CA"/>
@@ -1612,7 +1615,7 @@
           <a:p>
             <a:fld id="{0062E371-98E4-479B-95D6-4889C56667E5}" type="datetimeFigureOut">
               <a:rPr lang="en-CA" smtClean="0"/>
-              <a:t>2020-11-03</a:t>
+              <a:t>2023-06-29</a:t>
             </a:fld>
             <a:endParaRPr lang="en-CA"/>
           </a:p>
@@ -1711,7 +1714,7 @@
           <a:lstStyle/>
           <a:p>
             <a:r>
-              <a:rPr lang="en-US" smtClean="0"/>
+              <a:rPr lang="en-US"/>
               <a:t>Click to edit Master title style</a:t>
             </a:r>
             <a:endParaRPr lang="en-CA"/>
@@ -1777,7 +1780,7 @@
           <a:p>
             <a:pPr lvl="0"/>
             <a:r>
-              <a:rPr lang="en-US" smtClean="0"/>
+              <a:rPr lang="en-US"/>
               <a:t>Edit Master text styles</a:t>
             </a:r>
           </a:p>
@@ -1805,35 +1808,35 @@
           <a:p>
             <a:pPr lvl="0"/>
             <a:r>
-              <a:rPr lang="en-US" smtClean="0"/>
+              <a:rPr lang="en-US"/>
               <a:t>Edit Master text styles</a:t>
             </a:r>
           </a:p>
           <a:p>
             <a:pPr lvl="1"/>
             <a:r>
-              <a:rPr lang="en-US" smtClean="0"/>
+              <a:rPr lang="en-US"/>
               <a:t>Second level</a:t>
             </a:r>
           </a:p>
           <a:p>
             <a:pPr lvl="2"/>
             <a:r>
-              <a:rPr lang="en-US" smtClean="0"/>
+              <a:rPr lang="en-US"/>
               <a:t>Third level</a:t>
             </a:r>
           </a:p>
           <a:p>
             <a:pPr lvl="3"/>
             <a:r>
-              <a:rPr lang="en-US" smtClean="0"/>
+              <a:rPr lang="en-US"/>
               <a:t>Fourth level</a:t>
             </a:r>
           </a:p>
           <a:p>
             <a:pPr lvl="4"/>
             <a:r>
-              <a:rPr lang="en-US" smtClean="0"/>
+              <a:rPr lang="en-US"/>
               <a:t>Fifth level</a:t>
             </a:r>
             <a:endParaRPr lang="en-CA"/>
@@ -1899,7 +1902,7 @@
           <a:p>
             <a:pPr lvl="0"/>
             <a:r>
-              <a:rPr lang="en-US" smtClean="0"/>
+              <a:rPr lang="en-US"/>
               <a:t>Edit Master text styles</a:t>
             </a:r>
           </a:p>
@@ -1927,35 +1930,35 @@
           <a:p>
             <a:pPr lvl="0"/>
             <a:r>
-              <a:rPr lang="en-US" smtClean="0"/>
+              <a:rPr lang="en-US"/>
               <a:t>Edit Master text styles</a:t>
             </a:r>
           </a:p>
           <a:p>
             <a:pPr lvl="1"/>
             <a:r>
-              <a:rPr lang="en-US" smtClean="0"/>
+              <a:rPr lang="en-US"/>
               <a:t>Second level</a:t>
             </a:r>
           </a:p>
           <a:p>
             <a:pPr lvl="2"/>
             <a:r>
-              <a:rPr lang="en-US" smtClean="0"/>
+              <a:rPr lang="en-US"/>
               <a:t>Third level</a:t>
             </a:r>
           </a:p>
           <a:p>
             <a:pPr lvl="3"/>
             <a:r>
-              <a:rPr lang="en-US" smtClean="0"/>
+              <a:rPr lang="en-US"/>
               <a:t>Fourth level</a:t>
             </a:r>
           </a:p>
           <a:p>
             <a:pPr lvl="4"/>
             <a:r>
-              <a:rPr lang="en-US" smtClean="0"/>
+              <a:rPr lang="en-US"/>
               <a:t>Fifth level</a:t>
             </a:r>
             <a:endParaRPr lang="en-CA"/>
@@ -1979,7 +1982,7 @@
           <a:p>
             <a:fld id="{0062E371-98E4-479B-95D6-4889C56667E5}" type="datetimeFigureOut">
               <a:rPr lang="en-CA" smtClean="0"/>
-              <a:t>2020-11-03</a:t>
+              <a:t>2023-06-29</a:t>
             </a:fld>
             <a:endParaRPr lang="en-CA"/>
           </a:p>
@@ -2073,7 +2076,7 @@
           <a:lstStyle/>
           <a:p>
             <a:r>
-              <a:rPr lang="en-US" smtClean="0"/>
+              <a:rPr lang="en-US"/>
               <a:t>Click to edit Master title style</a:t>
             </a:r>
             <a:endParaRPr lang="en-CA"/>
@@ -2097,7 +2100,7 @@
           <a:p>
             <a:fld id="{0062E371-98E4-479B-95D6-4889C56667E5}" type="datetimeFigureOut">
               <a:rPr lang="en-CA" smtClean="0"/>
-              <a:t>2020-11-03</a:t>
+              <a:t>2023-06-29</a:t>
             </a:fld>
             <a:endParaRPr lang="en-CA"/>
           </a:p>
@@ -2192,7 +2195,7 @@
           <a:p>
             <a:fld id="{0062E371-98E4-479B-95D6-4889C56667E5}" type="datetimeFigureOut">
               <a:rPr lang="en-CA" smtClean="0"/>
-              <a:t>2020-11-03</a:t>
+              <a:t>2023-06-29</a:t>
             </a:fld>
             <a:endParaRPr lang="en-CA"/>
           </a:p>
@@ -2295,7 +2298,7 @@
           </a:lstStyle>
           <a:p>
             <a:r>
-              <a:rPr lang="en-US" smtClean="0"/>
+              <a:rPr lang="en-US"/>
               <a:t>Click to edit Master title style</a:t>
             </a:r>
             <a:endParaRPr lang="en-CA"/>
@@ -2352,35 +2355,35 @@
           <a:p>
             <a:pPr lvl="0"/>
             <a:r>
-              <a:rPr lang="en-US" smtClean="0"/>
+              <a:rPr lang="en-US"/>
               <a:t>Edit Master text styles</a:t>
             </a:r>
           </a:p>
           <a:p>
             <a:pPr lvl="1"/>
             <a:r>
-              <a:rPr lang="en-US" smtClean="0"/>
+              <a:rPr lang="en-US"/>
               <a:t>Second level</a:t>
             </a:r>
           </a:p>
           <a:p>
             <a:pPr lvl="2"/>
             <a:r>
-              <a:rPr lang="en-US" smtClean="0"/>
+              <a:rPr lang="en-US"/>
               <a:t>Third level</a:t>
             </a:r>
           </a:p>
           <a:p>
             <a:pPr lvl="3"/>
             <a:r>
-              <a:rPr lang="en-US" smtClean="0"/>
+              <a:rPr lang="en-US"/>
               <a:t>Fourth level</a:t>
             </a:r>
           </a:p>
           <a:p>
             <a:pPr lvl="4"/>
             <a:r>
-              <a:rPr lang="en-US" smtClean="0"/>
+              <a:rPr lang="en-US"/>
               <a:t>Fifth level</a:t>
             </a:r>
             <a:endParaRPr lang="en-CA"/>
@@ -2446,7 +2449,7 @@
           <a:p>
             <a:pPr lvl="0"/>
             <a:r>
-              <a:rPr lang="en-US" smtClean="0"/>
+              <a:rPr lang="en-US"/>
               <a:t>Edit Master text styles</a:t>
             </a:r>
           </a:p>
@@ -2469,7 +2472,7 @@
           <a:p>
             <a:fld id="{0062E371-98E4-479B-95D6-4889C56667E5}" type="datetimeFigureOut">
               <a:rPr lang="en-CA" smtClean="0"/>
-              <a:t>2020-11-03</a:t>
+              <a:t>2023-06-29</a:t>
             </a:fld>
             <a:endParaRPr lang="en-CA"/>
           </a:p>
@@ -2572,7 +2575,7 @@
           </a:lstStyle>
           <a:p>
             <a:r>
-              <a:rPr lang="en-US" smtClean="0"/>
+              <a:rPr lang="en-US"/>
               <a:t>Click to edit Master title style</a:t>
             </a:r>
             <a:endParaRPr lang="en-CA"/>
@@ -2699,7 +2702,7 @@
           <a:p>
             <a:pPr lvl="0"/>
             <a:r>
-              <a:rPr lang="en-US" smtClean="0"/>
+              <a:rPr lang="en-US"/>
               <a:t>Edit Master text styles</a:t>
             </a:r>
           </a:p>
@@ -2722,7 +2725,7 @@
           <a:p>
             <a:fld id="{0062E371-98E4-479B-95D6-4889C56667E5}" type="datetimeFigureOut">
               <a:rPr lang="en-CA" smtClean="0"/>
-              <a:t>2020-11-03</a:t>
+              <a:t>2023-06-29</a:t>
             </a:fld>
             <a:endParaRPr lang="en-CA"/>
           </a:p>
@@ -2831,7 +2834,7 @@
           <a:lstStyle/>
           <a:p>
             <a:r>
-              <a:rPr lang="en-US" smtClean="0"/>
+              <a:rPr lang="en-US"/>
               <a:t>Click to edit Master title style</a:t>
             </a:r>
             <a:endParaRPr lang="en-CA"/>
@@ -2865,35 +2868,35 @@
           <a:p>
             <a:pPr lvl="0"/>
             <a:r>
-              <a:rPr lang="en-US" smtClean="0"/>
+              <a:rPr lang="en-US"/>
               <a:t>Edit Master text styles</a:t>
             </a:r>
           </a:p>
           <a:p>
             <a:pPr lvl="1"/>
             <a:r>
-              <a:rPr lang="en-US" smtClean="0"/>
+              <a:rPr lang="en-US"/>
               <a:t>Second level</a:t>
             </a:r>
           </a:p>
           <a:p>
             <a:pPr lvl="2"/>
             <a:r>
-              <a:rPr lang="en-US" smtClean="0"/>
+              <a:rPr lang="en-US"/>
               <a:t>Third level</a:t>
             </a:r>
           </a:p>
           <a:p>
             <a:pPr lvl="3"/>
             <a:r>
-              <a:rPr lang="en-US" smtClean="0"/>
+              <a:rPr lang="en-US"/>
               <a:t>Fourth level</a:t>
             </a:r>
           </a:p>
           <a:p>
             <a:pPr lvl="4"/>
             <a:r>
-              <a:rPr lang="en-US" smtClean="0"/>
+              <a:rPr lang="en-US"/>
               <a:t>Fifth level</a:t>
             </a:r>
             <a:endParaRPr lang="en-CA"/>
@@ -2935,7 +2938,7 @@
           <a:p>
             <a:fld id="{0062E371-98E4-479B-95D6-4889C56667E5}" type="datetimeFigureOut">
               <a:rPr lang="en-CA" smtClean="0"/>
-              <a:t>2020-11-03</a:t>
+              <a:t>2023-06-29</a:t>
             </a:fld>
             <a:endParaRPr lang="en-CA"/>
           </a:p>
@@ -3478,10 +3481,9 @@
           <a:lstStyle/>
           <a:p>
             <a:r>
-              <a:rPr lang="en-CA" dirty="0" smtClean="0"/>
+              <a:rPr lang="en-CA" dirty="0"/>
               <a:t>Example dynamic map extent zoom=1. Each extent has a map coordinate system.</a:t>
             </a:r>
-            <a:endParaRPr lang="en-CA" dirty="0"/>
           </a:p>
         </p:txBody>
       </p:sp>
@@ -3574,10 +3576,9 @@
           <a:lstStyle/>
           <a:p>
             <a:r>
-              <a:rPr lang="en-CA" dirty="0" smtClean="0"/>
+              <a:rPr lang="en-CA" dirty="0"/>
               <a:t>Origin</a:t>
             </a:r>
-            <a:endParaRPr lang="en-CA" dirty="0"/>
           </a:p>
         </p:txBody>
       </p:sp>
@@ -3637,10 +3638,9 @@
           <a:lstStyle/>
           <a:p>
             <a:r>
-              <a:rPr lang="en-CA" dirty="0" smtClean="0"/>
+              <a:rPr lang="en-CA" dirty="0"/>
               <a:t>TCRS Positive “x” axis</a:t>
             </a:r>
-            <a:endParaRPr lang="en-CA" dirty="0"/>
           </a:p>
         </p:txBody>
       </p:sp>
@@ -3700,10 +3700,9 @@
           <a:lstStyle/>
           <a:p>
             <a:r>
-              <a:rPr lang="en-CA" dirty="0" smtClean="0"/>
+              <a:rPr lang="en-CA" dirty="0"/>
               <a:t>TCRS Positive “y” axis</a:t>
             </a:r>
-            <a:endParaRPr lang="en-CA" dirty="0"/>
           </a:p>
         </p:txBody>
       </p:sp>
@@ -3730,10 +3729,9 @@
           <a:lstStyle/>
           <a:p>
             <a:r>
-              <a:rPr lang="en-CA" dirty="0" smtClean="0"/>
+              <a:rPr lang="en-CA" dirty="0"/>
               <a:t>Tiled Coordinate Reference System  aka “ OGC TileMatrixSet”</a:t>
             </a:r>
-            <a:endParaRPr lang="en-CA" dirty="0"/>
           </a:p>
         </p:txBody>
       </p:sp>
@@ -3859,10 +3857,9 @@
           <a:lstStyle/>
           <a:p>
             <a:r>
-              <a:rPr lang="en-CA" dirty="0" smtClean="0"/>
+              <a:rPr lang="en-CA" dirty="0"/>
               <a:t>Map CS positive “i” axis</a:t>
             </a:r>
-            <a:endParaRPr lang="en-CA" dirty="0"/>
           </a:p>
         </p:txBody>
       </p:sp>
@@ -3922,10 +3919,9 @@
           <a:lstStyle/>
           <a:p>
             <a:r>
-              <a:rPr lang="en-CA" dirty="0" smtClean="0"/>
+              <a:rPr lang="en-CA" dirty="0"/>
               <a:t>Map CS positive “j” axis</a:t>
             </a:r>
-            <a:endParaRPr lang="en-CA" dirty="0"/>
           </a:p>
         </p:txBody>
       </p:sp>
@@ -3951,10 +3947,9 @@
           <a:lstStyle/>
           <a:p>
             <a:r>
-              <a:rPr lang="en-CA" dirty="0" smtClean="0"/>
+              <a:rPr lang="en-CA" dirty="0"/>
               <a:t>Map CS</a:t>
             </a:r>
-            <a:endParaRPr lang="en-CA" dirty="0"/>
           </a:p>
         </p:txBody>
       </p:sp>
@@ -3981,10 +3976,9 @@
           <a:lstStyle/>
           <a:p>
             <a:r>
-              <a:rPr lang="en-CA" dirty="0" smtClean="0"/>
+              <a:rPr lang="en-CA" dirty="0"/>
               <a:t>Origin</a:t>
             </a:r>
-            <a:endParaRPr lang="en-CA" dirty="0"/>
           </a:p>
         </p:txBody>
       </p:sp>
@@ -4114,18 +4108,17 @@
           <a:lstStyle/>
           <a:p>
             <a:r>
-              <a:rPr lang="en-CA" dirty="0" smtClean="0"/>
+              <a:rPr lang="en-CA" dirty="0"/>
               <a:t>Geodetic CRS positive “latitude” axis (</a:t>
             </a:r>
             <a:r>
-              <a:rPr lang="en-CA" dirty="0" err="1" smtClean="0"/>
+              <a:rPr lang="en-CA" dirty="0" err="1"/>
               <a:t>dec.</a:t>
             </a:r>
             <a:r>
-              <a:rPr lang="en-CA" dirty="0" smtClean="0"/>
+              <a:rPr lang="en-CA" dirty="0"/>
               <a:t> degrees)</a:t>
             </a:r>
-            <a:endParaRPr lang="en-CA" dirty="0"/>
           </a:p>
         </p:txBody>
       </p:sp>
@@ -4185,10 +4178,9 @@
           <a:lstStyle/>
           <a:p>
             <a:r>
-              <a:rPr lang="en-CA" dirty="0" smtClean="0"/>
+              <a:rPr lang="en-CA" dirty="0"/>
               <a:t>Geodetic CRS negative “longitude” axis</a:t>
             </a:r>
-            <a:endParaRPr lang="en-CA" dirty="0"/>
           </a:p>
         </p:txBody>
       </p:sp>
@@ -4215,10 +4207,9 @@
           <a:lstStyle/>
           <a:p>
             <a:r>
-              <a:rPr lang="en-CA" dirty="0" smtClean="0"/>
+              <a:rPr lang="en-CA" dirty="0"/>
               <a:t>Origin</a:t>
             </a:r>
-            <a:endParaRPr lang="en-CA" dirty="0"/>
           </a:p>
         </p:txBody>
       </p:sp>
@@ -4280,10 +4271,9 @@
           <a:lstStyle/>
           <a:p>
             <a:r>
-              <a:rPr lang="en-CA" dirty="0" smtClean="0"/>
+              <a:rPr lang="en-CA" dirty="0"/>
               <a:t>Projected CRS positive “easting” axis (meters)</a:t>
             </a:r>
-            <a:endParaRPr lang="en-CA" dirty="0"/>
           </a:p>
         </p:txBody>
       </p:sp>
@@ -4347,10 +4337,9 @@
           <a:lstStyle/>
           <a:p>
             <a:r>
-              <a:rPr lang="en-CA" sz="1400" dirty="0" smtClean="0"/>
+              <a:rPr lang="en-CA" sz="1400" dirty="0"/>
               <a:t>Projected CRS positive “northing” axis (meters)</a:t>
             </a:r>
-            <a:endParaRPr lang="en-CA" sz="1400" dirty="0"/>
           </a:p>
         </p:txBody>
       </p:sp>
@@ -4377,10 +4366,9 @@
           <a:lstStyle/>
           <a:p>
             <a:r>
-              <a:rPr lang="en-CA" dirty="0" smtClean="0"/>
+              <a:rPr lang="en-CA" dirty="0"/>
               <a:t>GCRS, PCRS</a:t>
             </a:r>
-            <a:endParaRPr lang="en-CA" dirty="0"/>
           </a:p>
         </p:txBody>
       </p:sp>
@@ -4394,13 +4382,6 @@
   <p:clrMapOvr>
     <a:masterClrMapping/>
   </p:clrMapOvr>
-  <p:timing>
-    <p:tnLst>
-      <p:par>
-        <p:cTn id="1" dur="indefinite" restart="never" nodeType="tmRoot"/>
-      </p:par>
-    </p:tnLst>
-  </p:timing>
 </p:sld>
 </file>
 
@@ -4551,10 +4532,9 @@
           <a:lstStyle/>
           <a:p>
             <a:r>
-              <a:rPr lang="en-CA" dirty="0" smtClean="0"/>
+              <a:rPr lang="en-CA" dirty="0"/>
               <a:t>Origin</a:t>
             </a:r>
-            <a:endParaRPr lang="en-CA" dirty="0"/>
           </a:p>
         </p:txBody>
       </p:sp>
@@ -4614,10 +4594,9 @@
           <a:lstStyle/>
           <a:p>
             <a:r>
-              <a:rPr lang="en-CA" dirty="0" smtClean="0"/>
+              <a:rPr lang="en-CA" dirty="0"/>
               <a:t>TileMatrix  zoom=1  Positive “column” axis</a:t>
             </a:r>
-            <a:endParaRPr lang="en-CA" dirty="0"/>
           </a:p>
         </p:txBody>
       </p:sp>
@@ -4677,10 +4656,9 @@
           <a:lstStyle/>
           <a:p>
             <a:r>
-              <a:rPr lang="en-CA" dirty="0" smtClean="0"/>
+              <a:rPr lang="en-CA" dirty="0"/>
               <a:t>TileMatrix zoom=1 Positive “row” axis</a:t>
             </a:r>
-            <a:endParaRPr lang="en-CA" dirty="0"/>
           </a:p>
         </p:txBody>
       </p:sp>
@@ -5003,10 +4981,9 @@
           <a:lstStyle/>
           <a:p>
             <a:r>
-              <a:rPr lang="en-CA" dirty="0" smtClean="0"/>
+              <a:rPr lang="en-CA" dirty="0"/>
               <a:t>0,0</a:t>
             </a:r>
-            <a:endParaRPr lang="en-CA" dirty="0"/>
           </a:p>
         </p:txBody>
       </p:sp>
@@ -5033,10 +5010,9 @@
           <a:lstStyle/>
           <a:p>
             <a:r>
-              <a:rPr lang="en-CA" dirty="0" smtClean="0"/>
+              <a:rPr lang="en-CA" dirty="0"/>
               <a:t>0,1</a:t>
             </a:r>
-            <a:endParaRPr lang="en-CA" dirty="0"/>
           </a:p>
         </p:txBody>
       </p:sp>
@@ -5064,13 +5040,8 @@
           <a:p>
             <a:r>
               <a:rPr lang="en-CA" dirty="0"/>
-              <a:t>1</a:t>
-            </a:r>
-            <a:r>
-              <a:rPr lang="en-CA" dirty="0" smtClean="0"/>
-              <a:t>,0</a:t>
-            </a:r>
-            <a:endParaRPr lang="en-CA" dirty="0"/>
+              <a:t>1,0</a:t>
+            </a:r>
           </a:p>
         </p:txBody>
       </p:sp>
@@ -5097,10 +5068,9 @@
           <a:lstStyle/>
           <a:p>
             <a:r>
-              <a:rPr lang="en-CA" dirty="0" smtClean="0"/>
+              <a:rPr lang="en-CA" dirty="0"/>
               <a:t>1,1</a:t>
             </a:r>
-            <a:endParaRPr lang="en-CA" dirty="0"/>
           </a:p>
         </p:txBody>
       </p:sp>
@@ -5127,10 +5097,9 @@
           <a:lstStyle/>
           <a:p>
             <a:r>
-              <a:rPr lang="en-CA" dirty="0" smtClean="0"/>
+              <a:rPr lang="en-CA" dirty="0"/>
               <a:t>OSMTILE Tiled Coordinate Reference System</a:t>
             </a:r>
-            <a:endParaRPr lang="en-CA" dirty="0"/>
           </a:p>
         </p:txBody>
       </p:sp>
@@ -5144,13 +5113,6 @@
   <p:clrMapOvr>
     <a:masterClrMapping/>
   </p:clrMapOvr>
-  <p:timing>
-    <p:tnLst>
-      <p:par>
-        <p:cTn id="1" dur="indefinite" restart="never" nodeType="tmRoot"/>
-      </p:par>
-    </p:tnLst>
-  </p:timing>
 </p:sld>
 </file>
 
@@ -5309,10 +5271,9 @@
           <a:lstStyle/>
           <a:p>
             <a:r>
-              <a:rPr lang="en-CA" dirty="0" smtClean="0"/>
+              <a:rPr lang="en-CA" dirty="0"/>
               <a:t>Example dynamic map extent zoom=1. Each extent has a map coordinate system.</a:t>
             </a:r>
-            <a:endParaRPr lang="en-CA" dirty="0"/>
           </a:p>
         </p:txBody>
       </p:sp>
@@ -5405,10 +5366,9 @@
           <a:lstStyle/>
           <a:p>
             <a:r>
-              <a:rPr lang="en-CA" dirty="0" smtClean="0"/>
+              <a:rPr lang="en-CA" dirty="0"/>
               <a:t>Origin</a:t>
             </a:r>
-            <a:endParaRPr lang="en-CA" dirty="0"/>
           </a:p>
         </p:txBody>
       </p:sp>
@@ -5468,10 +5428,9 @@
           <a:lstStyle/>
           <a:p>
             <a:r>
-              <a:rPr lang="en-CA" dirty="0" smtClean="0"/>
+              <a:rPr lang="en-CA" dirty="0"/>
               <a:t>TCRS Positive “x” axis</a:t>
             </a:r>
-            <a:endParaRPr lang="en-CA" dirty="0"/>
           </a:p>
         </p:txBody>
       </p:sp>
@@ -5531,10 +5490,9 @@
           <a:lstStyle/>
           <a:p>
             <a:r>
-              <a:rPr lang="en-CA" dirty="0" smtClean="0"/>
+              <a:rPr lang="en-CA" dirty="0"/>
               <a:t>TCRS Positive “y” axis</a:t>
             </a:r>
-            <a:endParaRPr lang="en-CA" dirty="0"/>
           </a:p>
         </p:txBody>
       </p:sp>
@@ -5561,10 +5519,9 @@
           <a:lstStyle/>
           <a:p>
             <a:r>
-              <a:rPr lang="en-CA" dirty="0" smtClean="0"/>
+              <a:rPr lang="en-CA" dirty="0"/>
               <a:t>Tiled Coordinate Reference System  aka “ OGC TileMatrixSet”</a:t>
             </a:r>
-            <a:endParaRPr lang="en-CA" dirty="0"/>
           </a:p>
         </p:txBody>
       </p:sp>
@@ -5690,10 +5647,9 @@
           <a:lstStyle/>
           <a:p>
             <a:r>
-              <a:rPr lang="en-CA" dirty="0" smtClean="0"/>
+              <a:rPr lang="en-CA" dirty="0"/>
               <a:t>Map CS positive “i” axis</a:t>
             </a:r>
-            <a:endParaRPr lang="en-CA" dirty="0"/>
           </a:p>
         </p:txBody>
       </p:sp>
@@ -5753,10 +5709,9 @@
           <a:lstStyle/>
           <a:p>
             <a:r>
-              <a:rPr lang="en-CA" dirty="0" smtClean="0"/>
+              <a:rPr lang="en-CA" dirty="0"/>
               <a:t>Map CS positive “j” axis</a:t>
             </a:r>
-            <a:endParaRPr lang="en-CA" dirty="0"/>
           </a:p>
         </p:txBody>
       </p:sp>
@@ -5782,10 +5737,9 @@
           <a:lstStyle/>
           <a:p>
             <a:r>
-              <a:rPr lang="en-CA" dirty="0" smtClean="0"/>
+              <a:rPr lang="en-CA" dirty="0"/>
               <a:t>Map CS</a:t>
             </a:r>
-            <a:endParaRPr lang="en-CA" dirty="0"/>
           </a:p>
         </p:txBody>
       </p:sp>
@@ -5812,10 +5766,9 @@
           <a:lstStyle/>
           <a:p>
             <a:r>
-              <a:rPr lang="en-CA" dirty="0" smtClean="0"/>
+              <a:rPr lang="en-CA" dirty="0"/>
               <a:t>Origin</a:t>
             </a:r>
-            <a:endParaRPr lang="en-CA" dirty="0"/>
           </a:p>
         </p:txBody>
       </p:sp>
@@ -5945,18 +5898,17 @@
           <a:lstStyle/>
           <a:p>
             <a:r>
-              <a:rPr lang="en-CA" dirty="0" smtClean="0"/>
+              <a:rPr lang="en-CA" dirty="0"/>
               <a:t>Geodetic CRS positive “latitude” axis (</a:t>
             </a:r>
             <a:r>
-              <a:rPr lang="en-CA" dirty="0" err="1" smtClean="0"/>
+              <a:rPr lang="en-CA" dirty="0" err="1"/>
               <a:t>dec.</a:t>
             </a:r>
             <a:r>
-              <a:rPr lang="en-CA" dirty="0" smtClean="0"/>
+              <a:rPr lang="en-CA" dirty="0"/>
               <a:t> degrees)</a:t>
             </a:r>
-            <a:endParaRPr lang="en-CA" dirty="0"/>
           </a:p>
         </p:txBody>
       </p:sp>
@@ -6016,10 +5968,9 @@
           <a:lstStyle/>
           <a:p>
             <a:r>
-              <a:rPr lang="en-CA" dirty="0" smtClean="0"/>
+              <a:rPr lang="en-CA" dirty="0"/>
               <a:t>Geodetic CRS negative “longitude” axis</a:t>
             </a:r>
-            <a:endParaRPr lang="en-CA" dirty="0"/>
           </a:p>
         </p:txBody>
       </p:sp>
@@ -6046,10 +5997,9 @@
           <a:lstStyle/>
           <a:p>
             <a:r>
-              <a:rPr lang="en-CA" dirty="0" smtClean="0"/>
+              <a:rPr lang="en-CA" dirty="0"/>
               <a:t>Origin</a:t>
             </a:r>
-            <a:endParaRPr lang="en-CA" dirty="0"/>
           </a:p>
         </p:txBody>
       </p:sp>
@@ -6111,10 +6061,9 @@
           <a:lstStyle/>
           <a:p>
             <a:r>
-              <a:rPr lang="en-CA" dirty="0" smtClean="0"/>
+              <a:rPr lang="en-CA" dirty="0"/>
               <a:t>Projected CRS positive “easting” axis (meters)</a:t>
             </a:r>
-            <a:endParaRPr lang="en-CA" dirty="0"/>
           </a:p>
         </p:txBody>
       </p:sp>
@@ -6178,10 +6127,9 @@
           <a:lstStyle/>
           <a:p>
             <a:r>
-              <a:rPr lang="en-CA" sz="1400" dirty="0" smtClean="0"/>
+              <a:rPr lang="en-CA" sz="1400" dirty="0"/>
               <a:t>Projected CRS positive “northing” axis (meters)</a:t>
             </a:r>
-            <a:endParaRPr lang="en-CA" sz="1400" dirty="0"/>
           </a:p>
         </p:txBody>
       </p:sp>
@@ -6208,10 +6156,9 @@
           <a:lstStyle/>
           <a:p>
             <a:r>
-              <a:rPr lang="en-CA" dirty="0" smtClean="0"/>
+              <a:rPr lang="en-CA" dirty="0"/>
               <a:t>GCRS, PCRS</a:t>
             </a:r>
-            <a:endParaRPr lang="en-CA" dirty="0"/>
           </a:p>
         </p:txBody>
       </p:sp>
@@ -6225,13 +6172,6 @@
   <p:clrMapOvr>
     <a:masterClrMapping/>
   </p:clrMapOvr>
-  <p:timing>
-    <p:tnLst>
-      <p:par>
-        <p:cTn id="1" dur="indefinite" restart="never" nodeType="tmRoot"/>
-      </p:par>
-    </p:tnLst>
-  </p:timing>
 </p:sld>
 </file>
 
@@ -6382,10 +6322,9 @@
           <a:lstStyle/>
           <a:p>
             <a:r>
-              <a:rPr lang="en-CA" dirty="0" smtClean="0"/>
+              <a:rPr lang="en-CA" dirty="0"/>
               <a:t>Origin</a:t>
             </a:r>
-            <a:endParaRPr lang="en-CA" dirty="0"/>
           </a:p>
         </p:txBody>
       </p:sp>
@@ -6447,10 +6386,9 @@
           <a:lstStyle/>
           <a:p>
             <a:r>
-              <a:rPr lang="en-CA" dirty="0" smtClean="0"/>
+              <a:rPr lang="en-CA" dirty="0"/>
               <a:t>TCRS  Positive “x” axis</a:t>
             </a:r>
-            <a:endParaRPr lang="en-CA" dirty="0"/>
           </a:p>
         </p:txBody>
       </p:sp>
@@ -6512,10 +6450,9 @@
           <a:lstStyle/>
           <a:p>
             <a:r>
-              <a:rPr lang="en-CA" dirty="0" smtClean="0"/>
+              <a:rPr lang="en-CA" dirty="0"/>
               <a:t>TCRS Positive “y” axis</a:t>
             </a:r>
-            <a:endParaRPr lang="en-CA" dirty="0"/>
           </a:p>
         </p:txBody>
       </p:sp>
@@ -6776,10 +6713,9 @@
           <a:lstStyle/>
           <a:p>
             <a:r>
-              <a:rPr lang="en-CA" dirty="0" smtClean="0"/>
+              <a:rPr lang="en-CA" dirty="0"/>
               <a:t>OSMTILE Tiled Coordinate Reference System, zoom=1</a:t>
             </a:r>
-            <a:endParaRPr lang="en-CA" dirty="0"/>
           </a:p>
         </p:txBody>
       </p:sp>
@@ -6806,10 +6742,9 @@
           <a:lstStyle/>
           <a:p>
             <a:r>
-              <a:rPr lang="en-CA" sz="1400" dirty="0" smtClean="0"/>
+              <a:rPr lang="en-CA" sz="1400" dirty="0"/>
               <a:t>Origin – GCRS, PCRS</a:t>
             </a:r>
-            <a:endParaRPr lang="en-CA" sz="1400" dirty="0"/>
           </a:p>
         </p:txBody>
       </p:sp>
@@ -6910,10 +6845,9 @@
           <a:lstStyle/>
           <a:p>
             <a:r>
-              <a:rPr lang="en-CA" dirty="0" smtClean="0"/>
+              <a:rPr lang="en-CA" dirty="0"/>
               <a:t>MapML response &lt;extent&gt;</a:t>
             </a:r>
-            <a:endParaRPr lang="en-CA" dirty="0"/>
           </a:p>
         </p:txBody>
       </p:sp>
@@ -7053,10 +6987,9 @@
             <a:lstStyle/>
             <a:p>
               <a:r>
-                <a:rPr lang="en-CA" dirty="0" smtClean="0"/>
+                <a:rPr lang="en-CA" dirty="0"/>
                 <a:t>Map CS positive “i” axis</a:t>
               </a:r>
-              <a:endParaRPr lang="en-CA" dirty="0"/>
             </a:p>
           </p:txBody>
         </p:sp>
@@ -7116,10 +7049,9 @@
             <a:lstStyle/>
             <a:p>
               <a:r>
-                <a:rPr lang="en-CA" dirty="0" smtClean="0"/>
+                <a:rPr lang="en-CA" dirty="0"/>
                 <a:t>Map CS positive “j” axis</a:t>
               </a:r>
-              <a:endParaRPr lang="en-CA" dirty="0"/>
             </a:p>
           </p:txBody>
         </p:sp>
@@ -7146,10 +7078,9 @@
             <a:lstStyle/>
             <a:p>
               <a:r>
-                <a:rPr lang="en-CA" sz="1100" dirty="0" smtClean="0"/>
+                <a:rPr lang="en-CA" sz="1100" dirty="0"/>
                 <a:t>Origin – Map CS</a:t>
               </a:r>
-              <a:endParaRPr lang="en-CA" sz="1100" dirty="0"/>
             </a:p>
           </p:txBody>
         </p:sp>
@@ -7164,13 +7095,6 @@
   <p:clrMapOvr>
     <a:masterClrMapping/>
   </p:clrMapOvr>
-  <p:timing>
-    <p:tnLst>
-      <p:par>
-        <p:cTn id="1" dur="indefinite" restart="never" nodeType="tmRoot"/>
-      </p:par>
-    </p:tnLst>
-  </p:timing>
 </p:sld>
 </file>
 
@@ -7444,10 +7368,9 @@
           <a:lstStyle/>
           <a:p>
             <a:r>
-              <a:rPr lang="en-CA" sz="1100" dirty="0" smtClean="0"/>
+              <a:rPr lang="en-CA" sz="1100" dirty="0"/>
               <a:t>Origin of TCRS and TileMatrix</a:t>
             </a:r>
-            <a:endParaRPr lang="en-CA" sz="1100" dirty="0"/>
           </a:p>
         </p:txBody>
       </p:sp>
@@ -7507,10 +7430,9 @@
           <a:lstStyle/>
           <a:p>
             <a:r>
-              <a:rPr lang="en-CA" sz="1100" dirty="0" smtClean="0"/>
+              <a:rPr lang="en-CA" sz="1100" dirty="0"/>
               <a:t>TCRS  Positive “x” axis (px)</a:t>
             </a:r>
-            <a:endParaRPr lang="en-CA" sz="1100" dirty="0"/>
           </a:p>
         </p:txBody>
       </p:sp>
@@ -7574,10 +7496,9 @@
           <a:lstStyle/>
           <a:p>
             <a:r>
-              <a:rPr lang="en-CA" sz="1100" dirty="0" smtClean="0"/>
+              <a:rPr lang="en-CA" sz="1100" dirty="0"/>
               <a:t>TCRS Positive “y” axis (px)</a:t>
             </a:r>
-            <a:endParaRPr lang="en-CA" sz="1100" dirty="0"/>
           </a:p>
         </p:txBody>
       </p:sp>
@@ -7674,7 +7595,7 @@
           <a:lstStyle/>
           <a:p>
             <a:r>
-              <a:rPr lang="en-CA" dirty="0" smtClean="0"/>
+              <a:rPr lang="en-CA" dirty="0"/>
               <a:t>OSMTILE Tiled Coordinate Reference System, zoom=1</a:t>
             </a:r>
           </a:p>
@@ -7703,10 +7624,9 @@
           <a:lstStyle/>
           <a:p>
             <a:r>
-              <a:rPr lang="en-CA" sz="1400" dirty="0" smtClean="0"/>
+              <a:rPr lang="en-CA" sz="1400" dirty="0"/>
               <a:t>Origin of GCRS+PCRS </a:t>
             </a:r>
-            <a:endParaRPr lang="en-CA" sz="1400" dirty="0"/>
           </a:p>
         </p:txBody>
       </p:sp>
@@ -7915,18 +7835,13 @@
           <a:lstStyle/>
           <a:p>
             <a:r>
-              <a:rPr lang="en-CA" dirty="0" smtClean="0">
+              <a:rPr lang="en-CA" dirty="0">
                 <a:solidFill>
                   <a:schemeClr val="accent2"/>
                 </a:solidFill>
               </a:rPr>
               <a:t>0,0</a:t>
             </a:r>
-            <a:endParaRPr lang="en-CA" dirty="0">
-              <a:solidFill>
-                <a:schemeClr val="accent2"/>
-              </a:solidFill>
-            </a:endParaRPr>
           </a:p>
         </p:txBody>
       </p:sp>
@@ -7953,18 +7868,13 @@
           <a:lstStyle/>
           <a:p>
             <a:r>
-              <a:rPr lang="en-CA" dirty="0" smtClean="0">
+              <a:rPr lang="en-CA" dirty="0">
                 <a:solidFill>
                   <a:schemeClr val="accent2"/>
                 </a:solidFill>
               </a:rPr>
               <a:t>0,1</a:t>
             </a:r>
-            <a:endParaRPr lang="en-CA" dirty="0">
-              <a:solidFill>
-                <a:schemeClr val="accent2"/>
-              </a:solidFill>
-            </a:endParaRPr>
           </a:p>
         </p:txBody>
       </p:sp>
@@ -7996,21 +7906,8 @@
                   <a:schemeClr val="accent2"/>
                 </a:solidFill>
               </a:rPr>
-              <a:t>1</a:t>
-            </a:r>
-            <a:r>
-              <a:rPr lang="en-CA" dirty="0" smtClean="0">
-                <a:solidFill>
-                  <a:schemeClr val="accent2"/>
-                </a:solidFill>
-              </a:rPr>
-              <a:t>,0</a:t>
-            </a:r>
-            <a:endParaRPr lang="en-CA" dirty="0">
-              <a:solidFill>
-                <a:schemeClr val="accent2"/>
-              </a:solidFill>
-            </a:endParaRPr>
+              <a:t>1,0</a:t>
+            </a:r>
           </a:p>
         </p:txBody>
       </p:sp>
@@ -8037,18 +7934,13 @@
           <a:lstStyle/>
           <a:p>
             <a:r>
-              <a:rPr lang="en-CA" dirty="0" smtClean="0">
+              <a:rPr lang="en-CA" dirty="0">
                 <a:solidFill>
                   <a:schemeClr val="accent2"/>
                 </a:solidFill>
               </a:rPr>
               <a:t>1,1</a:t>
             </a:r>
-            <a:endParaRPr lang="en-CA" dirty="0">
-              <a:solidFill>
-                <a:schemeClr val="accent2"/>
-              </a:solidFill>
-            </a:endParaRPr>
           </a:p>
         </p:txBody>
       </p:sp>
@@ -8144,18 +8036,13 @@
           <a:lstStyle/>
           <a:p>
             <a:r>
-              <a:rPr lang="en-CA" sz="1200" dirty="0" smtClean="0">
+              <a:rPr lang="en-CA" sz="1200" dirty="0">
                 <a:solidFill>
                   <a:schemeClr val="accent2"/>
                 </a:solidFill>
               </a:rPr>
               <a:t>TileMatrix  Positive “column” axis (tile)</a:t>
             </a:r>
-            <a:endParaRPr lang="en-CA" sz="1200" dirty="0">
-              <a:solidFill>
-                <a:schemeClr val="accent2"/>
-              </a:solidFill>
-            </a:endParaRPr>
           </a:p>
         </p:txBody>
       </p:sp>
@@ -8217,18 +8104,13 @@
           <a:lstStyle/>
           <a:p>
             <a:r>
-              <a:rPr lang="en-CA" sz="1200" dirty="0" smtClean="0">
+              <a:rPr lang="en-CA" sz="1200" dirty="0">
                 <a:solidFill>
                   <a:schemeClr val="accent2"/>
                 </a:solidFill>
               </a:rPr>
               <a:t>TileMatrix Positive “row” axis (tile)</a:t>
             </a:r>
-            <a:endParaRPr lang="en-CA" sz="1200" dirty="0">
-              <a:solidFill>
-                <a:schemeClr val="accent2"/>
-              </a:solidFill>
-            </a:endParaRPr>
           </a:p>
         </p:txBody>
       </p:sp>
@@ -8405,10 +8287,9 @@
           <a:lstStyle/>
           <a:p>
             <a:r>
-              <a:rPr lang="en-CA" sz="1100" dirty="0" smtClean="0"/>
+              <a:rPr lang="en-CA" sz="1100" dirty="0"/>
               <a:t>PCRS positive “northing” axis (m)</a:t>
             </a:r>
-            <a:endParaRPr lang="en-CA" sz="1100" dirty="0"/>
           </a:p>
         </p:txBody>
       </p:sp>
@@ -8551,10 +8432,9 @@
           <a:lstStyle/>
           <a:p>
             <a:r>
-              <a:rPr lang="en-CA" sz="1050" dirty="0" smtClean="0"/>
+              <a:rPr lang="en-CA" sz="1050" dirty="0"/>
               <a:t>Map CS positive “i” axis (px)</a:t>
             </a:r>
-            <a:endParaRPr lang="en-CA" sz="1050" dirty="0"/>
           </a:p>
         </p:txBody>
       </p:sp>
@@ -8581,10 +8461,9 @@
           <a:lstStyle/>
           <a:p>
             <a:r>
-              <a:rPr lang="en-CA" sz="1050" dirty="0" smtClean="0"/>
+              <a:rPr lang="en-CA" sz="1050" dirty="0"/>
               <a:t>Map CS positive “j” axis (px)</a:t>
             </a:r>
-            <a:endParaRPr lang="en-CA" sz="1050" dirty="0"/>
           </a:p>
         </p:txBody>
       </p:sp>
@@ -8652,7 +8531,7 @@
           <a:lstStyle/>
           <a:p>
             <a:r>
-              <a:rPr lang="en-CA" sz="800" dirty="0" smtClean="0">
+              <a:rPr lang="en-CA" sz="800" dirty="0">
                 <a:solidFill>
                   <a:srgbClr val="000096"/>
                 </a:solidFill>
@@ -8663,7 +8542,7 @@
               <a:t>&lt;extent</a:t>
             </a:r>
             <a:r>
-              <a:rPr lang="en-CA" sz="800" dirty="0" smtClean="0">
+              <a:rPr lang="en-CA" sz="800" dirty="0">
                 <a:solidFill>
                   <a:srgbClr val="F5844C"/>
                 </a:solidFill>
@@ -8674,7 +8553,7 @@
               <a:t> units</a:t>
             </a:r>
             <a:r>
-              <a:rPr lang="en-CA" sz="800" dirty="0" smtClean="0">
+              <a:rPr lang="en-CA" sz="800" dirty="0">
                 <a:solidFill>
                   <a:srgbClr val="FF8040"/>
                 </a:solidFill>
@@ -8685,7 +8564,7 @@
               <a:t>=</a:t>
             </a:r>
             <a:r>
-              <a:rPr lang="en-CA" sz="800" dirty="0" smtClean="0">
+              <a:rPr lang="en-CA" sz="800" dirty="0">
                 <a:solidFill>
                   <a:srgbClr val="993300"/>
                 </a:solidFill>
@@ -8693,32 +8572,10 @@
                   <a:srgbClr val="FFFFFF"/>
                 </a:highlight>
               </a:rPr>
-              <a:t>"</a:t>
-            </a:r>
-            <a:r>
-              <a:rPr lang="en-CA" sz="800" smtClean="0">
-                <a:solidFill>
-                  <a:srgbClr val="993300"/>
-                </a:solidFill>
-                <a:highlight>
-                  <a:srgbClr val="FFFFFF"/>
-                </a:highlight>
-              </a:rPr>
-              <a:t>OSMTILE</a:t>
-            </a:r>
-            <a:r>
-              <a:rPr lang="en-CA" sz="800" smtClean="0">
-                <a:solidFill>
-                  <a:srgbClr val="993300"/>
-                </a:solidFill>
-                <a:highlight>
-                  <a:srgbClr val="FFFFFF"/>
-                </a:highlight>
-              </a:rPr>
-              <a:t>"</a:t>
-            </a:r>
-            <a:r>
-              <a:rPr lang="en-CA" sz="800" smtClean="0">
+              <a:t>"OSMTILE"</a:t>
+            </a:r>
+            <a:r>
+              <a:rPr lang="en-CA" sz="800" dirty="0">
                 <a:solidFill>
                   <a:srgbClr val="000096"/>
                 </a:solidFill>
@@ -8726,1870 +8583,7 @@
                   <a:srgbClr val="FFFFFF"/>
                 </a:highlight>
               </a:rPr>
-              <a:t>&gt;</a:t>
-            </a:r>
-            <a:endParaRPr lang="en-CA" sz="800" dirty="0" smtClean="0">
-              <a:solidFill>
-                <a:srgbClr val="000096"/>
-              </a:solidFill>
-              <a:highlight>
-                <a:srgbClr val="FFFFFF"/>
-              </a:highlight>
-            </a:endParaRPr>
-          </a:p>
-          <a:p>
-            <a:endParaRPr lang="en-CA" sz="800" dirty="0" smtClean="0">
-              <a:solidFill>
-                <a:srgbClr val="000096"/>
-              </a:solidFill>
-              <a:highlight>
-                <a:srgbClr val="FFFFFF"/>
-              </a:highlight>
-            </a:endParaRPr>
-          </a:p>
-          <a:p>
-            <a:r>
-              <a:rPr lang="en-CA" sz="800" dirty="0" smtClean="0">
-                <a:solidFill>
-                  <a:srgbClr val="000096"/>
-                </a:solidFill>
-                <a:highlight>
-                  <a:srgbClr val="FFFFFF"/>
-                </a:highlight>
-              </a:rPr>
-              <a:t>  &lt;input</a:t>
-            </a:r>
-            <a:r>
-              <a:rPr lang="en-CA" sz="800" dirty="0" smtClean="0">
-                <a:solidFill>
-                  <a:srgbClr val="F5844C"/>
-                </a:solidFill>
-                <a:highlight>
-                  <a:srgbClr val="FFFFFF"/>
-                </a:highlight>
-              </a:rPr>
-              <a:t> name</a:t>
-            </a:r>
-            <a:r>
-              <a:rPr lang="en-CA" sz="800" dirty="0" smtClean="0">
-                <a:solidFill>
-                  <a:srgbClr val="FF8040"/>
-                </a:solidFill>
-                <a:highlight>
-                  <a:srgbClr val="FFFFFF"/>
-                </a:highlight>
-              </a:rPr>
-              <a:t>=</a:t>
-            </a:r>
-            <a:r>
-              <a:rPr lang="en-CA" sz="800" dirty="0" smtClean="0">
-                <a:solidFill>
-                  <a:srgbClr val="993300"/>
-                </a:solidFill>
-                <a:highlight>
-                  <a:srgbClr val="FFFFFF"/>
-                </a:highlight>
-              </a:rPr>
-              <a:t>"z"</a:t>
-            </a:r>
-            <a:r>
-              <a:rPr lang="en-CA" sz="800" dirty="0" smtClean="0">
-                <a:solidFill>
-                  <a:srgbClr val="F5844C"/>
-                </a:solidFill>
-                <a:highlight>
-                  <a:srgbClr val="FFFFFF"/>
-                </a:highlight>
-              </a:rPr>
-              <a:t> type</a:t>
-            </a:r>
-            <a:r>
-              <a:rPr lang="en-CA" sz="800" dirty="0" smtClean="0">
-                <a:solidFill>
-                  <a:srgbClr val="FF8040"/>
-                </a:solidFill>
-                <a:highlight>
-                  <a:srgbClr val="FFFFFF"/>
-                </a:highlight>
-              </a:rPr>
-              <a:t>=</a:t>
-            </a:r>
-            <a:r>
-              <a:rPr lang="en-CA" sz="800" dirty="0" smtClean="0">
-                <a:solidFill>
-                  <a:srgbClr val="993300"/>
-                </a:solidFill>
-                <a:highlight>
-                  <a:srgbClr val="FFFFFF"/>
-                </a:highlight>
-              </a:rPr>
-              <a:t>"zoom"</a:t>
-            </a:r>
-            <a:r>
-              <a:rPr lang="en-CA" sz="800" dirty="0" smtClean="0">
-                <a:solidFill>
-                  <a:srgbClr val="F5844C"/>
-                </a:solidFill>
-                <a:highlight>
-                  <a:srgbClr val="FFFFFF"/>
-                </a:highlight>
-              </a:rPr>
-              <a:t> value</a:t>
-            </a:r>
-            <a:r>
-              <a:rPr lang="en-CA" sz="800" dirty="0" smtClean="0">
-                <a:solidFill>
-                  <a:srgbClr val="FF8040"/>
-                </a:solidFill>
-                <a:highlight>
-                  <a:srgbClr val="FFFFFF"/>
-                </a:highlight>
-              </a:rPr>
-              <a:t>=</a:t>
-            </a:r>
-            <a:r>
-              <a:rPr lang="en-CA" sz="800" dirty="0" smtClean="0">
-                <a:solidFill>
-                  <a:srgbClr val="993300"/>
-                </a:solidFill>
-                <a:highlight>
-                  <a:srgbClr val="FFFFFF"/>
-                </a:highlight>
-              </a:rPr>
-              <a:t>“1"</a:t>
-            </a:r>
-            <a:r>
-              <a:rPr lang="en-CA" sz="800" dirty="0" smtClean="0">
-                <a:solidFill>
-                  <a:srgbClr val="F5844C"/>
-                </a:solidFill>
-                <a:highlight>
-                  <a:srgbClr val="FFFFFF"/>
-                </a:highlight>
-              </a:rPr>
-              <a:t> min</a:t>
-            </a:r>
-            <a:r>
-              <a:rPr lang="en-CA" sz="800" dirty="0" smtClean="0">
-                <a:solidFill>
-                  <a:srgbClr val="FF8040"/>
-                </a:solidFill>
-                <a:highlight>
-                  <a:srgbClr val="FFFFFF"/>
-                </a:highlight>
-              </a:rPr>
-              <a:t>=</a:t>
-            </a:r>
-            <a:r>
-              <a:rPr lang="en-CA" sz="800" dirty="0" smtClean="0">
-                <a:solidFill>
-                  <a:srgbClr val="993300"/>
-                </a:solidFill>
-                <a:highlight>
-                  <a:srgbClr val="FFFFFF"/>
-                </a:highlight>
-              </a:rPr>
-              <a:t>"0"</a:t>
-            </a:r>
-            <a:r>
-              <a:rPr lang="en-CA" sz="800" dirty="0" smtClean="0">
-                <a:solidFill>
-                  <a:srgbClr val="F5844C"/>
-                </a:solidFill>
-                <a:highlight>
-                  <a:srgbClr val="FFFFFF"/>
-                </a:highlight>
-              </a:rPr>
-              <a:t> max</a:t>
-            </a:r>
-            <a:r>
-              <a:rPr lang="en-CA" sz="800" dirty="0" smtClean="0">
-                <a:solidFill>
-                  <a:srgbClr val="FF8040"/>
-                </a:solidFill>
-                <a:highlight>
-                  <a:srgbClr val="FFFFFF"/>
-                </a:highlight>
-              </a:rPr>
-              <a:t>=</a:t>
-            </a:r>
-            <a:r>
-              <a:rPr lang="en-CA" sz="800" dirty="0" smtClean="0">
-                <a:solidFill>
-                  <a:srgbClr val="993300"/>
-                </a:solidFill>
-                <a:highlight>
-                  <a:srgbClr val="FFFFFF"/>
-                </a:highlight>
-              </a:rPr>
-              <a:t>"18"</a:t>
-            </a:r>
-            <a:r>
-              <a:rPr lang="en-CA" sz="800" dirty="0" smtClean="0">
-                <a:solidFill>
-                  <a:srgbClr val="000096"/>
-                </a:solidFill>
-                <a:highlight>
-                  <a:srgbClr val="FFFFFF"/>
-                </a:highlight>
-              </a:rPr>
-              <a:t>/&gt;</a:t>
-            </a:r>
-            <a:r>
-              <a:rPr lang="en-CA" sz="800" dirty="0" smtClean="0">
-                <a:solidFill>
-                  <a:srgbClr val="000000"/>
-                </a:solidFill>
-                <a:highlight>
-                  <a:srgbClr val="FFFFFF"/>
-                </a:highlight>
-              </a:rPr>
-              <a:t/>
-            </a:r>
-            <a:br>
-              <a:rPr lang="en-CA" sz="800" dirty="0" smtClean="0">
-                <a:solidFill>
-                  <a:srgbClr val="000000"/>
-                </a:solidFill>
-                <a:highlight>
-                  <a:srgbClr val="FFFFFF"/>
-                </a:highlight>
-              </a:rPr>
-            </a:br>
-            <a:r>
-              <a:rPr lang="en-CA" sz="800" dirty="0" smtClean="0">
-                <a:solidFill>
-                  <a:srgbClr val="000000"/>
-                </a:solidFill>
-                <a:highlight>
-                  <a:srgbClr val="FFFFFF"/>
-                </a:highlight>
-              </a:rPr>
-              <a:t>  </a:t>
-            </a:r>
-            <a:r>
-              <a:rPr lang="en-CA" sz="800" dirty="0" smtClean="0">
-                <a:solidFill>
-                  <a:srgbClr val="000096"/>
-                </a:solidFill>
-                <a:highlight>
-                  <a:srgbClr val="FFFFFF"/>
-                </a:highlight>
-              </a:rPr>
-              <a:t>&lt;input</a:t>
-            </a:r>
-            <a:r>
-              <a:rPr lang="en-CA" sz="800" dirty="0" smtClean="0">
-                <a:solidFill>
-                  <a:srgbClr val="F5844C"/>
-                </a:solidFill>
-                <a:highlight>
-                  <a:srgbClr val="FFFFFF"/>
-                </a:highlight>
-              </a:rPr>
-              <a:t> name</a:t>
-            </a:r>
-            <a:r>
-              <a:rPr lang="en-CA" sz="800" dirty="0" smtClean="0">
-                <a:solidFill>
-                  <a:srgbClr val="FF8040"/>
-                </a:solidFill>
-                <a:highlight>
-                  <a:srgbClr val="FFFFFF"/>
-                </a:highlight>
-              </a:rPr>
-              <a:t>=</a:t>
-            </a:r>
-            <a:r>
-              <a:rPr lang="en-CA" sz="800" dirty="0" smtClean="0">
-                <a:solidFill>
-                  <a:srgbClr val="993300"/>
-                </a:solidFill>
-                <a:highlight>
-                  <a:srgbClr val="FFFFFF"/>
-                </a:highlight>
-              </a:rPr>
-              <a:t>"</a:t>
-            </a:r>
-            <a:r>
-              <a:rPr lang="en-CA" sz="800" dirty="0" err="1" smtClean="0">
-                <a:solidFill>
-                  <a:srgbClr val="993300"/>
-                </a:solidFill>
-                <a:highlight>
-                  <a:srgbClr val="FFFFFF"/>
-                </a:highlight>
-              </a:rPr>
-              <a:t>xmin</a:t>
-            </a:r>
-            <a:r>
-              <a:rPr lang="en-CA" sz="800" dirty="0" smtClean="0">
-                <a:solidFill>
-                  <a:srgbClr val="993300"/>
-                </a:solidFill>
-                <a:highlight>
-                  <a:srgbClr val="FFFFFF"/>
-                </a:highlight>
-              </a:rPr>
-              <a:t>"</a:t>
-            </a:r>
-            <a:r>
-              <a:rPr lang="en-CA" sz="800" dirty="0" smtClean="0">
-                <a:solidFill>
-                  <a:srgbClr val="F5844C"/>
-                </a:solidFill>
-                <a:highlight>
-                  <a:srgbClr val="FFFFFF"/>
-                </a:highlight>
-              </a:rPr>
-              <a:t> type</a:t>
-            </a:r>
-            <a:r>
-              <a:rPr lang="en-CA" sz="800" dirty="0" smtClean="0">
-                <a:solidFill>
-                  <a:srgbClr val="FF8040"/>
-                </a:solidFill>
-                <a:highlight>
-                  <a:srgbClr val="FFFFFF"/>
-                </a:highlight>
-              </a:rPr>
-              <a:t>=</a:t>
-            </a:r>
-            <a:r>
-              <a:rPr lang="en-CA" sz="800" dirty="0" smtClean="0">
-                <a:solidFill>
-                  <a:srgbClr val="993300"/>
-                </a:solidFill>
-                <a:highlight>
-                  <a:srgbClr val="FFFFFF"/>
-                </a:highlight>
-              </a:rPr>
-              <a:t>"location"</a:t>
-            </a:r>
-            <a:r>
-              <a:rPr lang="en-CA" sz="800" dirty="0" smtClean="0">
-                <a:solidFill>
-                  <a:srgbClr val="F5844C"/>
-                </a:solidFill>
-                <a:highlight>
-                  <a:srgbClr val="FFFFFF"/>
-                </a:highlight>
-              </a:rPr>
-              <a:t> units</a:t>
-            </a:r>
-            <a:r>
-              <a:rPr lang="en-CA" sz="800" dirty="0" smtClean="0">
-                <a:solidFill>
-                  <a:srgbClr val="FF8040"/>
-                </a:solidFill>
-                <a:highlight>
-                  <a:srgbClr val="FFFFFF"/>
-                </a:highlight>
-              </a:rPr>
-              <a:t>=</a:t>
-            </a:r>
-            <a:r>
-              <a:rPr lang="en-CA" sz="800" dirty="0" smtClean="0">
-                <a:solidFill>
-                  <a:srgbClr val="993300"/>
-                </a:solidFill>
-                <a:highlight>
-                  <a:srgbClr val="FFFFFF"/>
-                </a:highlight>
-              </a:rPr>
-              <a:t>"</a:t>
-            </a:r>
-            <a:r>
-              <a:rPr lang="en-CA" sz="800" dirty="0" err="1" smtClean="0">
-                <a:solidFill>
-                  <a:srgbClr val="993300"/>
-                </a:solidFill>
-                <a:highlight>
-                  <a:srgbClr val="FFFFFF"/>
-                </a:highlight>
-              </a:rPr>
-              <a:t>pcrs</a:t>
-            </a:r>
-            <a:r>
-              <a:rPr lang="en-CA" sz="800" dirty="0" smtClean="0">
-                <a:solidFill>
-                  <a:srgbClr val="993300"/>
-                </a:solidFill>
-                <a:highlight>
-                  <a:srgbClr val="FFFFFF"/>
-                </a:highlight>
-              </a:rPr>
-              <a:t>"</a:t>
-            </a:r>
-            <a:r>
-              <a:rPr lang="en-CA" sz="800" dirty="0" smtClean="0">
-                <a:solidFill>
-                  <a:srgbClr val="F5844C"/>
-                </a:solidFill>
-                <a:highlight>
-                  <a:srgbClr val="FFFFFF"/>
-                </a:highlight>
-              </a:rPr>
-              <a:t> position</a:t>
-            </a:r>
-            <a:r>
-              <a:rPr lang="en-CA" sz="800" dirty="0" smtClean="0">
-                <a:solidFill>
-                  <a:srgbClr val="FF8040"/>
-                </a:solidFill>
-                <a:highlight>
-                  <a:srgbClr val="FFFFFF"/>
-                </a:highlight>
-              </a:rPr>
-              <a:t>=</a:t>
-            </a:r>
-            <a:r>
-              <a:rPr lang="en-CA" sz="800" dirty="0" smtClean="0">
-                <a:solidFill>
-                  <a:srgbClr val="993300"/>
-                </a:solidFill>
-                <a:highlight>
-                  <a:srgbClr val="FFFFFF"/>
-                </a:highlight>
-              </a:rPr>
-              <a:t>"top-left"</a:t>
-            </a:r>
-            <a:r>
-              <a:rPr lang="en-CA" sz="800" dirty="0" smtClean="0">
-                <a:solidFill>
-                  <a:srgbClr val="F5844C"/>
-                </a:solidFill>
-                <a:highlight>
-                  <a:srgbClr val="FFFFFF"/>
-                </a:highlight>
-              </a:rPr>
-              <a:t> axis</a:t>
-            </a:r>
-            <a:r>
-              <a:rPr lang="en-CA" sz="800" dirty="0" smtClean="0">
-                <a:solidFill>
-                  <a:srgbClr val="FF8040"/>
-                </a:solidFill>
-                <a:highlight>
-                  <a:srgbClr val="FFFFFF"/>
-                </a:highlight>
-              </a:rPr>
-              <a:t>=</a:t>
-            </a:r>
-            <a:r>
-              <a:rPr lang="en-CA" sz="800" dirty="0" smtClean="0">
-                <a:solidFill>
-                  <a:srgbClr val="993300"/>
-                </a:solidFill>
-                <a:highlight>
-                  <a:srgbClr val="FFFFFF"/>
-                </a:highlight>
-              </a:rPr>
-              <a:t>"easting"</a:t>
-            </a:r>
-            <a:r>
-              <a:rPr lang="en-CA" sz="800" dirty="0" smtClean="0">
-                <a:solidFill>
-                  <a:srgbClr val="000096"/>
-                </a:solidFill>
-                <a:highlight>
-                  <a:srgbClr val="FFFFFF"/>
-                </a:highlight>
-              </a:rPr>
-              <a:t>/&gt;</a:t>
-            </a:r>
-            <a:r>
-              <a:rPr lang="en-CA" sz="800" dirty="0" smtClean="0">
-                <a:solidFill>
-                  <a:srgbClr val="000000"/>
-                </a:solidFill>
-                <a:highlight>
-                  <a:srgbClr val="FFFFFF"/>
-                </a:highlight>
-              </a:rPr>
-              <a:t/>
-            </a:r>
-            <a:br>
-              <a:rPr lang="en-CA" sz="800" dirty="0" smtClean="0">
-                <a:solidFill>
-                  <a:srgbClr val="000000"/>
-                </a:solidFill>
-                <a:highlight>
-                  <a:srgbClr val="FFFFFF"/>
-                </a:highlight>
-              </a:rPr>
-            </a:br>
-            <a:r>
-              <a:rPr lang="en-CA" sz="800" dirty="0" smtClean="0">
-                <a:solidFill>
-                  <a:srgbClr val="000000"/>
-                </a:solidFill>
-                <a:highlight>
-                  <a:srgbClr val="FFFFFF"/>
-                </a:highlight>
-              </a:rPr>
-              <a:t>  </a:t>
-            </a:r>
-            <a:r>
-              <a:rPr lang="en-CA" sz="800" dirty="0" smtClean="0">
-                <a:solidFill>
-                  <a:srgbClr val="000096"/>
-                </a:solidFill>
-                <a:highlight>
-                  <a:srgbClr val="FFFFFF"/>
-                </a:highlight>
-              </a:rPr>
-              <a:t>&lt;input</a:t>
-            </a:r>
-            <a:r>
-              <a:rPr lang="en-CA" sz="800" dirty="0" smtClean="0">
-                <a:solidFill>
-                  <a:srgbClr val="F5844C"/>
-                </a:solidFill>
-                <a:highlight>
-                  <a:srgbClr val="FFFFFF"/>
-                </a:highlight>
-              </a:rPr>
-              <a:t> name</a:t>
-            </a:r>
-            <a:r>
-              <a:rPr lang="en-CA" sz="800" dirty="0" smtClean="0">
-                <a:solidFill>
-                  <a:srgbClr val="FF8040"/>
-                </a:solidFill>
-                <a:highlight>
-                  <a:srgbClr val="FFFFFF"/>
-                </a:highlight>
-              </a:rPr>
-              <a:t>=</a:t>
-            </a:r>
-            <a:r>
-              <a:rPr lang="en-CA" sz="800" dirty="0" smtClean="0">
-                <a:solidFill>
-                  <a:srgbClr val="993300"/>
-                </a:solidFill>
-                <a:highlight>
-                  <a:srgbClr val="FFFFFF"/>
-                </a:highlight>
-              </a:rPr>
-              <a:t>"</a:t>
-            </a:r>
-            <a:r>
-              <a:rPr lang="en-CA" sz="800" dirty="0" err="1" smtClean="0">
-                <a:solidFill>
-                  <a:srgbClr val="993300"/>
-                </a:solidFill>
-                <a:highlight>
-                  <a:srgbClr val="FFFFFF"/>
-                </a:highlight>
-              </a:rPr>
-              <a:t>ymin</a:t>
-            </a:r>
-            <a:r>
-              <a:rPr lang="en-CA" sz="800" dirty="0" smtClean="0">
-                <a:solidFill>
-                  <a:srgbClr val="993300"/>
-                </a:solidFill>
-                <a:highlight>
-                  <a:srgbClr val="FFFFFF"/>
-                </a:highlight>
-              </a:rPr>
-              <a:t>"</a:t>
-            </a:r>
-            <a:r>
-              <a:rPr lang="en-CA" sz="800" dirty="0" smtClean="0">
-                <a:solidFill>
-                  <a:srgbClr val="F5844C"/>
-                </a:solidFill>
-                <a:highlight>
-                  <a:srgbClr val="FFFFFF"/>
-                </a:highlight>
-              </a:rPr>
-              <a:t> type</a:t>
-            </a:r>
-            <a:r>
-              <a:rPr lang="en-CA" sz="800" dirty="0" smtClean="0">
-                <a:solidFill>
-                  <a:srgbClr val="FF8040"/>
-                </a:solidFill>
-                <a:highlight>
-                  <a:srgbClr val="FFFFFF"/>
-                </a:highlight>
-              </a:rPr>
-              <a:t>=</a:t>
-            </a:r>
-            <a:r>
-              <a:rPr lang="en-CA" sz="800" dirty="0" smtClean="0">
-                <a:solidFill>
-                  <a:srgbClr val="993300"/>
-                </a:solidFill>
-                <a:highlight>
-                  <a:srgbClr val="FFFFFF"/>
-                </a:highlight>
-              </a:rPr>
-              <a:t>"location"</a:t>
-            </a:r>
-            <a:r>
-              <a:rPr lang="en-CA" sz="800" dirty="0" smtClean="0">
-                <a:solidFill>
-                  <a:srgbClr val="F5844C"/>
-                </a:solidFill>
-                <a:highlight>
-                  <a:srgbClr val="FFFFFF"/>
-                </a:highlight>
-              </a:rPr>
-              <a:t> units</a:t>
-            </a:r>
-            <a:r>
-              <a:rPr lang="en-CA" sz="800" dirty="0" smtClean="0">
-                <a:solidFill>
-                  <a:srgbClr val="FF8040"/>
-                </a:solidFill>
-                <a:highlight>
-                  <a:srgbClr val="FFFFFF"/>
-                </a:highlight>
-              </a:rPr>
-              <a:t>=</a:t>
-            </a:r>
-            <a:r>
-              <a:rPr lang="en-CA" sz="800" dirty="0" smtClean="0">
-                <a:solidFill>
-                  <a:srgbClr val="993300"/>
-                </a:solidFill>
-                <a:highlight>
-                  <a:srgbClr val="FFFFFF"/>
-                </a:highlight>
-              </a:rPr>
-              <a:t>"</a:t>
-            </a:r>
-            <a:r>
-              <a:rPr lang="en-CA" sz="800" dirty="0" err="1" smtClean="0">
-                <a:solidFill>
-                  <a:srgbClr val="993300"/>
-                </a:solidFill>
-                <a:highlight>
-                  <a:srgbClr val="FFFFFF"/>
-                </a:highlight>
-              </a:rPr>
-              <a:t>pcrs</a:t>
-            </a:r>
-            <a:r>
-              <a:rPr lang="en-CA" sz="800" dirty="0" smtClean="0">
-                <a:solidFill>
-                  <a:srgbClr val="993300"/>
-                </a:solidFill>
-                <a:highlight>
-                  <a:srgbClr val="FFFFFF"/>
-                </a:highlight>
-              </a:rPr>
-              <a:t>"</a:t>
-            </a:r>
-            <a:r>
-              <a:rPr lang="en-CA" sz="800" dirty="0" smtClean="0">
-                <a:solidFill>
-                  <a:srgbClr val="F5844C"/>
-                </a:solidFill>
-                <a:highlight>
-                  <a:srgbClr val="FFFFFF"/>
-                </a:highlight>
-              </a:rPr>
-              <a:t> position</a:t>
-            </a:r>
-            <a:r>
-              <a:rPr lang="en-CA" sz="800" dirty="0" smtClean="0">
-                <a:solidFill>
-                  <a:srgbClr val="FF8040"/>
-                </a:solidFill>
-                <a:highlight>
-                  <a:srgbClr val="FFFFFF"/>
-                </a:highlight>
-              </a:rPr>
-              <a:t>=</a:t>
-            </a:r>
-            <a:r>
-              <a:rPr lang="en-CA" sz="800" dirty="0" smtClean="0">
-                <a:solidFill>
-                  <a:srgbClr val="993300"/>
-                </a:solidFill>
-                <a:highlight>
-                  <a:srgbClr val="FFFFFF"/>
-                </a:highlight>
-              </a:rPr>
-              <a:t>"bottom-right"</a:t>
-            </a:r>
-            <a:r>
-              <a:rPr lang="en-CA" sz="800" dirty="0" smtClean="0">
-                <a:solidFill>
-                  <a:srgbClr val="F5844C"/>
-                </a:solidFill>
-                <a:highlight>
-                  <a:srgbClr val="FFFFFF"/>
-                </a:highlight>
-              </a:rPr>
-              <a:t> axis</a:t>
-            </a:r>
-            <a:r>
-              <a:rPr lang="en-CA" sz="800" dirty="0" smtClean="0">
-                <a:solidFill>
-                  <a:srgbClr val="FF8040"/>
-                </a:solidFill>
-                <a:highlight>
-                  <a:srgbClr val="FFFFFF"/>
-                </a:highlight>
-              </a:rPr>
-              <a:t>=</a:t>
-            </a:r>
-            <a:r>
-              <a:rPr lang="en-CA" sz="800" dirty="0" smtClean="0">
-                <a:solidFill>
-                  <a:srgbClr val="993300"/>
-                </a:solidFill>
-                <a:highlight>
-                  <a:srgbClr val="FFFFFF"/>
-                </a:highlight>
-              </a:rPr>
-              <a:t>"northing"</a:t>
-            </a:r>
-            <a:r>
-              <a:rPr lang="en-CA" sz="800" dirty="0" smtClean="0">
-                <a:solidFill>
-                  <a:srgbClr val="000096"/>
-                </a:solidFill>
-                <a:highlight>
-                  <a:srgbClr val="FFFFFF"/>
-                </a:highlight>
-              </a:rPr>
-              <a:t>/&gt;</a:t>
-            </a:r>
-            <a:r>
-              <a:rPr lang="en-CA" sz="800" dirty="0" smtClean="0">
-                <a:solidFill>
-                  <a:srgbClr val="000000"/>
-                </a:solidFill>
-                <a:highlight>
-                  <a:srgbClr val="FFFFFF"/>
-                </a:highlight>
-              </a:rPr>
-              <a:t/>
-            </a:r>
-            <a:br>
-              <a:rPr lang="en-CA" sz="800" dirty="0" smtClean="0">
-                <a:solidFill>
-                  <a:srgbClr val="000000"/>
-                </a:solidFill>
-                <a:highlight>
-                  <a:srgbClr val="FFFFFF"/>
-                </a:highlight>
-              </a:rPr>
-            </a:br>
-            <a:r>
-              <a:rPr lang="en-CA" sz="800" dirty="0" smtClean="0">
-                <a:solidFill>
-                  <a:srgbClr val="000000"/>
-                </a:solidFill>
-                <a:highlight>
-                  <a:srgbClr val="FFFFFF"/>
-                </a:highlight>
-              </a:rPr>
-              <a:t>  </a:t>
-            </a:r>
-            <a:r>
-              <a:rPr lang="en-CA" sz="800" dirty="0" smtClean="0">
-                <a:solidFill>
-                  <a:srgbClr val="000096"/>
-                </a:solidFill>
-                <a:highlight>
-                  <a:srgbClr val="FFFFFF"/>
-                </a:highlight>
-              </a:rPr>
-              <a:t>&lt;input</a:t>
-            </a:r>
-            <a:r>
-              <a:rPr lang="en-CA" sz="800" dirty="0" smtClean="0">
-                <a:solidFill>
-                  <a:srgbClr val="F5844C"/>
-                </a:solidFill>
-                <a:highlight>
-                  <a:srgbClr val="FFFFFF"/>
-                </a:highlight>
-              </a:rPr>
-              <a:t> name</a:t>
-            </a:r>
-            <a:r>
-              <a:rPr lang="en-CA" sz="800" dirty="0" smtClean="0">
-                <a:solidFill>
-                  <a:srgbClr val="FF8040"/>
-                </a:solidFill>
-                <a:highlight>
-                  <a:srgbClr val="FFFFFF"/>
-                </a:highlight>
-              </a:rPr>
-              <a:t>=</a:t>
-            </a:r>
-            <a:r>
-              <a:rPr lang="en-CA" sz="800" dirty="0" smtClean="0">
-                <a:solidFill>
-                  <a:srgbClr val="993300"/>
-                </a:solidFill>
-                <a:highlight>
-                  <a:srgbClr val="FFFFFF"/>
-                </a:highlight>
-              </a:rPr>
-              <a:t>"</a:t>
-            </a:r>
-            <a:r>
-              <a:rPr lang="en-CA" sz="800" dirty="0" err="1" smtClean="0">
-                <a:solidFill>
-                  <a:srgbClr val="993300"/>
-                </a:solidFill>
-                <a:highlight>
-                  <a:srgbClr val="FFFFFF"/>
-                </a:highlight>
-              </a:rPr>
-              <a:t>xmax</a:t>
-            </a:r>
-            <a:r>
-              <a:rPr lang="en-CA" sz="800" dirty="0" smtClean="0">
-                <a:solidFill>
-                  <a:srgbClr val="993300"/>
-                </a:solidFill>
-                <a:highlight>
-                  <a:srgbClr val="FFFFFF"/>
-                </a:highlight>
-              </a:rPr>
-              <a:t>"</a:t>
-            </a:r>
-            <a:r>
-              <a:rPr lang="en-CA" sz="800" dirty="0" smtClean="0">
-                <a:solidFill>
-                  <a:srgbClr val="F5844C"/>
-                </a:solidFill>
-                <a:highlight>
-                  <a:srgbClr val="FFFFFF"/>
-                </a:highlight>
-              </a:rPr>
-              <a:t> type</a:t>
-            </a:r>
-            <a:r>
-              <a:rPr lang="en-CA" sz="800" dirty="0" smtClean="0">
-                <a:solidFill>
-                  <a:srgbClr val="FF8040"/>
-                </a:solidFill>
-                <a:highlight>
-                  <a:srgbClr val="FFFFFF"/>
-                </a:highlight>
-              </a:rPr>
-              <a:t>=</a:t>
-            </a:r>
-            <a:r>
-              <a:rPr lang="en-CA" sz="800" dirty="0" smtClean="0">
-                <a:solidFill>
-                  <a:srgbClr val="993300"/>
-                </a:solidFill>
-                <a:highlight>
-                  <a:srgbClr val="FFFFFF"/>
-                </a:highlight>
-              </a:rPr>
-              <a:t>"location"</a:t>
-            </a:r>
-            <a:r>
-              <a:rPr lang="en-CA" sz="800" dirty="0" smtClean="0">
-                <a:solidFill>
-                  <a:srgbClr val="F5844C"/>
-                </a:solidFill>
-                <a:highlight>
-                  <a:srgbClr val="FFFFFF"/>
-                </a:highlight>
-              </a:rPr>
-              <a:t> units</a:t>
-            </a:r>
-            <a:r>
-              <a:rPr lang="en-CA" sz="800" dirty="0" smtClean="0">
-                <a:solidFill>
-                  <a:srgbClr val="FF8040"/>
-                </a:solidFill>
-                <a:highlight>
-                  <a:srgbClr val="FFFFFF"/>
-                </a:highlight>
-              </a:rPr>
-              <a:t>=</a:t>
-            </a:r>
-            <a:r>
-              <a:rPr lang="en-CA" sz="800" dirty="0" smtClean="0">
-                <a:solidFill>
-                  <a:srgbClr val="993300"/>
-                </a:solidFill>
-                <a:highlight>
-                  <a:srgbClr val="FFFFFF"/>
-                </a:highlight>
-              </a:rPr>
-              <a:t>"</a:t>
-            </a:r>
-            <a:r>
-              <a:rPr lang="en-CA" sz="800" dirty="0" err="1" smtClean="0">
-                <a:solidFill>
-                  <a:srgbClr val="993300"/>
-                </a:solidFill>
-                <a:highlight>
-                  <a:srgbClr val="FFFFFF"/>
-                </a:highlight>
-              </a:rPr>
-              <a:t>pcrs</a:t>
-            </a:r>
-            <a:r>
-              <a:rPr lang="en-CA" sz="800" dirty="0" smtClean="0">
-                <a:solidFill>
-                  <a:srgbClr val="993300"/>
-                </a:solidFill>
-                <a:highlight>
-                  <a:srgbClr val="FFFFFF"/>
-                </a:highlight>
-              </a:rPr>
-              <a:t>"</a:t>
-            </a:r>
-            <a:r>
-              <a:rPr lang="en-CA" sz="800" dirty="0" smtClean="0">
-                <a:solidFill>
-                  <a:srgbClr val="F5844C"/>
-                </a:solidFill>
-                <a:highlight>
-                  <a:srgbClr val="FFFFFF"/>
-                </a:highlight>
-              </a:rPr>
-              <a:t> position</a:t>
-            </a:r>
-            <a:r>
-              <a:rPr lang="en-CA" sz="800" dirty="0" smtClean="0">
-                <a:solidFill>
-                  <a:srgbClr val="FF8040"/>
-                </a:solidFill>
-                <a:highlight>
-                  <a:srgbClr val="FFFFFF"/>
-                </a:highlight>
-              </a:rPr>
-              <a:t>=</a:t>
-            </a:r>
-            <a:r>
-              <a:rPr lang="en-CA" sz="800" dirty="0" smtClean="0">
-                <a:solidFill>
-                  <a:srgbClr val="993300"/>
-                </a:solidFill>
-                <a:highlight>
-                  <a:srgbClr val="FFFFFF"/>
-                </a:highlight>
-              </a:rPr>
-              <a:t>“bottom-right"</a:t>
-            </a:r>
-            <a:r>
-              <a:rPr lang="en-CA" sz="800" dirty="0" smtClean="0">
-                <a:solidFill>
-                  <a:srgbClr val="F5844C"/>
-                </a:solidFill>
-                <a:highlight>
-                  <a:srgbClr val="FFFFFF"/>
-                </a:highlight>
-              </a:rPr>
-              <a:t> axis</a:t>
-            </a:r>
-            <a:r>
-              <a:rPr lang="en-CA" sz="800" dirty="0" smtClean="0">
-                <a:solidFill>
-                  <a:srgbClr val="FF8040"/>
-                </a:solidFill>
-                <a:highlight>
-                  <a:srgbClr val="FFFFFF"/>
-                </a:highlight>
-              </a:rPr>
-              <a:t>=</a:t>
-            </a:r>
-            <a:r>
-              <a:rPr lang="en-CA" sz="800" dirty="0" smtClean="0">
-                <a:solidFill>
-                  <a:srgbClr val="993300"/>
-                </a:solidFill>
-                <a:highlight>
-                  <a:srgbClr val="FFFFFF"/>
-                </a:highlight>
-              </a:rPr>
-              <a:t>"easting"</a:t>
-            </a:r>
-            <a:r>
-              <a:rPr lang="en-CA" sz="800" dirty="0" smtClean="0">
-                <a:solidFill>
-                  <a:srgbClr val="000096"/>
-                </a:solidFill>
-                <a:highlight>
-                  <a:srgbClr val="FFFFFF"/>
-                </a:highlight>
-              </a:rPr>
-              <a:t>/&gt;</a:t>
-            </a:r>
-            <a:r>
-              <a:rPr lang="en-CA" sz="800" dirty="0" smtClean="0">
-                <a:solidFill>
-                  <a:srgbClr val="000000"/>
-                </a:solidFill>
-                <a:highlight>
-                  <a:srgbClr val="FFFFFF"/>
-                </a:highlight>
-              </a:rPr>
-              <a:t/>
-            </a:r>
-            <a:br>
-              <a:rPr lang="en-CA" sz="800" dirty="0" smtClean="0">
-                <a:solidFill>
-                  <a:srgbClr val="000000"/>
-                </a:solidFill>
-                <a:highlight>
-                  <a:srgbClr val="FFFFFF"/>
-                </a:highlight>
-              </a:rPr>
-            </a:br>
-            <a:r>
-              <a:rPr lang="en-CA" sz="800" dirty="0" smtClean="0">
-                <a:solidFill>
-                  <a:srgbClr val="000000"/>
-                </a:solidFill>
-                <a:highlight>
-                  <a:srgbClr val="FFFFFF"/>
-                </a:highlight>
-              </a:rPr>
-              <a:t>  </a:t>
-            </a:r>
-            <a:r>
-              <a:rPr lang="en-CA" sz="800" dirty="0" smtClean="0">
-                <a:solidFill>
-                  <a:srgbClr val="000096"/>
-                </a:solidFill>
-                <a:highlight>
-                  <a:srgbClr val="FFFFFF"/>
-                </a:highlight>
-              </a:rPr>
-              <a:t>&lt;input</a:t>
-            </a:r>
-            <a:r>
-              <a:rPr lang="en-CA" sz="800" dirty="0" smtClean="0">
-                <a:solidFill>
-                  <a:srgbClr val="F5844C"/>
-                </a:solidFill>
-                <a:highlight>
-                  <a:srgbClr val="FFFFFF"/>
-                </a:highlight>
-              </a:rPr>
-              <a:t> name</a:t>
-            </a:r>
-            <a:r>
-              <a:rPr lang="en-CA" sz="800" dirty="0" smtClean="0">
-                <a:solidFill>
-                  <a:srgbClr val="FF8040"/>
-                </a:solidFill>
-                <a:highlight>
-                  <a:srgbClr val="FFFFFF"/>
-                </a:highlight>
-              </a:rPr>
-              <a:t>=</a:t>
-            </a:r>
-            <a:r>
-              <a:rPr lang="en-CA" sz="800" dirty="0" smtClean="0">
-                <a:solidFill>
-                  <a:srgbClr val="993300"/>
-                </a:solidFill>
-                <a:highlight>
-                  <a:srgbClr val="FFFFFF"/>
-                </a:highlight>
-              </a:rPr>
-              <a:t>"</a:t>
-            </a:r>
-            <a:r>
-              <a:rPr lang="en-CA" sz="800" dirty="0" err="1" smtClean="0">
-                <a:solidFill>
-                  <a:srgbClr val="993300"/>
-                </a:solidFill>
-                <a:highlight>
-                  <a:srgbClr val="FFFFFF"/>
-                </a:highlight>
-              </a:rPr>
-              <a:t>ymax</a:t>
-            </a:r>
-            <a:r>
-              <a:rPr lang="en-CA" sz="800" dirty="0" smtClean="0">
-                <a:solidFill>
-                  <a:srgbClr val="993300"/>
-                </a:solidFill>
-                <a:highlight>
-                  <a:srgbClr val="FFFFFF"/>
-                </a:highlight>
-              </a:rPr>
-              <a:t>"</a:t>
-            </a:r>
-            <a:r>
-              <a:rPr lang="en-CA" sz="800" dirty="0" smtClean="0">
-                <a:solidFill>
-                  <a:srgbClr val="F5844C"/>
-                </a:solidFill>
-                <a:highlight>
-                  <a:srgbClr val="FFFFFF"/>
-                </a:highlight>
-              </a:rPr>
-              <a:t> type</a:t>
-            </a:r>
-            <a:r>
-              <a:rPr lang="en-CA" sz="800" dirty="0" smtClean="0">
-                <a:solidFill>
-                  <a:srgbClr val="FF8040"/>
-                </a:solidFill>
-                <a:highlight>
-                  <a:srgbClr val="FFFFFF"/>
-                </a:highlight>
-              </a:rPr>
-              <a:t>=</a:t>
-            </a:r>
-            <a:r>
-              <a:rPr lang="en-CA" sz="800" dirty="0" smtClean="0">
-                <a:solidFill>
-                  <a:srgbClr val="993300"/>
-                </a:solidFill>
-                <a:highlight>
-                  <a:srgbClr val="FFFFFF"/>
-                </a:highlight>
-              </a:rPr>
-              <a:t>"location"</a:t>
-            </a:r>
-            <a:r>
-              <a:rPr lang="en-CA" sz="800" dirty="0" smtClean="0">
-                <a:solidFill>
-                  <a:srgbClr val="F5844C"/>
-                </a:solidFill>
-                <a:highlight>
-                  <a:srgbClr val="FFFFFF"/>
-                </a:highlight>
-              </a:rPr>
-              <a:t> units</a:t>
-            </a:r>
-            <a:r>
-              <a:rPr lang="en-CA" sz="800" dirty="0" smtClean="0">
-                <a:solidFill>
-                  <a:srgbClr val="FF8040"/>
-                </a:solidFill>
-                <a:highlight>
-                  <a:srgbClr val="FFFFFF"/>
-                </a:highlight>
-              </a:rPr>
-              <a:t>=</a:t>
-            </a:r>
-            <a:r>
-              <a:rPr lang="en-CA" sz="800" dirty="0" smtClean="0">
-                <a:solidFill>
-                  <a:srgbClr val="993300"/>
-                </a:solidFill>
-                <a:highlight>
-                  <a:srgbClr val="FFFFFF"/>
-                </a:highlight>
-              </a:rPr>
-              <a:t>"</a:t>
-            </a:r>
-            <a:r>
-              <a:rPr lang="en-CA" sz="800" dirty="0" err="1" smtClean="0">
-                <a:solidFill>
-                  <a:srgbClr val="993300"/>
-                </a:solidFill>
-                <a:highlight>
-                  <a:srgbClr val="FFFFFF"/>
-                </a:highlight>
-              </a:rPr>
-              <a:t>pcrs</a:t>
-            </a:r>
-            <a:r>
-              <a:rPr lang="en-CA" sz="800" dirty="0" smtClean="0">
-                <a:solidFill>
-                  <a:srgbClr val="993300"/>
-                </a:solidFill>
-                <a:highlight>
-                  <a:srgbClr val="FFFFFF"/>
-                </a:highlight>
-              </a:rPr>
-              <a:t>"</a:t>
-            </a:r>
-            <a:r>
-              <a:rPr lang="en-CA" sz="800" dirty="0" smtClean="0">
-                <a:solidFill>
-                  <a:srgbClr val="F5844C"/>
-                </a:solidFill>
-                <a:highlight>
-                  <a:srgbClr val="FFFFFF"/>
-                </a:highlight>
-              </a:rPr>
-              <a:t> position</a:t>
-            </a:r>
-            <a:r>
-              <a:rPr lang="en-CA" sz="800" dirty="0" smtClean="0">
-                <a:solidFill>
-                  <a:srgbClr val="FF8040"/>
-                </a:solidFill>
-                <a:highlight>
-                  <a:srgbClr val="FFFFFF"/>
-                </a:highlight>
-              </a:rPr>
-              <a:t>=</a:t>
-            </a:r>
-            <a:r>
-              <a:rPr lang="en-CA" sz="800" dirty="0" smtClean="0">
-                <a:solidFill>
-                  <a:srgbClr val="993300"/>
-                </a:solidFill>
-                <a:highlight>
-                  <a:srgbClr val="FFFFFF"/>
-                </a:highlight>
-              </a:rPr>
-              <a:t>"top-left"</a:t>
-            </a:r>
-            <a:r>
-              <a:rPr lang="en-CA" sz="800" dirty="0" smtClean="0">
-                <a:solidFill>
-                  <a:srgbClr val="F5844C"/>
-                </a:solidFill>
-                <a:highlight>
-                  <a:srgbClr val="FFFFFF"/>
-                </a:highlight>
-              </a:rPr>
-              <a:t> axis</a:t>
-            </a:r>
-            <a:r>
-              <a:rPr lang="en-CA" sz="800" dirty="0" smtClean="0">
-                <a:solidFill>
-                  <a:srgbClr val="FF8040"/>
-                </a:solidFill>
-                <a:highlight>
-                  <a:srgbClr val="FFFFFF"/>
-                </a:highlight>
-              </a:rPr>
-              <a:t>=</a:t>
-            </a:r>
-            <a:r>
-              <a:rPr lang="en-CA" sz="800" dirty="0" smtClean="0">
-                <a:solidFill>
-                  <a:srgbClr val="993300"/>
-                </a:solidFill>
-                <a:highlight>
-                  <a:srgbClr val="FFFFFF"/>
-                </a:highlight>
-              </a:rPr>
-              <a:t>"northing"</a:t>
-            </a:r>
-            <a:r>
-              <a:rPr lang="en-CA" sz="800" dirty="0" smtClean="0">
-                <a:solidFill>
-                  <a:srgbClr val="000096"/>
-                </a:solidFill>
-                <a:highlight>
-                  <a:srgbClr val="FFFFFF"/>
-                </a:highlight>
-              </a:rPr>
-              <a:t>/&gt;</a:t>
-            </a:r>
-            <a:r>
-              <a:rPr lang="en-CA" sz="800" dirty="0" smtClean="0">
-                <a:solidFill>
-                  <a:srgbClr val="000000"/>
-                </a:solidFill>
-                <a:highlight>
-                  <a:srgbClr val="FFFFFF"/>
-                </a:highlight>
-              </a:rPr>
-              <a:t/>
-            </a:r>
-            <a:br>
-              <a:rPr lang="en-CA" sz="800" dirty="0" smtClean="0">
-                <a:solidFill>
-                  <a:srgbClr val="000000"/>
-                </a:solidFill>
-                <a:highlight>
-                  <a:srgbClr val="FFFFFF"/>
-                </a:highlight>
-              </a:rPr>
-            </a:br>
-            <a:r>
-              <a:rPr lang="en-CA" sz="800" dirty="0" smtClean="0">
-                <a:solidFill>
-                  <a:srgbClr val="000000"/>
-                </a:solidFill>
-                <a:highlight>
-                  <a:srgbClr val="FFFFFF"/>
-                </a:highlight>
-              </a:rPr>
-              <a:t>  </a:t>
-            </a:r>
-            <a:r>
-              <a:rPr lang="en-CA" sz="800" dirty="0" smtClean="0">
-                <a:solidFill>
-                  <a:srgbClr val="000096"/>
-                </a:solidFill>
-                <a:highlight>
-                  <a:srgbClr val="FFFFFF"/>
-                </a:highlight>
-              </a:rPr>
-              <a:t>&lt;input</a:t>
-            </a:r>
-            <a:r>
-              <a:rPr lang="en-CA" sz="800" dirty="0" smtClean="0">
-                <a:solidFill>
-                  <a:srgbClr val="F5844C"/>
-                </a:solidFill>
-                <a:highlight>
-                  <a:srgbClr val="FFFFFF"/>
-                </a:highlight>
-              </a:rPr>
-              <a:t> name</a:t>
-            </a:r>
-            <a:r>
-              <a:rPr lang="en-CA" sz="800" dirty="0" smtClean="0">
-                <a:solidFill>
-                  <a:srgbClr val="FF8040"/>
-                </a:solidFill>
-                <a:highlight>
-                  <a:srgbClr val="FFFFFF"/>
-                </a:highlight>
-              </a:rPr>
-              <a:t>=</a:t>
-            </a:r>
-            <a:r>
-              <a:rPr lang="en-CA" sz="800" dirty="0" smtClean="0">
-                <a:solidFill>
-                  <a:srgbClr val="993300"/>
-                </a:solidFill>
-                <a:highlight>
-                  <a:srgbClr val="FFFFFF"/>
-                </a:highlight>
-              </a:rPr>
-              <a:t>"w"</a:t>
-            </a:r>
-            <a:r>
-              <a:rPr lang="en-CA" sz="800" dirty="0" smtClean="0">
-                <a:solidFill>
-                  <a:srgbClr val="F5844C"/>
-                </a:solidFill>
-                <a:highlight>
-                  <a:srgbClr val="FFFFFF"/>
-                </a:highlight>
-              </a:rPr>
-              <a:t> type</a:t>
-            </a:r>
-            <a:r>
-              <a:rPr lang="en-CA" sz="800" dirty="0" smtClean="0">
-                <a:solidFill>
-                  <a:srgbClr val="FF8040"/>
-                </a:solidFill>
-                <a:highlight>
-                  <a:srgbClr val="FFFFFF"/>
-                </a:highlight>
-              </a:rPr>
-              <a:t>=</a:t>
-            </a:r>
-            <a:r>
-              <a:rPr lang="en-CA" sz="800" dirty="0" smtClean="0">
-                <a:solidFill>
-                  <a:srgbClr val="993300"/>
-                </a:solidFill>
-                <a:highlight>
-                  <a:srgbClr val="FFFFFF"/>
-                </a:highlight>
-              </a:rPr>
-              <a:t>"width"</a:t>
-            </a:r>
-            <a:r>
-              <a:rPr lang="en-CA" sz="800" dirty="0" smtClean="0">
-                <a:solidFill>
-                  <a:srgbClr val="000096"/>
-                </a:solidFill>
-                <a:highlight>
-                  <a:srgbClr val="FFFFFF"/>
-                </a:highlight>
-              </a:rPr>
-              <a:t>/&gt;</a:t>
-            </a:r>
-            <a:r>
-              <a:rPr lang="en-CA" sz="800" dirty="0" smtClean="0">
-                <a:solidFill>
-                  <a:srgbClr val="000000"/>
-                </a:solidFill>
-                <a:highlight>
-                  <a:srgbClr val="FFFFFF"/>
-                </a:highlight>
-              </a:rPr>
-              <a:t/>
-            </a:r>
-            <a:br>
-              <a:rPr lang="en-CA" sz="800" dirty="0" smtClean="0">
-                <a:solidFill>
-                  <a:srgbClr val="000000"/>
-                </a:solidFill>
-                <a:highlight>
-                  <a:srgbClr val="FFFFFF"/>
-                </a:highlight>
-              </a:rPr>
-            </a:br>
-            <a:r>
-              <a:rPr lang="en-CA" sz="800" dirty="0" smtClean="0">
-                <a:solidFill>
-                  <a:srgbClr val="000000"/>
-                </a:solidFill>
-                <a:highlight>
-                  <a:srgbClr val="FFFFFF"/>
-                </a:highlight>
-              </a:rPr>
-              <a:t>  </a:t>
-            </a:r>
-            <a:r>
-              <a:rPr lang="en-CA" sz="800" dirty="0" smtClean="0">
-                <a:solidFill>
-                  <a:srgbClr val="000096"/>
-                </a:solidFill>
-                <a:highlight>
-                  <a:srgbClr val="FFFFFF"/>
-                </a:highlight>
-              </a:rPr>
-              <a:t>&lt;input</a:t>
-            </a:r>
-            <a:r>
-              <a:rPr lang="en-CA" sz="800" dirty="0" smtClean="0">
-                <a:solidFill>
-                  <a:srgbClr val="F5844C"/>
-                </a:solidFill>
-                <a:highlight>
-                  <a:srgbClr val="FFFFFF"/>
-                </a:highlight>
-              </a:rPr>
-              <a:t> name</a:t>
-            </a:r>
-            <a:r>
-              <a:rPr lang="en-CA" sz="800" dirty="0" smtClean="0">
-                <a:solidFill>
-                  <a:srgbClr val="FF8040"/>
-                </a:solidFill>
-                <a:highlight>
-                  <a:srgbClr val="FFFFFF"/>
-                </a:highlight>
-              </a:rPr>
-              <a:t>=</a:t>
-            </a:r>
-            <a:r>
-              <a:rPr lang="en-CA" sz="800" dirty="0" smtClean="0">
-                <a:solidFill>
-                  <a:srgbClr val="993300"/>
-                </a:solidFill>
-                <a:highlight>
-                  <a:srgbClr val="FFFFFF"/>
-                </a:highlight>
-              </a:rPr>
-              <a:t>"h"</a:t>
-            </a:r>
-            <a:r>
-              <a:rPr lang="en-CA" sz="800" dirty="0" smtClean="0">
-                <a:solidFill>
-                  <a:srgbClr val="F5844C"/>
-                </a:solidFill>
-                <a:highlight>
-                  <a:srgbClr val="FFFFFF"/>
-                </a:highlight>
-              </a:rPr>
-              <a:t> type</a:t>
-            </a:r>
-            <a:r>
-              <a:rPr lang="en-CA" sz="800" dirty="0" smtClean="0">
-                <a:solidFill>
-                  <a:srgbClr val="FF8040"/>
-                </a:solidFill>
-                <a:highlight>
-                  <a:srgbClr val="FFFFFF"/>
-                </a:highlight>
-              </a:rPr>
-              <a:t>=</a:t>
-            </a:r>
-            <a:r>
-              <a:rPr lang="en-CA" sz="800" dirty="0" smtClean="0">
-                <a:solidFill>
-                  <a:srgbClr val="993300"/>
-                </a:solidFill>
-                <a:highlight>
-                  <a:srgbClr val="FFFFFF"/>
-                </a:highlight>
-              </a:rPr>
-              <a:t>"height"</a:t>
-            </a:r>
-            <a:r>
-              <a:rPr lang="en-CA" sz="800" dirty="0" smtClean="0">
-                <a:solidFill>
-                  <a:srgbClr val="000096"/>
-                </a:solidFill>
-                <a:highlight>
-                  <a:srgbClr val="FFFFFF"/>
-                </a:highlight>
-              </a:rPr>
-              <a:t>/&gt;</a:t>
-            </a:r>
-          </a:p>
-          <a:p>
-            <a:r>
-              <a:rPr lang="en-CA" sz="800" dirty="0" smtClean="0">
-                <a:solidFill>
-                  <a:srgbClr val="000000"/>
-                </a:solidFill>
-                <a:highlight>
-                  <a:srgbClr val="FFFFFF"/>
-                </a:highlight>
-              </a:rPr>
-              <a:t/>
-            </a:r>
-            <a:br>
-              <a:rPr lang="en-CA" sz="800" dirty="0" smtClean="0">
-                <a:solidFill>
-                  <a:srgbClr val="000000"/>
-                </a:solidFill>
-                <a:highlight>
-                  <a:srgbClr val="FFFFFF"/>
-                </a:highlight>
-              </a:rPr>
-            </a:br>
-            <a:r>
-              <a:rPr lang="en-CA" sz="800" dirty="0" smtClean="0">
-                <a:solidFill>
-                  <a:srgbClr val="000000"/>
-                </a:solidFill>
-                <a:highlight>
-                  <a:srgbClr val="FFFFFF"/>
-                </a:highlight>
-              </a:rPr>
-              <a:t>  </a:t>
-            </a:r>
-            <a:r>
-              <a:rPr lang="en-CA" sz="800" dirty="0" smtClean="0">
-                <a:solidFill>
-                  <a:srgbClr val="000096"/>
-                </a:solidFill>
-                <a:highlight>
-                  <a:srgbClr val="FFFFFF"/>
-                </a:highlight>
-              </a:rPr>
-              <a:t>&lt;link</a:t>
-            </a:r>
-            <a:r>
-              <a:rPr lang="en-CA" sz="800" dirty="0" smtClean="0">
-                <a:solidFill>
-                  <a:srgbClr val="F5844C"/>
-                </a:solidFill>
-                <a:highlight>
-                  <a:srgbClr val="FFFFFF"/>
-                </a:highlight>
-              </a:rPr>
-              <a:t> </a:t>
-            </a:r>
-            <a:r>
-              <a:rPr lang="en-CA" sz="800" dirty="0" err="1" smtClean="0">
-                <a:solidFill>
-                  <a:srgbClr val="F5844C"/>
-                </a:solidFill>
-                <a:highlight>
-                  <a:srgbClr val="FFFFFF"/>
-                </a:highlight>
-              </a:rPr>
-              <a:t>rel</a:t>
-            </a:r>
-            <a:r>
-              <a:rPr lang="en-CA" sz="800" dirty="0" smtClean="0">
-                <a:solidFill>
-                  <a:srgbClr val="FF8040"/>
-                </a:solidFill>
-                <a:highlight>
-                  <a:srgbClr val="FFFFFF"/>
-                </a:highlight>
-              </a:rPr>
-              <a:t>=</a:t>
-            </a:r>
-            <a:r>
-              <a:rPr lang="en-CA" sz="800" dirty="0" smtClean="0">
-                <a:solidFill>
-                  <a:srgbClr val="993300"/>
-                </a:solidFill>
-                <a:highlight>
-                  <a:srgbClr val="FFFFFF"/>
-                </a:highlight>
-              </a:rPr>
-              <a:t>"image"</a:t>
-            </a:r>
-            <a:r>
-              <a:rPr lang="en-CA" sz="800" dirty="0" smtClean="0">
-                <a:solidFill>
-                  <a:srgbClr val="F5844C"/>
-                </a:solidFill>
-                <a:highlight>
-                  <a:srgbClr val="FFFFFF"/>
-                </a:highlight>
-              </a:rPr>
-              <a:t> </a:t>
-            </a:r>
-            <a:r>
-              <a:rPr lang="en-CA" sz="800" dirty="0" err="1" smtClean="0">
-                <a:solidFill>
-                  <a:srgbClr val="F5844C"/>
-                </a:solidFill>
-                <a:highlight>
-                  <a:srgbClr val="FFFFFF"/>
-                </a:highlight>
-              </a:rPr>
-              <a:t>tref</a:t>
-            </a:r>
-            <a:r>
-              <a:rPr lang="en-CA" sz="800" dirty="0" smtClean="0">
-                <a:solidFill>
-                  <a:srgbClr val="FF8040"/>
-                </a:solidFill>
-                <a:highlight>
-                  <a:srgbClr val="FFFFFF"/>
-                </a:highlight>
-              </a:rPr>
-              <a:t>=</a:t>
-            </a:r>
-            <a:r>
-              <a:rPr lang="en-CA" sz="800" dirty="0" smtClean="0">
-                <a:solidFill>
-                  <a:srgbClr val="993300"/>
-                </a:solidFill>
-                <a:highlight>
-                  <a:srgbClr val="FFFFFF"/>
-                </a:highlight>
-              </a:rPr>
-              <a:t>"https://wms.example.com/? SERVICE=</a:t>
-            </a:r>
-            <a:r>
-              <a:rPr lang="en-CA" sz="800" dirty="0" err="1" smtClean="0">
-                <a:solidFill>
-                  <a:srgbClr val="993300"/>
-                </a:solidFill>
-                <a:highlight>
-                  <a:srgbClr val="FFFFFF"/>
-                </a:highlight>
-              </a:rPr>
-              <a:t>WMS&amp;amp;VERSION</a:t>
-            </a:r>
-            <a:r>
-              <a:rPr lang="en-CA" sz="800" dirty="0" smtClean="0">
-                <a:solidFill>
-                  <a:srgbClr val="993300"/>
-                </a:solidFill>
-                <a:highlight>
-                  <a:srgbClr val="FFFFFF"/>
-                </a:highlight>
-              </a:rPr>
-              <a:t>=1.1.1&amp;amp;SRS=EPSG:3857&amp;amp;LAYERS=</a:t>
-            </a:r>
-            <a:r>
-              <a:rPr lang="en-CA" sz="800" dirty="0" err="1" smtClean="0">
-                <a:solidFill>
-                  <a:srgbClr val="993300"/>
-                </a:solidFill>
-                <a:highlight>
-                  <a:srgbClr val="FFFFFF"/>
-                </a:highlight>
-              </a:rPr>
-              <a:t>basemap&amp;amp;BBOX</a:t>
-            </a:r>
-            <a:r>
-              <a:rPr lang="en-CA" sz="800" dirty="0" smtClean="0">
-                <a:solidFill>
-                  <a:srgbClr val="993300"/>
-                </a:solidFill>
-                <a:highlight>
-                  <a:srgbClr val="FFFFFF"/>
-                </a:highlight>
-              </a:rPr>
-              <a:t>={</a:t>
-            </a:r>
-            <a:r>
-              <a:rPr lang="en-CA" sz="800" dirty="0" err="1" smtClean="0">
-                <a:solidFill>
-                  <a:srgbClr val="993300"/>
-                </a:solidFill>
-                <a:highlight>
-                  <a:srgbClr val="FFFFFF"/>
-                </a:highlight>
-              </a:rPr>
-              <a:t>xmin</a:t>
-            </a:r>
-            <a:r>
-              <a:rPr lang="en-CA" sz="800" dirty="0" smtClean="0">
-                <a:solidFill>
-                  <a:srgbClr val="993300"/>
-                </a:solidFill>
-                <a:highlight>
-                  <a:srgbClr val="FFFFFF"/>
-                </a:highlight>
-              </a:rPr>
-              <a:t>},{</a:t>
-            </a:r>
-            <a:r>
-              <a:rPr lang="en-CA" sz="800" dirty="0" err="1" smtClean="0">
-                <a:solidFill>
-                  <a:srgbClr val="993300"/>
-                </a:solidFill>
-                <a:highlight>
-                  <a:srgbClr val="FFFFFF"/>
-                </a:highlight>
-              </a:rPr>
-              <a:t>ymin</a:t>
-            </a:r>
-            <a:r>
-              <a:rPr lang="en-CA" sz="800" dirty="0" smtClean="0">
-                <a:solidFill>
-                  <a:srgbClr val="993300"/>
-                </a:solidFill>
-                <a:highlight>
-                  <a:srgbClr val="FFFFFF"/>
-                </a:highlight>
-              </a:rPr>
-              <a:t>},{</a:t>
-            </a:r>
-            <a:r>
-              <a:rPr lang="en-CA" sz="800" dirty="0" err="1" smtClean="0">
-                <a:solidFill>
-                  <a:srgbClr val="993300"/>
-                </a:solidFill>
-                <a:highlight>
-                  <a:srgbClr val="FFFFFF"/>
-                </a:highlight>
-              </a:rPr>
-              <a:t>xmax</a:t>
-            </a:r>
-            <a:r>
-              <a:rPr lang="en-CA" sz="800" dirty="0" smtClean="0">
-                <a:solidFill>
-                  <a:srgbClr val="993300"/>
-                </a:solidFill>
-                <a:highlight>
-                  <a:srgbClr val="FFFFFF"/>
-                </a:highlight>
-              </a:rPr>
-              <a:t>},{</a:t>
-            </a:r>
-            <a:r>
-              <a:rPr lang="en-CA" sz="800" dirty="0" err="1" smtClean="0">
-                <a:solidFill>
-                  <a:srgbClr val="993300"/>
-                </a:solidFill>
-                <a:highlight>
-                  <a:srgbClr val="FFFFFF"/>
-                </a:highlight>
-              </a:rPr>
-              <a:t>ymax</a:t>
-            </a:r>
-            <a:r>
-              <a:rPr lang="en-CA" sz="800" dirty="0" smtClean="0">
-                <a:solidFill>
-                  <a:srgbClr val="993300"/>
-                </a:solidFill>
-                <a:highlight>
-                  <a:srgbClr val="FFFFFF"/>
-                </a:highlight>
-              </a:rPr>
-              <a:t>}&amp;</a:t>
-            </a:r>
-            <a:r>
-              <a:rPr lang="en-CA" sz="800" dirty="0" err="1" smtClean="0">
-                <a:solidFill>
-                  <a:srgbClr val="993300"/>
-                </a:solidFill>
-                <a:highlight>
-                  <a:srgbClr val="FFFFFF"/>
-                </a:highlight>
-              </a:rPr>
-              <a:t>amp;REQUEST</a:t>
-            </a:r>
-            <a:r>
-              <a:rPr lang="en-CA" sz="800" dirty="0" smtClean="0">
-                <a:solidFill>
-                  <a:srgbClr val="993300"/>
-                </a:solidFill>
-                <a:highlight>
-                  <a:srgbClr val="FFFFFF"/>
-                </a:highlight>
-              </a:rPr>
-              <a:t>=</a:t>
-            </a:r>
-            <a:r>
-              <a:rPr lang="en-CA" sz="800" dirty="0" err="1" smtClean="0">
-                <a:solidFill>
-                  <a:srgbClr val="993300"/>
-                </a:solidFill>
-                <a:highlight>
-                  <a:srgbClr val="FFFFFF"/>
-                </a:highlight>
-              </a:rPr>
-              <a:t>GetMap&amp;amp;FORMAT</a:t>
-            </a:r>
-            <a:r>
-              <a:rPr lang="en-CA" sz="800" dirty="0" smtClean="0">
-                <a:solidFill>
-                  <a:srgbClr val="993300"/>
-                </a:solidFill>
-                <a:highlight>
-                  <a:srgbClr val="FFFFFF"/>
-                </a:highlight>
-              </a:rPr>
-              <a:t>=image/</a:t>
-            </a:r>
-            <a:r>
-              <a:rPr lang="en-CA" sz="800" dirty="0" err="1" smtClean="0">
-                <a:solidFill>
-                  <a:srgbClr val="993300"/>
-                </a:solidFill>
-                <a:highlight>
-                  <a:srgbClr val="FFFFFF"/>
-                </a:highlight>
-              </a:rPr>
-              <a:t>png&amp;amp;WIDTH</a:t>
-            </a:r>
-            <a:r>
-              <a:rPr lang="en-CA" sz="800" dirty="0" smtClean="0">
-                <a:solidFill>
-                  <a:srgbClr val="993300"/>
-                </a:solidFill>
-                <a:highlight>
-                  <a:srgbClr val="FFFFFF"/>
-                </a:highlight>
-              </a:rPr>
-              <a:t>={w}&amp;</a:t>
-            </a:r>
-            <a:r>
-              <a:rPr lang="en-CA" sz="800" dirty="0" err="1" smtClean="0">
-                <a:solidFill>
-                  <a:srgbClr val="993300"/>
-                </a:solidFill>
-                <a:highlight>
-                  <a:srgbClr val="FFFFFF"/>
-                </a:highlight>
-              </a:rPr>
-              <a:t>amp;HEIGHT</a:t>
-            </a:r>
-            <a:r>
-              <a:rPr lang="en-CA" sz="800" dirty="0" smtClean="0">
-                <a:solidFill>
-                  <a:srgbClr val="993300"/>
-                </a:solidFill>
-                <a:highlight>
-                  <a:srgbClr val="FFFFFF"/>
-                </a:highlight>
-              </a:rPr>
-              <a:t>={h} "</a:t>
-            </a:r>
-            <a:r>
-              <a:rPr lang="en-CA" sz="800" dirty="0" smtClean="0">
-                <a:solidFill>
-                  <a:srgbClr val="000096"/>
-                </a:solidFill>
-                <a:highlight>
-                  <a:srgbClr val="FFFFFF"/>
-                </a:highlight>
-              </a:rPr>
-              <a:t>/&gt;</a:t>
+              <a:t>&gt; &lt;!– a ‘form’ to cover viewport with map content --&gt;</a:t>
             </a:r>
           </a:p>
           <a:p>
@@ -10604,7 +8598,7 @@
           </a:p>
           <a:p>
             <a:r>
-              <a:rPr lang="en-CA" sz="800" dirty="0" smtClean="0">
+              <a:rPr lang="en-CA" sz="800" dirty="0">
                 <a:solidFill>
                   <a:srgbClr val="000096"/>
                 </a:solidFill>
@@ -10612,10 +8606,218 @@
                   <a:srgbClr val="FFFFFF"/>
                 </a:highlight>
               </a:rPr>
+              <a:t>  &lt;input</a:t>
+            </a:r>
+            <a:r>
+              <a:rPr lang="en-CA" sz="800" dirty="0">
+                <a:solidFill>
+                  <a:srgbClr val="F5844C"/>
+                </a:solidFill>
+                <a:highlight>
+                  <a:srgbClr val="FFFFFF"/>
+                </a:highlight>
+              </a:rPr>
+              <a:t> name</a:t>
+            </a:r>
+            <a:r>
+              <a:rPr lang="en-CA" sz="800" dirty="0">
+                <a:solidFill>
+                  <a:srgbClr val="FF8040"/>
+                </a:solidFill>
+                <a:highlight>
+                  <a:srgbClr val="FFFFFF"/>
+                </a:highlight>
+              </a:rPr>
+              <a:t>=</a:t>
+            </a:r>
+            <a:r>
+              <a:rPr lang="en-CA" sz="800" dirty="0">
+                <a:solidFill>
+                  <a:srgbClr val="993300"/>
+                </a:solidFill>
+                <a:highlight>
+                  <a:srgbClr val="FFFFFF"/>
+                </a:highlight>
+              </a:rPr>
+              <a:t>"z"</a:t>
+            </a:r>
+            <a:r>
+              <a:rPr lang="en-CA" sz="800" dirty="0">
+                <a:solidFill>
+                  <a:srgbClr val="F5844C"/>
+                </a:solidFill>
+                <a:highlight>
+                  <a:srgbClr val="FFFFFF"/>
+                </a:highlight>
+              </a:rPr>
+              <a:t> type</a:t>
+            </a:r>
+            <a:r>
+              <a:rPr lang="en-CA" sz="800" dirty="0">
+                <a:solidFill>
+                  <a:srgbClr val="FF8040"/>
+                </a:solidFill>
+                <a:highlight>
+                  <a:srgbClr val="FFFFFF"/>
+                </a:highlight>
+              </a:rPr>
+              <a:t>=</a:t>
+            </a:r>
+            <a:r>
+              <a:rPr lang="en-CA" sz="800" dirty="0">
+                <a:solidFill>
+                  <a:srgbClr val="993300"/>
+                </a:solidFill>
+                <a:highlight>
+                  <a:srgbClr val="FFFFFF"/>
+                </a:highlight>
+              </a:rPr>
+              <a:t>"zoom"</a:t>
+            </a:r>
+            <a:r>
+              <a:rPr lang="en-CA" sz="800" dirty="0">
+                <a:solidFill>
+                  <a:srgbClr val="F5844C"/>
+                </a:solidFill>
+                <a:highlight>
+                  <a:srgbClr val="FFFFFF"/>
+                </a:highlight>
+              </a:rPr>
+              <a:t> value</a:t>
+            </a:r>
+            <a:r>
+              <a:rPr lang="en-CA" sz="800" dirty="0">
+                <a:solidFill>
+                  <a:srgbClr val="FF8040"/>
+                </a:solidFill>
+                <a:highlight>
+                  <a:srgbClr val="FFFFFF"/>
+                </a:highlight>
+              </a:rPr>
+              <a:t>=</a:t>
+            </a:r>
+            <a:r>
+              <a:rPr lang="en-CA" sz="800" dirty="0">
+                <a:solidFill>
+                  <a:srgbClr val="993300"/>
+                </a:solidFill>
+                <a:highlight>
+                  <a:srgbClr val="FFFFFF"/>
+                </a:highlight>
+              </a:rPr>
+              <a:t>“1"</a:t>
+            </a:r>
+            <a:r>
+              <a:rPr lang="en-CA" sz="800" dirty="0">
+                <a:solidFill>
+                  <a:srgbClr val="F5844C"/>
+                </a:solidFill>
+                <a:highlight>
+                  <a:srgbClr val="FFFFFF"/>
+                </a:highlight>
+              </a:rPr>
+              <a:t> min</a:t>
+            </a:r>
+            <a:r>
+              <a:rPr lang="en-CA" sz="800" dirty="0">
+                <a:solidFill>
+                  <a:srgbClr val="FF8040"/>
+                </a:solidFill>
+                <a:highlight>
+                  <a:srgbClr val="FFFFFF"/>
+                </a:highlight>
+              </a:rPr>
+              <a:t>=</a:t>
+            </a:r>
+            <a:r>
+              <a:rPr lang="en-CA" sz="800" dirty="0">
+                <a:solidFill>
+                  <a:srgbClr val="993300"/>
+                </a:solidFill>
+                <a:highlight>
+                  <a:srgbClr val="FFFFFF"/>
+                </a:highlight>
+              </a:rPr>
+              <a:t>"0"</a:t>
+            </a:r>
+            <a:r>
+              <a:rPr lang="en-CA" sz="800" dirty="0">
+                <a:solidFill>
+                  <a:srgbClr val="F5844C"/>
+                </a:solidFill>
+                <a:highlight>
+                  <a:srgbClr val="FFFFFF"/>
+                </a:highlight>
+              </a:rPr>
+              <a:t> max</a:t>
+            </a:r>
+            <a:r>
+              <a:rPr lang="en-CA" sz="800" dirty="0">
+                <a:solidFill>
+                  <a:srgbClr val="FF8040"/>
+                </a:solidFill>
+                <a:highlight>
+                  <a:srgbClr val="FFFFFF"/>
+                </a:highlight>
+              </a:rPr>
+              <a:t>=</a:t>
+            </a:r>
+            <a:r>
+              <a:rPr lang="en-CA" sz="800" dirty="0">
+                <a:solidFill>
+                  <a:srgbClr val="993300"/>
+                </a:solidFill>
+                <a:highlight>
+                  <a:srgbClr val="FFFFFF"/>
+                </a:highlight>
+              </a:rPr>
+              <a:t>"18"</a:t>
+            </a:r>
+            <a:r>
+              <a:rPr lang="en-CA" sz="800" dirty="0">
+                <a:solidFill>
+                  <a:srgbClr val="000096"/>
+                </a:solidFill>
+                <a:highlight>
+                  <a:srgbClr val="FFFFFF"/>
+                </a:highlight>
+              </a:rPr>
+              <a:t>/&gt;</a:t>
+            </a:r>
+            <a:br>
+              <a:rPr lang="en-CA" sz="800" dirty="0">
+                <a:solidFill>
+                  <a:srgbClr val="000000"/>
+                </a:solidFill>
+                <a:highlight>
+                  <a:srgbClr val="FFFFFF"/>
+                </a:highlight>
+              </a:rPr>
+            </a:br>
+            <a:r>
+              <a:rPr lang="en-CA" sz="800" dirty="0">
+                <a:solidFill>
+                  <a:srgbClr val="000000"/>
+                </a:solidFill>
+                <a:highlight>
+                  <a:srgbClr val="FFFFFF"/>
+                </a:highlight>
+              </a:rPr>
+              <a:t>  </a:t>
+            </a:r>
+            <a:r>
+              <a:rPr lang="en-CA" sz="800" dirty="0">
+                <a:solidFill>
+                  <a:srgbClr val="000096"/>
+                </a:solidFill>
+                <a:highlight>
+                  <a:srgbClr val="FFFFFF"/>
+                </a:highlight>
+              </a:rPr>
               <a:t>&lt;input</a:t>
             </a:r>
             <a:r>
-              <a:rPr lang="en-CA" sz="800" dirty="0" smtClean="0">
+              <a:rPr lang="en-CA" sz="800" dirty="0">
                 <a:solidFill>
                   <a:srgbClr val="F5844C"/>
                 </a:solidFill>
@@ -10626,7 +8828,7 @@
               <a:t> name</a:t>
             </a:r>
             <a:r>
-              <a:rPr lang="en-CA" sz="800" dirty="0" smtClean="0">
+              <a:rPr lang="en-CA" sz="800" dirty="0">
                 <a:solidFill>
                   <a:srgbClr val="FF8040"/>
                 </a:solidFill>
@@ -10637,7 +8839,7 @@
               <a:t>=</a:t>
             </a:r>
             <a:r>
-              <a:rPr lang="en-CA" sz="800" dirty="0" smtClean="0">
+              <a:rPr lang="en-CA" sz="800" dirty="0">
                 <a:solidFill>
                   <a:srgbClr val="993300"/>
                 </a:solidFill>
@@ -10645,10 +8847,32 @@
                   <a:srgbClr val="FFFFFF"/>
                 </a:highlight>
               </a:rPr>
-              <a:t>"y"</a:t>
-            </a:r>
-            <a:r>
-              <a:rPr lang="en-CA" sz="800" dirty="0" smtClean="0">
+              <a:t>"</a:t>
+            </a:r>
+            <a:r>
+              <a:rPr lang="en-CA" sz="800" dirty="0" err="1">
+                <a:solidFill>
+                  <a:srgbClr val="993300"/>
+                </a:solidFill>
+                <a:highlight>
+                  <a:srgbClr val="FFFFFF"/>
+                </a:highlight>
+              </a:rPr>
+              <a:t>xmin</a:t>
+            </a:r>
+            <a:r>
+              <a:rPr lang="en-CA" sz="800" dirty="0">
+                <a:solidFill>
+                  <a:srgbClr val="993300"/>
+                </a:solidFill>
+                <a:highlight>
+                  <a:srgbClr val="FFFFFF"/>
+                </a:highlight>
+              </a:rPr>
+              <a:t>"</a:t>
+            </a:r>
+            <a:r>
+              <a:rPr lang="en-CA" sz="800" dirty="0">
                 <a:solidFill>
                   <a:srgbClr val="F5844C"/>
                 </a:solidFill>
@@ -10659,7 +8883,7 @@
               <a:t> type</a:t>
             </a:r>
             <a:r>
-              <a:rPr lang="en-CA" sz="800" dirty="0" smtClean="0">
+              <a:rPr lang="en-CA" sz="800" dirty="0">
                 <a:solidFill>
                   <a:srgbClr val="FF8040"/>
                 </a:solidFill>
@@ -10670,7 +8894,7 @@
               <a:t>=</a:t>
             </a:r>
             <a:r>
-              <a:rPr lang="en-CA" sz="800" dirty="0" smtClean="0">
+              <a:rPr lang="en-CA" sz="800" dirty="0">
                 <a:solidFill>
                   <a:srgbClr val="993300"/>
                 </a:solidFill>
@@ -10681,7 +8905,7 @@
               <a:t>"location"</a:t>
             </a:r>
             <a:r>
-              <a:rPr lang="en-CA" sz="800" dirty="0" smtClean="0">
+              <a:rPr lang="en-CA" sz="800" dirty="0">
                 <a:solidFill>
                   <a:srgbClr val="F5844C"/>
                 </a:solidFill>
@@ -10692,7 +8916,7 @@
               <a:t> units</a:t>
             </a:r>
             <a:r>
-              <a:rPr lang="en-CA" sz="800" dirty="0" smtClean="0">
+              <a:rPr lang="en-CA" sz="800" dirty="0">
                 <a:solidFill>
                   <a:srgbClr val="FF8040"/>
                 </a:solidFill>
@@ -10703,7 +8927,7 @@
               <a:t>=</a:t>
             </a:r>
             <a:r>
-              <a:rPr lang="en-CA" sz="800" dirty="0" smtClean="0">
+              <a:rPr lang="en-CA" sz="800" dirty="0">
                 <a:solidFill>
                   <a:srgbClr val="993300"/>
                 </a:solidFill>
@@ -10714,7 +8938,7 @@
               <a:t>"</a:t>
             </a:r>
             <a:r>
-              <a:rPr lang="en-CA" sz="800" dirty="0" err="1" smtClean="0">
+              <a:rPr lang="en-CA" sz="800" dirty="0" err="1">
                 <a:solidFill>
                   <a:srgbClr val="993300"/>
                 </a:solidFill>
@@ -10722,10 +8946,10 @@
                   <a:srgbClr val="FFFFFF"/>
                 </a:highlight>
               </a:rPr>
-              <a:t>tilematrix</a:t>
-            </a:r>
-            <a:r>
-              <a:rPr lang="en-CA" sz="800" dirty="0" smtClean="0">
+              <a:t>pcrs</a:t>
+            </a:r>
+            <a:r>
+              <a:rPr lang="en-CA" sz="800" dirty="0">
                 <a:solidFill>
                   <a:srgbClr val="993300"/>
                 </a:solidFill>
@@ -10736,7 +8960,7 @@
               <a:t>"</a:t>
             </a:r>
             <a:r>
-              <a:rPr lang="en-CA" sz="800" dirty="0" smtClean="0">
+              <a:rPr lang="en-CA" sz="800" dirty="0">
                 <a:solidFill>
                   <a:srgbClr val="F5844C"/>
                 </a:solidFill>
@@ -10744,10 +8968,43 @@
                   <a:srgbClr val="FFFFFF"/>
                 </a:highlight>
               </a:rPr>
+              <a:t> position</a:t>
+            </a:r>
+            <a:r>
+              <a:rPr lang="en-CA" sz="800" dirty="0">
+                <a:solidFill>
+                  <a:srgbClr val="FF8040"/>
+                </a:solidFill>
+                <a:highlight>
+                  <a:srgbClr val="FFFFFF"/>
+                </a:highlight>
+              </a:rPr>
+              <a:t>=</a:t>
+            </a:r>
+            <a:r>
+              <a:rPr lang="en-CA" sz="800" dirty="0">
+                <a:solidFill>
+                  <a:srgbClr val="993300"/>
+                </a:solidFill>
+                <a:highlight>
+                  <a:srgbClr val="FFFFFF"/>
+                </a:highlight>
+              </a:rPr>
+              <a:t>"top-left"</a:t>
+            </a:r>
+            <a:r>
+              <a:rPr lang="en-CA" sz="800" dirty="0">
+                <a:solidFill>
+                  <a:srgbClr val="F5844C"/>
+                </a:solidFill>
+                <a:highlight>
+                  <a:srgbClr val="FFFFFF"/>
+                </a:highlight>
+              </a:rPr>
               <a:t> axis</a:t>
             </a:r>
             <a:r>
-              <a:rPr lang="en-CA" sz="800" dirty="0" smtClean="0">
+              <a:rPr lang="en-CA" sz="800" dirty="0">
                 <a:solidFill>
                   <a:srgbClr val="FF8040"/>
                 </a:solidFill>
@@ -10758,7 +9015,7 @@
               <a:t>=</a:t>
             </a:r>
             <a:r>
-              <a:rPr lang="en-CA" sz="800" dirty="0" smtClean="0">
+              <a:rPr lang="en-CA" sz="800" dirty="0">
                 <a:solidFill>
                   <a:srgbClr val="993300"/>
                 </a:solidFill>
@@ -10766,10 +9023,10 @@
                   <a:srgbClr val="FFFFFF"/>
                 </a:highlight>
               </a:rPr>
-              <a:t>"row"</a:t>
-            </a:r>
-            <a:r>
-              <a:rPr lang="en-CA" sz="800" dirty="0" smtClean="0">
+              <a:t>"easting"</a:t>
+            </a:r>
+            <a:r>
+              <a:rPr lang="en-CA" sz="800" dirty="0">
                 <a:solidFill>
                   <a:srgbClr val="000096"/>
                 </a:solidFill>
@@ -10779,8 +9036,8 @@
               </a:rPr>
               <a:t>/&gt;</a:t>
             </a:r>
-            <a:r>
-              <a:rPr lang="en-CA" sz="800" dirty="0" smtClean="0">
+            <a:br>
+              <a:rPr lang="en-CA" sz="800" dirty="0">
                 <a:solidFill>
                   <a:srgbClr val="000000"/>
                 </a:solidFill>
@@ -10788,10 +9045,251 @@
                   <a:srgbClr val="FFFFFF"/>
                 </a:highlight>
               </a:rPr>
-              <a:t/>
+            </a:br>
+            <a:r>
+              <a:rPr lang="en-CA" sz="800" dirty="0">
+                <a:solidFill>
+                  <a:srgbClr val="000000"/>
+                </a:solidFill>
+                <a:highlight>
+                  <a:srgbClr val="FFFFFF"/>
+                </a:highlight>
+              </a:rPr>
+              <a:t>  </a:t>
+            </a:r>
+            <a:r>
+              <a:rPr lang="en-CA" sz="800" dirty="0">
+                <a:solidFill>
+                  <a:srgbClr val="000096"/>
+                </a:solidFill>
+                <a:highlight>
+                  <a:srgbClr val="FFFFFF"/>
+                </a:highlight>
+              </a:rPr>
+              <a:t>&lt;input</a:t>
+            </a:r>
+            <a:r>
+              <a:rPr lang="en-CA" sz="800" dirty="0">
+                <a:solidFill>
+                  <a:srgbClr val="F5844C"/>
+                </a:solidFill>
+                <a:highlight>
+                  <a:srgbClr val="FFFFFF"/>
+                </a:highlight>
+              </a:rPr>
+              <a:t> name</a:t>
+            </a:r>
+            <a:r>
+              <a:rPr lang="en-CA" sz="800" dirty="0">
+                <a:solidFill>
+                  <a:srgbClr val="FF8040"/>
+                </a:solidFill>
+                <a:highlight>
+                  <a:srgbClr val="FFFFFF"/>
+                </a:highlight>
+              </a:rPr>
+              <a:t>=</a:t>
+            </a:r>
+            <a:r>
+              <a:rPr lang="en-CA" sz="800" dirty="0">
+                <a:solidFill>
+                  <a:srgbClr val="993300"/>
+                </a:solidFill>
+                <a:highlight>
+                  <a:srgbClr val="FFFFFF"/>
+                </a:highlight>
+              </a:rPr>
+              <a:t>"</a:t>
+            </a:r>
+            <a:r>
+              <a:rPr lang="en-CA" sz="800" dirty="0" err="1">
+                <a:solidFill>
+                  <a:srgbClr val="993300"/>
+                </a:solidFill>
+                <a:highlight>
+                  <a:srgbClr val="FFFFFF"/>
+                </a:highlight>
+              </a:rPr>
+              <a:t>ymin</a:t>
+            </a:r>
+            <a:r>
+              <a:rPr lang="en-CA" sz="800" dirty="0">
+                <a:solidFill>
+                  <a:srgbClr val="993300"/>
+                </a:solidFill>
+                <a:highlight>
+                  <a:srgbClr val="FFFFFF"/>
+                </a:highlight>
+              </a:rPr>
+              <a:t>"</a:t>
+            </a:r>
+            <a:r>
+              <a:rPr lang="en-CA" sz="800" dirty="0">
+                <a:solidFill>
+                  <a:srgbClr val="F5844C"/>
+                </a:solidFill>
+                <a:highlight>
+                  <a:srgbClr val="FFFFFF"/>
+                </a:highlight>
+              </a:rPr>
+              <a:t> type</a:t>
+            </a:r>
+            <a:r>
+              <a:rPr lang="en-CA" sz="800" dirty="0">
+                <a:solidFill>
+                  <a:srgbClr val="FF8040"/>
+                </a:solidFill>
+                <a:highlight>
+                  <a:srgbClr val="FFFFFF"/>
+                </a:highlight>
+              </a:rPr>
+              <a:t>=</a:t>
+            </a:r>
+            <a:r>
+              <a:rPr lang="en-CA" sz="800" dirty="0">
+                <a:solidFill>
+                  <a:srgbClr val="993300"/>
+                </a:solidFill>
+                <a:highlight>
+                  <a:srgbClr val="FFFFFF"/>
+                </a:highlight>
+              </a:rPr>
+              <a:t>"location"</a:t>
+            </a:r>
+            <a:r>
+              <a:rPr lang="en-CA" sz="800" dirty="0">
+                <a:solidFill>
+                  <a:srgbClr val="F5844C"/>
+                </a:solidFill>
+                <a:highlight>
+                  <a:srgbClr val="FFFFFF"/>
+                </a:highlight>
+              </a:rPr>
+              <a:t> units</a:t>
+            </a:r>
+            <a:r>
+              <a:rPr lang="en-CA" sz="800" dirty="0">
+                <a:solidFill>
+                  <a:srgbClr val="FF8040"/>
+                </a:solidFill>
+                <a:highlight>
+                  <a:srgbClr val="FFFFFF"/>
+                </a:highlight>
+              </a:rPr>
+              <a:t>=</a:t>
+            </a:r>
+            <a:r>
+              <a:rPr lang="en-CA" sz="800" dirty="0">
+                <a:solidFill>
+                  <a:srgbClr val="993300"/>
+                </a:solidFill>
+                <a:highlight>
+                  <a:srgbClr val="FFFFFF"/>
+                </a:highlight>
+              </a:rPr>
+              <a:t>"</a:t>
+            </a:r>
+            <a:r>
+              <a:rPr lang="en-CA" sz="800" dirty="0" err="1">
+                <a:solidFill>
+                  <a:srgbClr val="993300"/>
+                </a:solidFill>
+                <a:highlight>
+                  <a:srgbClr val="FFFFFF"/>
+                </a:highlight>
+              </a:rPr>
+              <a:t>pcrs</a:t>
+            </a:r>
+            <a:r>
+              <a:rPr lang="en-CA" sz="800" dirty="0">
+                <a:solidFill>
+                  <a:srgbClr val="993300"/>
+                </a:solidFill>
+                <a:highlight>
+                  <a:srgbClr val="FFFFFF"/>
+                </a:highlight>
+              </a:rPr>
+              <a:t>"</a:t>
+            </a:r>
+            <a:r>
+              <a:rPr lang="en-CA" sz="800" dirty="0">
+                <a:solidFill>
+                  <a:srgbClr val="F5844C"/>
+                </a:solidFill>
+                <a:highlight>
+                  <a:srgbClr val="FFFFFF"/>
+                </a:highlight>
+              </a:rPr>
+              <a:t> position</a:t>
+            </a:r>
+            <a:r>
+              <a:rPr lang="en-CA" sz="800" dirty="0">
+                <a:solidFill>
+                  <a:srgbClr val="FF8040"/>
+                </a:solidFill>
+                <a:highlight>
+                  <a:srgbClr val="FFFFFF"/>
+                </a:highlight>
+              </a:rPr>
+              <a:t>=</a:t>
+            </a:r>
+            <a:r>
+              <a:rPr lang="en-CA" sz="800" dirty="0">
+                <a:solidFill>
+                  <a:srgbClr val="993300"/>
+                </a:solidFill>
+                <a:highlight>
+                  <a:srgbClr val="FFFFFF"/>
+                </a:highlight>
+              </a:rPr>
+              <a:t>"bottom-right"</a:t>
+            </a:r>
+            <a:r>
+              <a:rPr lang="en-CA" sz="800" dirty="0">
+                <a:solidFill>
+                  <a:srgbClr val="F5844C"/>
+                </a:solidFill>
+                <a:highlight>
+                  <a:srgbClr val="FFFFFF"/>
+                </a:highlight>
+              </a:rPr>
+              <a:t> axis</a:t>
+            </a:r>
+            <a:r>
+              <a:rPr lang="en-CA" sz="800" dirty="0">
+                <a:solidFill>
+                  <a:srgbClr val="FF8040"/>
+                </a:solidFill>
+                <a:highlight>
+                  <a:srgbClr val="FFFFFF"/>
+                </a:highlight>
+              </a:rPr>
+              <a:t>=</a:t>
+            </a:r>
+            <a:r>
+              <a:rPr lang="en-CA" sz="800" dirty="0">
+                <a:solidFill>
+                  <a:srgbClr val="993300"/>
+                </a:solidFill>
+                <a:highlight>
+                  <a:srgbClr val="FFFFFF"/>
+                </a:highlight>
+              </a:rPr>
+              <a:t>"northing"</a:t>
+            </a:r>
+            <a:r>
+              <a:rPr lang="en-CA" sz="800" dirty="0">
+                <a:solidFill>
+                  <a:srgbClr val="000096"/>
+                </a:solidFill>
+                <a:highlight>
+                  <a:srgbClr val="FFFFFF"/>
+                </a:highlight>
+              </a:rPr>
+              <a:t>/&gt;</a:t>
             </a:r>
             <a:br>
-              <a:rPr lang="en-CA" sz="800" dirty="0" smtClean="0">
+              <a:rPr lang="en-CA" sz="800" dirty="0">
                 <a:solidFill>
                   <a:srgbClr val="000000"/>
                 </a:solidFill>
@@ -10801,7 +9299,18 @@
               </a:rPr>
             </a:br>
             <a:r>
-              <a:rPr lang="en-CA" sz="800" dirty="0" smtClean="0">
+              <a:rPr lang="en-CA" sz="800" dirty="0">
+                <a:solidFill>
+                  <a:srgbClr val="000000"/>
+                </a:solidFill>
+                <a:highlight>
+                  <a:srgbClr val="FFFFFF"/>
+                </a:highlight>
+              </a:rPr>
+              <a:t>  </a:t>
+            </a:r>
+            <a:r>
+              <a:rPr lang="en-CA" sz="800" dirty="0">
                 <a:solidFill>
                   <a:srgbClr val="000096"/>
                 </a:solidFill>
@@ -10812,7 +9321,7 @@
               <a:t>&lt;input</a:t>
             </a:r>
             <a:r>
-              <a:rPr lang="en-CA" sz="800" dirty="0" smtClean="0">
+              <a:rPr lang="en-CA" sz="800" dirty="0">
                 <a:solidFill>
                   <a:srgbClr val="F5844C"/>
                 </a:solidFill>
@@ -10823,7 +9332,7 @@
               <a:t> name</a:t>
             </a:r>
             <a:r>
-              <a:rPr lang="en-CA" sz="800" dirty="0" smtClean="0">
+              <a:rPr lang="en-CA" sz="800" dirty="0">
                 <a:solidFill>
                   <a:srgbClr val="FF8040"/>
                 </a:solidFill>
@@ -10834,7 +9343,7 @@
               <a:t>=</a:t>
             </a:r>
             <a:r>
-              <a:rPr lang="en-CA" sz="800" dirty="0" smtClean="0">
+              <a:rPr lang="en-CA" sz="800" dirty="0">
                 <a:solidFill>
                   <a:srgbClr val="993300"/>
                 </a:solidFill>
@@ -10842,10 +9351,32 @@
                   <a:srgbClr val="FFFFFF"/>
                 </a:highlight>
               </a:rPr>
-              <a:t>"x"</a:t>
-            </a:r>
-            <a:r>
-              <a:rPr lang="en-CA" sz="800" dirty="0" smtClean="0">
+              <a:t>"</a:t>
+            </a:r>
+            <a:r>
+              <a:rPr lang="en-CA" sz="800" dirty="0" err="1">
+                <a:solidFill>
+                  <a:srgbClr val="993300"/>
+                </a:solidFill>
+                <a:highlight>
+                  <a:srgbClr val="FFFFFF"/>
+                </a:highlight>
+              </a:rPr>
+              <a:t>xmax</a:t>
+            </a:r>
+            <a:r>
+              <a:rPr lang="en-CA" sz="800" dirty="0">
+                <a:solidFill>
+                  <a:srgbClr val="993300"/>
+                </a:solidFill>
+                <a:highlight>
+                  <a:srgbClr val="FFFFFF"/>
+                </a:highlight>
+              </a:rPr>
+              <a:t>"</a:t>
+            </a:r>
+            <a:r>
+              <a:rPr lang="en-CA" sz="800" dirty="0">
                 <a:solidFill>
                   <a:srgbClr val="F5844C"/>
                 </a:solidFill>
@@ -10856,7 +9387,7 @@
               <a:t> type</a:t>
             </a:r>
             <a:r>
-              <a:rPr lang="en-CA" sz="800" dirty="0" smtClean="0">
+              <a:rPr lang="en-CA" sz="800" dirty="0">
                 <a:solidFill>
                   <a:srgbClr val="FF8040"/>
                 </a:solidFill>
@@ -10867,7 +9398,7 @@
               <a:t>=</a:t>
             </a:r>
             <a:r>
-              <a:rPr lang="en-CA" sz="800" dirty="0" smtClean="0">
+              <a:rPr lang="en-CA" sz="800" dirty="0">
                 <a:solidFill>
                   <a:srgbClr val="993300"/>
                 </a:solidFill>
@@ -10878,7 +9409,7 @@
               <a:t>"location"</a:t>
             </a:r>
             <a:r>
-              <a:rPr lang="en-CA" sz="800" dirty="0" smtClean="0">
+              <a:rPr lang="en-CA" sz="800" dirty="0">
                 <a:solidFill>
                   <a:srgbClr val="F5844C"/>
                 </a:solidFill>
@@ -10889,7 +9420,7 @@
               <a:t> units</a:t>
             </a:r>
             <a:r>
-              <a:rPr lang="en-CA" sz="800" dirty="0" smtClean="0">
+              <a:rPr lang="en-CA" sz="800" dirty="0">
                 <a:solidFill>
                   <a:srgbClr val="FF8040"/>
                 </a:solidFill>
@@ -10900,7 +9431,7 @@
               <a:t>=</a:t>
             </a:r>
             <a:r>
-              <a:rPr lang="en-CA" sz="800" dirty="0" smtClean="0">
+              <a:rPr lang="en-CA" sz="800" dirty="0">
                 <a:solidFill>
                   <a:srgbClr val="993300"/>
                 </a:solidFill>
@@ -10911,7 +9442,7 @@
               <a:t>"</a:t>
             </a:r>
             <a:r>
-              <a:rPr lang="en-CA" sz="800" dirty="0" err="1" smtClean="0">
+              <a:rPr lang="en-CA" sz="800" dirty="0" err="1">
                 <a:solidFill>
                   <a:srgbClr val="993300"/>
                 </a:solidFill>
@@ -10919,10 +9450,10 @@
                   <a:srgbClr val="FFFFFF"/>
                 </a:highlight>
               </a:rPr>
-              <a:t>tilematrix</a:t>
-            </a:r>
-            <a:r>
-              <a:rPr lang="en-CA" sz="800" dirty="0" smtClean="0">
+              <a:t>pcrs</a:t>
+            </a:r>
+            <a:r>
+              <a:rPr lang="en-CA" sz="800" dirty="0">
                 <a:solidFill>
                   <a:srgbClr val="993300"/>
                 </a:solidFill>
@@ -10933,7 +9464,7 @@
               <a:t>"</a:t>
             </a:r>
             <a:r>
-              <a:rPr lang="en-CA" sz="800" dirty="0" smtClean="0">
+              <a:rPr lang="en-CA" sz="800" dirty="0">
                 <a:solidFill>
                   <a:srgbClr val="F5844C"/>
                 </a:solidFill>
@@ -10941,10 +9472,43 @@
                   <a:srgbClr val="FFFFFF"/>
                 </a:highlight>
               </a:rPr>
+              <a:t> position</a:t>
+            </a:r>
+            <a:r>
+              <a:rPr lang="en-CA" sz="800" dirty="0">
+                <a:solidFill>
+                  <a:srgbClr val="FF8040"/>
+                </a:solidFill>
+                <a:highlight>
+                  <a:srgbClr val="FFFFFF"/>
+                </a:highlight>
+              </a:rPr>
+              <a:t>=</a:t>
+            </a:r>
+            <a:r>
+              <a:rPr lang="en-CA" sz="800" dirty="0">
+                <a:solidFill>
+                  <a:srgbClr val="993300"/>
+                </a:solidFill>
+                <a:highlight>
+                  <a:srgbClr val="FFFFFF"/>
+                </a:highlight>
+              </a:rPr>
+              <a:t>“bottom-right"</a:t>
+            </a:r>
+            <a:r>
+              <a:rPr lang="en-CA" sz="800" dirty="0">
+                <a:solidFill>
+                  <a:srgbClr val="F5844C"/>
+                </a:solidFill>
+                <a:highlight>
+                  <a:srgbClr val="FFFFFF"/>
+                </a:highlight>
+              </a:rPr>
               <a:t> axis</a:t>
             </a:r>
             <a:r>
-              <a:rPr lang="en-CA" sz="800" dirty="0" smtClean="0">
+              <a:rPr lang="en-CA" sz="800" dirty="0">
                 <a:solidFill>
                   <a:srgbClr val="FF8040"/>
                 </a:solidFill>
@@ -10955,7 +9519,7 @@
               <a:t>=</a:t>
             </a:r>
             <a:r>
-              <a:rPr lang="en-CA" sz="800" dirty="0" smtClean="0">
+              <a:rPr lang="en-CA" sz="800" dirty="0">
                 <a:solidFill>
                   <a:srgbClr val="993300"/>
                 </a:solidFill>
@@ -10963,10 +9527,10 @@
                   <a:srgbClr val="FFFFFF"/>
                 </a:highlight>
               </a:rPr>
-              <a:t>"column"</a:t>
-            </a:r>
-            <a:r>
-              <a:rPr lang="en-CA" sz="800" dirty="0" smtClean="0">
+              <a:t>"easting"</a:t>
+            </a:r>
+            <a:r>
+              <a:rPr lang="en-CA" sz="800" dirty="0">
                 <a:solidFill>
                   <a:srgbClr val="000096"/>
                 </a:solidFill>
@@ -10976,8 +9540,8 @@
               </a:rPr>
               <a:t>/&gt;</a:t>
             </a:r>
-            <a:r>
-              <a:rPr lang="en-CA" sz="800" dirty="0" smtClean="0">
+            <a:br>
+              <a:rPr lang="en-CA" sz="800" dirty="0">
                 <a:solidFill>
                   <a:srgbClr val="000000"/>
                 </a:solidFill>
@@ -10985,10 +9549,251 @@
                   <a:srgbClr val="FFFFFF"/>
                 </a:highlight>
               </a:rPr>
-              <a:t/>
+            </a:br>
+            <a:r>
+              <a:rPr lang="en-CA" sz="800" dirty="0">
+                <a:solidFill>
+                  <a:srgbClr val="000000"/>
+                </a:solidFill>
+                <a:highlight>
+                  <a:srgbClr val="FFFFFF"/>
+                </a:highlight>
+              </a:rPr>
+              <a:t>  </a:t>
+            </a:r>
+            <a:r>
+              <a:rPr lang="en-CA" sz="800" dirty="0">
+                <a:solidFill>
+                  <a:srgbClr val="000096"/>
+                </a:solidFill>
+                <a:highlight>
+                  <a:srgbClr val="FFFFFF"/>
+                </a:highlight>
+              </a:rPr>
+              <a:t>&lt;input</a:t>
+            </a:r>
+            <a:r>
+              <a:rPr lang="en-CA" sz="800" dirty="0">
+                <a:solidFill>
+                  <a:srgbClr val="F5844C"/>
+                </a:solidFill>
+                <a:highlight>
+                  <a:srgbClr val="FFFFFF"/>
+                </a:highlight>
+              </a:rPr>
+              <a:t> name</a:t>
+            </a:r>
+            <a:r>
+              <a:rPr lang="en-CA" sz="800" dirty="0">
+                <a:solidFill>
+                  <a:srgbClr val="FF8040"/>
+                </a:solidFill>
+                <a:highlight>
+                  <a:srgbClr val="FFFFFF"/>
+                </a:highlight>
+              </a:rPr>
+              <a:t>=</a:t>
+            </a:r>
+            <a:r>
+              <a:rPr lang="en-CA" sz="800" dirty="0">
+                <a:solidFill>
+                  <a:srgbClr val="993300"/>
+                </a:solidFill>
+                <a:highlight>
+                  <a:srgbClr val="FFFFFF"/>
+                </a:highlight>
+              </a:rPr>
+              <a:t>"</a:t>
+            </a:r>
+            <a:r>
+              <a:rPr lang="en-CA" sz="800" dirty="0" err="1">
+                <a:solidFill>
+                  <a:srgbClr val="993300"/>
+                </a:solidFill>
+                <a:highlight>
+                  <a:srgbClr val="FFFFFF"/>
+                </a:highlight>
+              </a:rPr>
+              <a:t>ymax</a:t>
+            </a:r>
+            <a:r>
+              <a:rPr lang="en-CA" sz="800" dirty="0">
+                <a:solidFill>
+                  <a:srgbClr val="993300"/>
+                </a:solidFill>
+                <a:highlight>
+                  <a:srgbClr val="FFFFFF"/>
+                </a:highlight>
+              </a:rPr>
+              <a:t>"</a:t>
+            </a:r>
+            <a:r>
+              <a:rPr lang="en-CA" sz="800" dirty="0">
+                <a:solidFill>
+                  <a:srgbClr val="F5844C"/>
+                </a:solidFill>
+                <a:highlight>
+                  <a:srgbClr val="FFFFFF"/>
+                </a:highlight>
+              </a:rPr>
+              <a:t> type</a:t>
+            </a:r>
+            <a:r>
+              <a:rPr lang="en-CA" sz="800" dirty="0">
+                <a:solidFill>
+                  <a:srgbClr val="FF8040"/>
+                </a:solidFill>
+                <a:highlight>
+                  <a:srgbClr val="FFFFFF"/>
+                </a:highlight>
+              </a:rPr>
+              <a:t>=</a:t>
+            </a:r>
+            <a:r>
+              <a:rPr lang="en-CA" sz="800" dirty="0">
+                <a:solidFill>
+                  <a:srgbClr val="993300"/>
+                </a:solidFill>
+                <a:highlight>
+                  <a:srgbClr val="FFFFFF"/>
+                </a:highlight>
+              </a:rPr>
+              <a:t>"location"</a:t>
+            </a:r>
+            <a:r>
+              <a:rPr lang="en-CA" sz="800" dirty="0">
+                <a:solidFill>
+                  <a:srgbClr val="F5844C"/>
+                </a:solidFill>
+                <a:highlight>
+                  <a:srgbClr val="FFFFFF"/>
+                </a:highlight>
+              </a:rPr>
+              <a:t> units</a:t>
+            </a:r>
+            <a:r>
+              <a:rPr lang="en-CA" sz="800" dirty="0">
+                <a:solidFill>
+                  <a:srgbClr val="FF8040"/>
+                </a:solidFill>
+                <a:highlight>
+                  <a:srgbClr val="FFFFFF"/>
+                </a:highlight>
+              </a:rPr>
+              <a:t>=</a:t>
+            </a:r>
+            <a:r>
+              <a:rPr lang="en-CA" sz="800" dirty="0">
+                <a:solidFill>
+                  <a:srgbClr val="993300"/>
+                </a:solidFill>
+                <a:highlight>
+                  <a:srgbClr val="FFFFFF"/>
+                </a:highlight>
+              </a:rPr>
+              <a:t>"</a:t>
+            </a:r>
+            <a:r>
+              <a:rPr lang="en-CA" sz="800" dirty="0" err="1">
+                <a:solidFill>
+                  <a:srgbClr val="993300"/>
+                </a:solidFill>
+                <a:highlight>
+                  <a:srgbClr val="FFFFFF"/>
+                </a:highlight>
+              </a:rPr>
+              <a:t>pcrs</a:t>
+            </a:r>
+            <a:r>
+              <a:rPr lang="en-CA" sz="800" dirty="0">
+                <a:solidFill>
+                  <a:srgbClr val="993300"/>
+                </a:solidFill>
+                <a:highlight>
+                  <a:srgbClr val="FFFFFF"/>
+                </a:highlight>
+              </a:rPr>
+              <a:t>"</a:t>
+            </a:r>
+            <a:r>
+              <a:rPr lang="en-CA" sz="800" dirty="0">
+                <a:solidFill>
+                  <a:srgbClr val="F5844C"/>
+                </a:solidFill>
+                <a:highlight>
+                  <a:srgbClr val="FFFFFF"/>
+                </a:highlight>
+              </a:rPr>
+              <a:t> position</a:t>
+            </a:r>
+            <a:r>
+              <a:rPr lang="en-CA" sz="800" dirty="0">
+                <a:solidFill>
+                  <a:srgbClr val="FF8040"/>
+                </a:solidFill>
+                <a:highlight>
+                  <a:srgbClr val="FFFFFF"/>
+                </a:highlight>
+              </a:rPr>
+              <a:t>=</a:t>
+            </a:r>
+            <a:r>
+              <a:rPr lang="en-CA" sz="800" dirty="0">
+                <a:solidFill>
+                  <a:srgbClr val="993300"/>
+                </a:solidFill>
+                <a:highlight>
+                  <a:srgbClr val="FFFFFF"/>
+                </a:highlight>
+              </a:rPr>
+              <a:t>"top-left"</a:t>
+            </a:r>
+            <a:r>
+              <a:rPr lang="en-CA" sz="800" dirty="0">
+                <a:solidFill>
+                  <a:srgbClr val="F5844C"/>
+                </a:solidFill>
+                <a:highlight>
+                  <a:srgbClr val="FFFFFF"/>
+                </a:highlight>
+              </a:rPr>
+              <a:t> axis</a:t>
+            </a:r>
+            <a:r>
+              <a:rPr lang="en-CA" sz="800" dirty="0">
+                <a:solidFill>
+                  <a:srgbClr val="FF8040"/>
+                </a:solidFill>
+                <a:highlight>
+                  <a:srgbClr val="FFFFFF"/>
+                </a:highlight>
+              </a:rPr>
+              <a:t>=</a:t>
+            </a:r>
+            <a:r>
+              <a:rPr lang="en-CA" sz="800" dirty="0">
+                <a:solidFill>
+                  <a:srgbClr val="993300"/>
+                </a:solidFill>
+                <a:highlight>
+                  <a:srgbClr val="FFFFFF"/>
+                </a:highlight>
+              </a:rPr>
+              <a:t>"northing"</a:t>
+            </a:r>
+            <a:r>
+              <a:rPr lang="en-CA" sz="800" dirty="0">
+                <a:solidFill>
+                  <a:srgbClr val="000096"/>
+                </a:solidFill>
+                <a:highlight>
+                  <a:srgbClr val="FFFFFF"/>
+                </a:highlight>
+              </a:rPr>
+              <a:t>/&gt;</a:t>
             </a:r>
             <a:br>
-              <a:rPr lang="en-CA" sz="800" dirty="0" smtClean="0">
+              <a:rPr lang="en-CA" sz="800" dirty="0">
                 <a:solidFill>
                   <a:srgbClr val="000000"/>
                 </a:solidFill>
@@ -10998,7 +9803,18 @@
               </a:rPr>
             </a:br>
             <a:r>
-              <a:rPr lang="en-CA" sz="800" dirty="0" smtClean="0">
+              <a:rPr lang="en-CA" sz="800" dirty="0">
+                <a:solidFill>
+                  <a:srgbClr val="000000"/>
+                </a:solidFill>
+                <a:highlight>
+                  <a:srgbClr val="FFFFFF"/>
+                </a:highlight>
+              </a:rPr>
+              <a:t>  </a:t>
+            </a:r>
+            <a:r>
+              <a:rPr lang="en-CA" sz="800" dirty="0">
                 <a:solidFill>
                   <a:srgbClr val="000096"/>
                 </a:solidFill>
@@ -11009,7 +9825,7 @@
               <a:t>&lt;input</a:t>
             </a:r>
             <a:r>
-              <a:rPr lang="en-CA" sz="800" dirty="0" smtClean="0">
+              <a:rPr lang="en-CA" sz="800" dirty="0">
                 <a:solidFill>
                   <a:srgbClr val="F5844C"/>
                 </a:solidFill>
@@ -11020,7 +9836,7 @@
               <a:t> name</a:t>
             </a:r>
             <a:r>
-              <a:rPr lang="en-CA" sz="800" dirty="0" smtClean="0">
+              <a:rPr lang="en-CA" sz="800" dirty="0">
                 <a:solidFill>
                   <a:srgbClr val="FF8040"/>
                 </a:solidFill>
@@ -11031,7 +9847,7 @@
               <a:t>=</a:t>
             </a:r>
             <a:r>
-              <a:rPr lang="en-CA" sz="800" dirty="0" smtClean="0">
+              <a:rPr lang="en-CA" sz="800" dirty="0">
                 <a:solidFill>
                   <a:srgbClr val="993300"/>
                 </a:solidFill>
@@ -11039,10 +9855,32 @@
                   <a:srgbClr val="FFFFFF"/>
                 </a:highlight>
               </a:rPr>
-              <a:t>"</a:t>
-            </a:r>
-            <a:r>
-              <a:rPr lang="en-CA" sz="800" dirty="0" err="1" smtClean="0">
+              <a:t>"w"</a:t>
+            </a:r>
+            <a:r>
+              <a:rPr lang="en-CA" sz="800" dirty="0">
+                <a:solidFill>
+                  <a:srgbClr val="F5844C"/>
+                </a:solidFill>
+                <a:highlight>
+                  <a:srgbClr val="FFFFFF"/>
+                </a:highlight>
+              </a:rPr>
+              <a:t> type</a:t>
+            </a:r>
+            <a:r>
+              <a:rPr lang="en-CA" sz="800" dirty="0">
+                <a:solidFill>
+                  <a:srgbClr val="FF8040"/>
+                </a:solidFill>
+                <a:highlight>
+                  <a:srgbClr val="FFFFFF"/>
+                </a:highlight>
+              </a:rPr>
+              <a:t>=</a:t>
+            </a:r>
+            <a:r>
+              <a:rPr lang="en-CA" sz="800" dirty="0">
                 <a:solidFill>
                   <a:srgbClr val="993300"/>
                 </a:solidFill>
@@ -11050,10 +9888,75 @@
                   <a:srgbClr val="FFFFFF"/>
                 </a:highlight>
               </a:rPr>
-              <a:t>utc</a:t>
-            </a:r>
-            <a:r>
-              <a:rPr lang="en-CA" sz="800" dirty="0" smtClean="0">
+              <a:t>"width"</a:t>
+            </a:r>
+            <a:r>
+              <a:rPr lang="en-CA" sz="800" dirty="0">
+                <a:solidFill>
+                  <a:srgbClr val="000096"/>
+                </a:solidFill>
+                <a:highlight>
+                  <a:srgbClr val="FFFFFF"/>
+                </a:highlight>
+              </a:rPr>
+              <a:t>/&gt;</a:t>
+            </a:r>
+            <a:br>
+              <a:rPr lang="en-CA" sz="800" dirty="0">
+                <a:solidFill>
+                  <a:srgbClr val="000000"/>
+                </a:solidFill>
+                <a:highlight>
+                  <a:srgbClr val="FFFFFF"/>
+                </a:highlight>
+              </a:rPr>
+            </a:br>
+            <a:r>
+              <a:rPr lang="en-CA" sz="800" dirty="0">
+                <a:solidFill>
+                  <a:srgbClr val="000000"/>
+                </a:solidFill>
+                <a:highlight>
+                  <a:srgbClr val="FFFFFF"/>
+                </a:highlight>
+              </a:rPr>
+              <a:t>  </a:t>
+            </a:r>
+            <a:r>
+              <a:rPr lang="en-CA" sz="800" dirty="0">
+                <a:solidFill>
+                  <a:srgbClr val="000096"/>
+                </a:solidFill>
+                <a:highlight>
+                  <a:srgbClr val="FFFFFF"/>
+                </a:highlight>
+              </a:rPr>
+              <a:t>&lt;input</a:t>
+            </a:r>
+            <a:r>
+              <a:rPr lang="en-CA" sz="800" dirty="0">
+                <a:solidFill>
+                  <a:srgbClr val="F5844C"/>
+                </a:solidFill>
+                <a:highlight>
+                  <a:srgbClr val="FFFFFF"/>
+                </a:highlight>
+              </a:rPr>
+              <a:t> name</a:t>
+            </a:r>
+            <a:r>
+              <a:rPr lang="en-CA" sz="800" dirty="0">
+                <a:solidFill>
+                  <a:srgbClr val="FF8040"/>
+                </a:solidFill>
+                <a:highlight>
+                  <a:srgbClr val="FFFFFF"/>
+                </a:highlight>
+              </a:rPr>
+              <a:t>=</a:t>
+            </a:r>
+            <a:r>
+              <a:rPr lang="en-CA" sz="800" dirty="0">
                 <a:solidFill>
                   <a:srgbClr val="993300"/>
                 </a:solidFill>
@@ -11061,10 +9964,10 @@
                   <a:srgbClr val="FFFFFF"/>
                 </a:highlight>
               </a:rPr>
-              <a:t>"</a:t>
-            </a:r>
-            <a:r>
-              <a:rPr lang="en-CA" sz="800" dirty="0" smtClean="0">
+              <a:t>"h"</a:t>
+            </a:r>
+            <a:r>
+              <a:rPr lang="en-CA" sz="800" dirty="0">
                 <a:solidFill>
                   <a:srgbClr val="F5844C"/>
                 </a:solidFill>
@@ -11075,7 +9978,7 @@
               <a:t> type</a:t>
             </a:r>
             <a:r>
-              <a:rPr lang="en-CA" sz="800" dirty="0" smtClean="0">
+              <a:rPr lang="en-CA" sz="800" dirty="0">
                 <a:solidFill>
                   <a:srgbClr val="FF8040"/>
                 </a:solidFill>
@@ -11086,7 +9989,7 @@
               <a:t>=</a:t>
             </a:r>
             <a:r>
-              <a:rPr lang="en-CA" sz="800" dirty="0" smtClean="0">
+              <a:rPr lang="en-CA" sz="800" dirty="0">
                 <a:solidFill>
                   <a:srgbClr val="993300"/>
                 </a:solidFill>
@@ -11094,10 +9997,88 @@
                   <a:srgbClr val="FFFFFF"/>
                 </a:highlight>
               </a:rPr>
-              <a:t>"</a:t>
-            </a:r>
-            <a:r>
-              <a:rPr lang="en-CA" sz="800" dirty="0" err="1" smtClean="0">
+              <a:t>"height"</a:t>
+            </a:r>
+            <a:r>
+              <a:rPr lang="en-CA" sz="800" dirty="0">
+                <a:solidFill>
+                  <a:srgbClr val="000096"/>
+                </a:solidFill>
+                <a:highlight>
+                  <a:srgbClr val="FFFFFF"/>
+                </a:highlight>
+              </a:rPr>
+              <a:t>/&gt;</a:t>
+            </a:r>
+          </a:p>
+          <a:p>
+            <a:br>
+              <a:rPr lang="en-CA" sz="800" dirty="0">
+                <a:solidFill>
+                  <a:srgbClr val="000000"/>
+                </a:solidFill>
+                <a:highlight>
+                  <a:srgbClr val="FFFFFF"/>
+                </a:highlight>
+              </a:rPr>
+            </a:br>
+            <a:r>
+              <a:rPr lang="en-CA" sz="800" dirty="0">
+                <a:solidFill>
+                  <a:srgbClr val="000000"/>
+                </a:solidFill>
+                <a:highlight>
+                  <a:srgbClr val="FFFFFF"/>
+                </a:highlight>
+              </a:rPr>
+              <a:t>  </a:t>
+            </a:r>
+            <a:r>
+              <a:rPr lang="en-CA" sz="800" dirty="0">
+                <a:solidFill>
+                  <a:srgbClr val="000096"/>
+                </a:solidFill>
+                <a:highlight>
+                  <a:srgbClr val="FFFFFF"/>
+                </a:highlight>
+              </a:rPr>
+              <a:t>&lt;link</a:t>
+            </a:r>
+            <a:r>
+              <a:rPr lang="en-CA" sz="800" dirty="0">
+                <a:solidFill>
+                  <a:srgbClr val="F5844C"/>
+                </a:solidFill>
+                <a:highlight>
+                  <a:srgbClr val="FFFFFF"/>
+                </a:highlight>
+              </a:rPr>
+              <a:t> </a:t>
+            </a:r>
+            <a:r>
+              <a:rPr lang="en-CA" sz="800" dirty="0" err="1">
+                <a:solidFill>
+                  <a:srgbClr val="F5844C"/>
+                </a:solidFill>
+                <a:highlight>
+                  <a:srgbClr val="FFFFFF"/>
+                </a:highlight>
+              </a:rPr>
+              <a:t>rel</a:t>
+            </a:r>
+            <a:r>
+              <a:rPr lang="en-CA" sz="800" dirty="0">
+                <a:solidFill>
+                  <a:srgbClr val="FF8040"/>
+                </a:solidFill>
+                <a:highlight>
+                  <a:srgbClr val="FFFFFF"/>
+                </a:highlight>
+              </a:rPr>
+              <a:t>=</a:t>
+            </a:r>
+            <a:r>
+              <a:rPr lang="en-CA" sz="800" dirty="0">
                 <a:solidFill>
                   <a:srgbClr val="993300"/>
                 </a:solidFill>
@@ -11105,10 +10086,43 @@
                   <a:srgbClr val="FFFFFF"/>
                 </a:highlight>
               </a:rPr>
-              <a:t>datetime</a:t>
-            </a:r>
-            <a:r>
-              <a:rPr lang="en-CA" sz="800" dirty="0" smtClean="0">
+              <a:t>"image"</a:t>
+            </a:r>
+            <a:r>
+              <a:rPr lang="en-CA" sz="800" dirty="0">
+                <a:solidFill>
+                  <a:srgbClr val="F5844C"/>
+                </a:solidFill>
+                <a:highlight>
+                  <a:srgbClr val="FFFFFF"/>
+                </a:highlight>
+              </a:rPr>
+              <a:t> </a:t>
+            </a:r>
+            <a:r>
+              <a:rPr lang="en-CA" sz="800" dirty="0" err="1">
+                <a:solidFill>
+                  <a:srgbClr val="F5844C"/>
+                </a:solidFill>
+                <a:highlight>
+                  <a:srgbClr val="FFFFFF"/>
+                </a:highlight>
+              </a:rPr>
+              <a:t>tref</a:t>
+            </a:r>
+            <a:r>
+              <a:rPr lang="en-CA" sz="800" dirty="0">
+                <a:solidFill>
+                  <a:srgbClr val="FF8040"/>
+                </a:solidFill>
+                <a:highlight>
+                  <a:srgbClr val="FFFFFF"/>
+                </a:highlight>
+              </a:rPr>
+              <a:t>=</a:t>
+            </a:r>
+            <a:r>
+              <a:rPr lang="en-CA" sz="800" dirty="0">
                 <a:solidFill>
                   <a:srgbClr val="993300"/>
                 </a:solidFill>
@@ -11116,23 +10130,155 @@
                   <a:srgbClr val="FFFFFF"/>
                 </a:highlight>
               </a:rPr>
-              <a:t>"</a:t>
-            </a:r>
-            <a:r>
-              <a:rPr lang="en-CA" sz="800" dirty="0" smtClean="0">
-                <a:solidFill>
-                  <a:srgbClr val="F5844C"/>
-                </a:solidFill>
-                <a:highlight>
-                  <a:srgbClr val="FFFFFF"/>
-                </a:highlight>
-              </a:rPr>
-              <a:t> min</a:t>
-            </a:r>
-            <a:r>
-              <a:rPr lang="en-CA" sz="800" dirty="0" smtClean="0">
-                <a:solidFill>
-                  <a:srgbClr val="FF8040"/>
+              <a:t>"https://wms.example.com/? SERVICE=</a:t>
+            </a:r>
+            <a:r>
+              <a:rPr lang="en-CA" sz="800" dirty="0" err="1">
+                <a:solidFill>
+                  <a:srgbClr val="993300"/>
+                </a:solidFill>
+                <a:highlight>
+                  <a:srgbClr val="FFFFFF"/>
+                </a:highlight>
+              </a:rPr>
+              <a:t>WMS&amp;amp;VERSION</a:t>
+            </a:r>
+            <a:r>
+              <a:rPr lang="en-CA" sz="800" dirty="0">
+                <a:solidFill>
+                  <a:srgbClr val="993300"/>
+                </a:solidFill>
+                <a:highlight>
+                  <a:srgbClr val="FFFFFF"/>
+                </a:highlight>
+              </a:rPr>
+              <a:t>=1.1.1&amp;amp;SRS=EPSG:3857&amp;amp;LAYERS=</a:t>
+            </a:r>
+            <a:r>
+              <a:rPr lang="en-CA" sz="800" dirty="0" err="1">
+                <a:solidFill>
+                  <a:srgbClr val="993300"/>
+                </a:solidFill>
+                <a:highlight>
+                  <a:srgbClr val="FFFFFF"/>
+                </a:highlight>
+              </a:rPr>
+              <a:t>basemap&amp;amp;BBOX</a:t>
+            </a:r>
+            <a:r>
+              <a:rPr lang="en-CA" sz="800" dirty="0">
+                <a:solidFill>
+                  <a:srgbClr val="993300"/>
+                </a:solidFill>
+                <a:highlight>
+                  <a:srgbClr val="FFFFFF"/>
+                </a:highlight>
+              </a:rPr>
+              <a:t>={</a:t>
+            </a:r>
+            <a:r>
+              <a:rPr lang="en-CA" sz="800" dirty="0" err="1">
+                <a:solidFill>
+                  <a:srgbClr val="993300"/>
+                </a:solidFill>
+                <a:highlight>
+                  <a:srgbClr val="FFFFFF"/>
+                </a:highlight>
+              </a:rPr>
+              <a:t>xmin</a:t>
+            </a:r>
+            <a:r>
+              <a:rPr lang="en-CA" sz="800" dirty="0">
+                <a:solidFill>
+                  <a:srgbClr val="993300"/>
+                </a:solidFill>
+                <a:highlight>
+                  <a:srgbClr val="FFFFFF"/>
+                </a:highlight>
+              </a:rPr>
+              <a:t>},{</a:t>
+            </a:r>
+            <a:r>
+              <a:rPr lang="en-CA" sz="800" dirty="0" err="1">
+                <a:solidFill>
+                  <a:srgbClr val="993300"/>
+                </a:solidFill>
+                <a:highlight>
+                  <a:srgbClr val="FFFFFF"/>
+                </a:highlight>
+              </a:rPr>
+              <a:t>ymin</a:t>
+            </a:r>
+            <a:r>
+              <a:rPr lang="en-CA" sz="800" dirty="0">
+                <a:solidFill>
+                  <a:srgbClr val="993300"/>
+                </a:solidFill>
+                <a:highlight>
+                  <a:srgbClr val="FFFFFF"/>
+                </a:highlight>
+              </a:rPr>
+              <a:t>},{</a:t>
+            </a:r>
+            <a:r>
+              <a:rPr lang="en-CA" sz="800" dirty="0" err="1">
+                <a:solidFill>
+                  <a:srgbClr val="993300"/>
+                </a:solidFill>
+                <a:highlight>
+                  <a:srgbClr val="FFFFFF"/>
+                </a:highlight>
+              </a:rPr>
+              <a:t>xmax</a:t>
+            </a:r>
+            <a:r>
+              <a:rPr lang="en-CA" sz="800" dirty="0">
+                <a:solidFill>
+                  <a:srgbClr val="993300"/>
+                </a:solidFill>
+                <a:highlight>
+                  <a:srgbClr val="FFFFFF"/>
+                </a:highlight>
+              </a:rPr>
+              <a:t>},{</a:t>
+            </a:r>
+            <a:r>
+              <a:rPr lang="en-CA" sz="800" dirty="0" err="1">
+                <a:solidFill>
+                  <a:srgbClr val="993300"/>
+                </a:solidFill>
+                <a:highlight>
+                  <a:srgbClr val="FFFFFF"/>
+                </a:highlight>
+              </a:rPr>
+              <a:t>ymax</a:t>
+            </a:r>
+            <a:r>
+              <a:rPr lang="en-CA" sz="800" dirty="0">
+                <a:solidFill>
+                  <a:srgbClr val="993300"/>
+                </a:solidFill>
+                <a:highlight>
+                  <a:srgbClr val="FFFFFF"/>
+                </a:highlight>
+              </a:rPr>
+              <a:t>}&amp;</a:t>
+            </a:r>
+            <a:r>
+              <a:rPr lang="en-CA" sz="800" dirty="0" err="1">
+                <a:solidFill>
+                  <a:srgbClr val="993300"/>
+                </a:solidFill>
+                <a:highlight>
+                  <a:srgbClr val="FFFFFF"/>
+                </a:highlight>
+              </a:rPr>
+              <a:t>amp;REQUEST</a:t>
+            </a:r>
+            <a:r>
+              <a:rPr lang="en-CA" sz="800" dirty="0">
+                <a:solidFill>
+                  <a:srgbClr val="993300"/>
                 </a:solidFill>
                 <a:highlight>
                   <a:srgbClr val="FFFFFF"/>
@@ -11141,7 +10287,7 @@
               <a:t>=</a:t>
             </a:r>
             <a:r>
-              <a:rPr lang="en-CA" sz="800" dirty="0" smtClean="0">
+              <a:rPr lang="en-CA" sz="800" dirty="0" err="1">
                 <a:solidFill>
                   <a:srgbClr val="993300"/>
                 </a:solidFill>
@@ -11149,32 +10295,10 @@
                   <a:srgbClr val="FFFFFF"/>
                 </a:highlight>
               </a:rPr>
-              <a:t>"2018-03-02T18:00:00Z"</a:t>
-            </a:r>
-            <a:r>
-              <a:rPr lang="en-CA" sz="800" dirty="0" smtClean="0">
-                <a:solidFill>
-                  <a:srgbClr val="F5844C"/>
-                </a:solidFill>
-                <a:highlight>
-                  <a:srgbClr val="FFFFFF"/>
-                </a:highlight>
-              </a:rPr>
-              <a:t> max</a:t>
-            </a:r>
-            <a:r>
-              <a:rPr lang="en-CA" sz="800" dirty="0" smtClean="0">
-                <a:solidFill>
-                  <a:srgbClr val="FF8040"/>
-                </a:solidFill>
-                <a:highlight>
-                  <a:srgbClr val="FFFFFF"/>
-                </a:highlight>
-              </a:rPr>
-              <a:t>=</a:t>
-            </a:r>
-            <a:r>
-              <a:rPr lang="en-CA" sz="800" dirty="0" smtClean="0">
+              <a:t>GetMap&amp;amp;FORMAT</a:t>
+            </a:r>
+            <a:r>
+              <a:rPr lang="en-CA" sz="800" dirty="0">
                 <a:solidFill>
                   <a:srgbClr val="993300"/>
                 </a:solidFill>
@@ -11182,32 +10306,10 @@
                   <a:srgbClr val="FFFFFF"/>
                 </a:highlight>
               </a:rPr>
-              <a:t>"2018-03-12T00:00:00Z"</a:t>
-            </a:r>
-            <a:r>
-              <a:rPr lang="en-CA" sz="800" dirty="0" smtClean="0">
-                <a:solidFill>
-                  <a:srgbClr val="F5844C"/>
-                </a:solidFill>
-                <a:highlight>
-                  <a:srgbClr val="FFFFFF"/>
-                </a:highlight>
-              </a:rPr>
-              <a:t> value</a:t>
-            </a:r>
-            <a:r>
-              <a:rPr lang="en-CA" sz="800" dirty="0" smtClean="0">
-                <a:solidFill>
-                  <a:srgbClr val="FF8040"/>
-                </a:solidFill>
-                <a:highlight>
-                  <a:srgbClr val="FFFFFF"/>
-                </a:highlight>
-              </a:rPr>
-              <a:t>=</a:t>
-            </a:r>
-            <a:r>
-              <a:rPr lang="en-CA" sz="800" dirty="0" smtClean="0">
+              <a:t>=image/</a:t>
+            </a:r>
+            <a:r>
+              <a:rPr lang="en-CA" sz="800" dirty="0" err="1">
                 <a:solidFill>
                   <a:srgbClr val="993300"/>
                 </a:solidFill>
@@ -11215,32 +10317,10 @@
                   <a:srgbClr val="FFFFFF"/>
                 </a:highlight>
               </a:rPr>
-              <a:t>"2018-03-03T12:00:00Z"</a:t>
-            </a:r>
-            <a:r>
-              <a:rPr lang="en-CA" sz="800" dirty="0" smtClean="0">
-                <a:solidFill>
-                  <a:srgbClr val="F5844C"/>
-                </a:solidFill>
-                <a:highlight>
-                  <a:srgbClr val="FFFFFF"/>
-                </a:highlight>
-              </a:rPr>
-              <a:t> step</a:t>
-            </a:r>
-            <a:r>
-              <a:rPr lang="en-CA" sz="800" dirty="0" smtClean="0">
-                <a:solidFill>
-                  <a:srgbClr val="FF8040"/>
-                </a:solidFill>
-                <a:highlight>
-                  <a:srgbClr val="FFFFFF"/>
-                </a:highlight>
-              </a:rPr>
-              <a:t>=</a:t>
-            </a:r>
-            <a:r>
-              <a:rPr lang="en-CA" sz="800" dirty="0" smtClean="0">
+              <a:t>png&amp;amp;WIDTH</a:t>
+            </a:r>
+            <a:r>
+              <a:rPr lang="en-CA" sz="800" dirty="0">
                 <a:solidFill>
                   <a:srgbClr val="993300"/>
                 </a:solidFill>
@@ -11248,10 +10328,32 @@
                   <a:srgbClr val="FFFFFF"/>
                 </a:highlight>
               </a:rPr>
-              <a:t>"PT1H"</a:t>
-            </a:r>
-            <a:r>
-              <a:rPr lang="en-CA" sz="800" dirty="0" smtClean="0">
+              <a:t>={w}&amp;</a:t>
+            </a:r>
+            <a:r>
+              <a:rPr lang="en-CA" sz="800" dirty="0" err="1">
+                <a:solidFill>
+                  <a:srgbClr val="993300"/>
+                </a:solidFill>
+                <a:highlight>
+                  <a:srgbClr val="FFFFFF"/>
+                </a:highlight>
+              </a:rPr>
+              <a:t>amp;HEIGHT</a:t>
+            </a:r>
+            <a:r>
+              <a:rPr lang="en-CA" sz="800" dirty="0">
+                <a:solidFill>
+                  <a:srgbClr val="993300"/>
+                </a:solidFill>
+                <a:highlight>
+                  <a:srgbClr val="FFFFFF"/>
+                </a:highlight>
+              </a:rPr>
+              <a:t>={h} "</a:t>
+            </a:r>
+            <a:r>
+              <a:rPr lang="en-CA" sz="800" dirty="0">
                 <a:solidFill>
                   <a:srgbClr val="000096"/>
                 </a:solidFill>
@@ -11263,948 +10365,7 @@
             </a:r>
           </a:p>
           <a:p>
-            <a:r>
-              <a:rPr lang="en-CA" sz="800" dirty="0" smtClean="0">
-                <a:solidFill>
-                  <a:srgbClr val="000000"/>
-                </a:solidFill>
-                <a:highlight>
-                  <a:srgbClr val="FFFFFF"/>
-                </a:highlight>
-              </a:rPr>
-              <a:t/>
-            </a:r>
-            <a:br>
-              <a:rPr lang="en-CA" sz="800" dirty="0" smtClean="0">
-                <a:solidFill>
-                  <a:srgbClr val="000000"/>
-                </a:solidFill>
-                <a:highlight>
-                  <a:srgbClr val="FFFFFF"/>
-                </a:highlight>
-              </a:rPr>
-            </a:br>
-            <a:r>
-              <a:rPr lang="en-CA" sz="800" dirty="0" smtClean="0">
-                <a:solidFill>
-                  <a:srgbClr val="000096"/>
-                </a:solidFill>
-                <a:highlight>
-                  <a:srgbClr val="FFFFFF"/>
-                </a:highlight>
-              </a:rPr>
-              <a:t>&lt;link</a:t>
-            </a:r>
-            <a:r>
-              <a:rPr lang="en-CA" sz="800" dirty="0" smtClean="0">
-                <a:solidFill>
-                  <a:srgbClr val="F5844C"/>
-                </a:solidFill>
-                <a:highlight>
-                  <a:srgbClr val="FFFFFF"/>
-                </a:highlight>
-              </a:rPr>
-              <a:t> </a:t>
-            </a:r>
-            <a:r>
-              <a:rPr lang="en-CA" sz="800" dirty="0" err="1" smtClean="0">
-                <a:solidFill>
-                  <a:srgbClr val="F5844C"/>
-                </a:solidFill>
-                <a:highlight>
-                  <a:srgbClr val="FFFFFF"/>
-                </a:highlight>
-              </a:rPr>
-              <a:t>rel</a:t>
-            </a:r>
-            <a:r>
-              <a:rPr lang="en-CA" sz="800" dirty="0" smtClean="0">
-                <a:solidFill>
-                  <a:srgbClr val="FF8040"/>
-                </a:solidFill>
-                <a:highlight>
-                  <a:srgbClr val="FFFFFF"/>
-                </a:highlight>
-              </a:rPr>
-              <a:t>=</a:t>
-            </a:r>
-            <a:r>
-              <a:rPr lang="en-CA" sz="800" dirty="0" smtClean="0">
-                <a:solidFill>
-                  <a:srgbClr val="993300"/>
-                </a:solidFill>
-                <a:highlight>
-                  <a:srgbClr val="FFFFFF"/>
-                </a:highlight>
-              </a:rPr>
-              <a:t>"tile"</a:t>
-            </a:r>
-            <a:r>
-              <a:rPr lang="en-CA" sz="800" dirty="0" smtClean="0">
-                <a:solidFill>
-                  <a:srgbClr val="F5844C"/>
-                </a:solidFill>
-                <a:highlight>
-                  <a:srgbClr val="FFFFFF"/>
-                </a:highlight>
-              </a:rPr>
-              <a:t> </a:t>
-            </a:r>
-            <a:r>
-              <a:rPr lang="en-CA" sz="800" dirty="0" err="1" smtClean="0">
-                <a:solidFill>
-                  <a:srgbClr val="F5844C"/>
-                </a:solidFill>
-                <a:highlight>
-                  <a:srgbClr val="FFFFFF"/>
-                </a:highlight>
-              </a:rPr>
-              <a:t>tref</a:t>
-            </a:r>
-            <a:r>
-              <a:rPr lang="en-CA" sz="800" dirty="0" smtClean="0">
-                <a:solidFill>
-                  <a:srgbClr val="FF8040"/>
-                </a:solidFill>
-                <a:highlight>
-                  <a:srgbClr val="FFFFFF"/>
-                </a:highlight>
-              </a:rPr>
-              <a:t>=</a:t>
-            </a:r>
-            <a:r>
-              <a:rPr lang="en-CA" sz="800" dirty="0" smtClean="0">
-                <a:solidFill>
-                  <a:srgbClr val="993300"/>
-                </a:solidFill>
-                <a:highlight>
-                  <a:srgbClr val="FFFFFF"/>
-                </a:highlight>
-              </a:rPr>
-              <a:t>"https://tilecache.example.com/weather/tile/{z}/{y}/{x}?time={</a:t>
-            </a:r>
-            <a:r>
-              <a:rPr lang="en-CA" sz="800" dirty="0" err="1" smtClean="0">
-                <a:solidFill>
-                  <a:srgbClr val="993300"/>
-                </a:solidFill>
-                <a:highlight>
-                  <a:srgbClr val="FFFFFF"/>
-                </a:highlight>
-              </a:rPr>
-              <a:t>utc</a:t>
-            </a:r>
-            <a:r>
-              <a:rPr lang="en-CA" sz="800" dirty="0" smtClean="0">
-                <a:solidFill>
-                  <a:srgbClr val="993300"/>
-                </a:solidFill>
-                <a:highlight>
-                  <a:srgbClr val="FFFFFF"/>
-                </a:highlight>
-              </a:rPr>
-              <a:t>}"</a:t>
-            </a:r>
-            <a:r>
-              <a:rPr lang="en-CA" sz="800" dirty="0" smtClean="0">
-                <a:solidFill>
-                  <a:srgbClr val="000096"/>
-                </a:solidFill>
-                <a:highlight>
-                  <a:srgbClr val="FFFFFF"/>
-                </a:highlight>
-              </a:rPr>
-              <a:t>/&gt;</a:t>
-            </a:r>
-          </a:p>
-          <a:p>
-            <a:endParaRPr lang="en-CA" sz="800" dirty="0" smtClean="0"/>
-          </a:p>
-          <a:p>
-            <a:r>
-              <a:rPr lang="en-CA" sz="800" dirty="0" smtClean="0">
-                <a:solidFill>
-                  <a:srgbClr val="000000"/>
-                </a:solidFill>
-                <a:highlight>
-                  <a:srgbClr val="FFFFFF"/>
-                </a:highlight>
-              </a:rPr>
-              <a:t>  </a:t>
-            </a:r>
-            <a:r>
-              <a:rPr lang="en-CA" sz="800" dirty="0" smtClean="0">
-                <a:solidFill>
-                  <a:srgbClr val="000096"/>
-                </a:solidFill>
-                <a:highlight>
-                  <a:srgbClr val="FFFFFF"/>
-                </a:highlight>
-              </a:rPr>
-              <a:t>&lt;input</a:t>
-            </a:r>
-            <a:r>
-              <a:rPr lang="en-CA" sz="800" dirty="0" smtClean="0">
-                <a:solidFill>
-                  <a:srgbClr val="F5844C"/>
-                </a:solidFill>
-                <a:highlight>
-                  <a:srgbClr val="FFFFFF"/>
-                </a:highlight>
-              </a:rPr>
-              <a:t> name</a:t>
-            </a:r>
-            <a:r>
-              <a:rPr lang="en-CA" sz="800" dirty="0" smtClean="0">
-                <a:solidFill>
-                  <a:srgbClr val="FF8040"/>
-                </a:solidFill>
-                <a:highlight>
-                  <a:srgbClr val="FFFFFF"/>
-                </a:highlight>
-              </a:rPr>
-              <a:t>=</a:t>
-            </a:r>
-            <a:r>
-              <a:rPr lang="en-CA" sz="800" dirty="0" smtClean="0">
-                <a:solidFill>
-                  <a:srgbClr val="993300"/>
-                </a:solidFill>
-                <a:highlight>
-                  <a:srgbClr val="FFFFFF"/>
-                </a:highlight>
-              </a:rPr>
-              <a:t>"i"</a:t>
-            </a:r>
-            <a:r>
-              <a:rPr lang="en-CA" sz="800" dirty="0" smtClean="0">
-                <a:solidFill>
-                  <a:srgbClr val="F5844C"/>
-                </a:solidFill>
-                <a:highlight>
-                  <a:srgbClr val="FFFFFF"/>
-                </a:highlight>
-              </a:rPr>
-              <a:t> type</a:t>
-            </a:r>
-            <a:r>
-              <a:rPr lang="en-CA" sz="800" dirty="0" smtClean="0">
-                <a:solidFill>
-                  <a:srgbClr val="FF8040"/>
-                </a:solidFill>
-                <a:highlight>
-                  <a:srgbClr val="FFFFFF"/>
-                </a:highlight>
-              </a:rPr>
-              <a:t>=</a:t>
-            </a:r>
-            <a:r>
-              <a:rPr lang="en-CA" sz="800" dirty="0" smtClean="0">
-                <a:solidFill>
-                  <a:srgbClr val="993300"/>
-                </a:solidFill>
-                <a:highlight>
-                  <a:srgbClr val="FFFFFF"/>
-                </a:highlight>
-              </a:rPr>
-              <a:t>"location"</a:t>
-            </a:r>
-            <a:r>
-              <a:rPr lang="en-CA" sz="800" dirty="0" smtClean="0">
-                <a:solidFill>
-                  <a:srgbClr val="F5844C"/>
-                </a:solidFill>
-                <a:highlight>
-                  <a:srgbClr val="FFFFFF"/>
-                </a:highlight>
-              </a:rPr>
-              <a:t> units</a:t>
-            </a:r>
-            <a:r>
-              <a:rPr lang="en-CA" sz="800" dirty="0" smtClean="0">
-                <a:solidFill>
-                  <a:srgbClr val="FF8040"/>
-                </a:solidFill>
-                <a:highlight>
-                  <a:srgbClr val="FFFFFF"/>
-                </a:highlight>
-              </a:rPr>
-              <a:t>=</a:t>
-            </a:r>
-            <a:r>
-              <a:rPr lang="en-CA" sz="800" dirty="0" smtClean="0">
-                <a:solidFill>
-                  <a:srgbClr val="993300"/>
-                </a:solidFill>
-                <a:highlight>
-                  <a:srgbClr val="FFFFFF"/>
-                </a:highlight>
-              </a:rPr>
-              <a:t>"map"</a:t>
-            </a:r>
-            <a:r>
-              <a:rPr lang="en-CA" sz="800" dirty="0" smtClean="0">
-                <a:solidFill>
-                  <a:srgbClr val="F5844C"/>
-                </a:solidFill>
-                <a:highlight>
-                  <a:srgbClr val="FFFFFF"/>
-                </a:highlight>
-              </a:rPr>
-              <a:t> axis</a:t>
-            </a:r>
-            <a:r>
-              <a:rPr lang="en-CA" sz="800" dirty="0" smtClean="0">
-                <a:solidFill>
-                  <a:srgbClr val="FF8040"/>
-                </a:solidFill>
-                <a:highlight>
-                  <a:srgbClr val="FFFFFF"/>
-                </a:highlight>
-              </a:rPr>
-              <a:t>=</a:t>
-            </a:r>
-            <a:r>
-              <a:rPr lang="en-CA" sz="800" dirty="0" smtClean="0">
-                <a:solidFill>
-                  <a:srgbClr val="993300"/>
-                </a:solidFill>
-                <a:highlight>
-                  <a:srgbClr val="FFFFFF"/>
-                </a:highlight>
-              </a:rPr>
-              <a:t>"i"</a:t>
-            </a:r>
-            <a:r>
-              <a:rPr lang="en-CA" sz="800" dirty="0" smtClean="0">
-                <a:solidFill>
-                  <a:srgbClr val="000096"/>
-                </a:solidFill>
-                <a:highlight>
-                  <a:srgbClr val="FFFFFF"/>
-                </a:highlight>
-              </a:rPr>
-              <a:t>/&gt;</a:t>
-            </a:r>
-            <a:r>
-              <a:rPr lang="en-CA" sz="800" dirty="0" smtClean="0">
-                <a:solidFill>
-                  <a:srgbClr val="000000"/>
-                </a:solidFill>
-                <a:highlight>
-                  <a:srgbClr val="FFFFFF"/>
-                </a:highlight>
-              </a:rPr>
-              <a:t/>
-            </a:r>
-            <a:br>
-              <a:rPr lang="en-CA" sz="800" dirty="0" smtClean="0">
-                <a:solidFill>
-                  <a:srgbClr val="000000"/>
-                </a:solidFill>
-                <a:highlight>
-                  <a:srgbClr val="FFFFFF"/>
-                </a:highlight>
-              </a:rPr>
-            </a:br>
-            <a:r>
-              <a:rPr lang="en-CA" sz="800" dirty="0" smtClean="0">
-                <a:solidFill>
-                  <a:srgbClr val="000000"/>
-                </a:solidFill>
-                <a:highlight>
-                  <a:srgbClr val="FFFFFF"/>
-                </a:highlight>
-              </a:rPr>
-              <a:t>  </a:t>
-            </a:r>
-            <a:r>
-              <a:rPr lang="en-CA" sz="800" dirty="0" smtClean="0">
-                <a:solidFill>
-                  <a:srgbClr val="000096"/>
-                </a:solidFill>
-                <a:highlight>
-                  <a:srgbClr val="FFFFFF"/>
-                </a:highlight>
-              </a:rPr>
-              <a:t>&lt;input</a:t>
-            </a:r>
-            <a:r>
-              <a:rPr lang="en-CA" sz="800" dirty="0" smtClean="0">
-                <a:solidFill>
-                  <a:srgbClr val="F5844C"/>
-                </a:solidFill>
-                <a:highlight>
-                  <a:srgbClr val="FFFFFF"/>
-                </a:highlight>
-              </a:rPr>
-              <a:t> name</a:t>
-            </a:r>
-            <a:r>
-              <a:rPr lang="en-CA" sz="800" dirty="0" smtClean="0">
-                <a:solidFill>
-                  <a:srgbClr val="FF8040"/>
-                </a:solidFill>
-                <a:highlight>
-                  <a:srgbClr val="FFFFFF"/>
-                </a:highlight>
-              </a:rPr>
-              <a:t>=</a:t>
-            </a:r>
-            <a:r>
-              <a:rPr lang="en-CA" sz="800" dirty="0" smtClean="0">
-                <a:solidFill>
-                  <a:srgbClr val="993300"/>
-                </a:solidFill>
-                <a:highlight>
-                  <a:srgbClr val="FFFFFF"/>
-                </a:highlight>
-              </a:rPr>
-              <a:t>"j"</a:t>
-            </a:r>
-            <a:r>
-              <a:rPr lang="en-CA" sz="800" dirty="0" smtClean="0">
-                <a:solidFill>
-                  <a:srgbClr val="F5844C"/>
-                </a:solidFill>
-                <a:highlight>
-                  <a:srgbClr val="FFFFFF"/>
-                </a:highlight>
-              </a:rPr>
-              <a:t> type</a:t>
-            </a:r>
-            <a:r>
-              <a:rPr lang="en-CA" sz="800" dirty="0" smtClean="0">
-                <a:solidFill>
-                  <a:srgbClr val="FF8040"/>
-                </a:solidFill>
-                <a:highlight>
-                  <a:srgbClr val="FFFFFF"/>
-                </a:highlight>
-              </a:rPr>
-              <a:t>=</a:t>
-            </a:r>
-            <a:r>
-              <a:rPr lang="en-CA" sz="800" dirty="0" smtClean="0">
-                <a:solidFill>
-                  <a:srgbClr val="993300"/>
-                </a:solidFill>
-                <a:highlight>
-                  <a:srgbClr val="FFFFFF"/>
-                </a:highlight>
-              </a:rPr>
-              <a:t>"location"</a:t>
-            </a:r>
-            <a:r>
-              <a:rPr lang="en-CA" sz="800" dirty="0" smtClean="0">
-                <a:solidFill>
-                  <a:srgbClr val="F5844C"/>
-                </a:solidFill>
-                <a:highlight>
-                  <a:srgbClr val="FFFFFF"/>
-                </a:highlight>
-              </a:rPr>
-              <a:t> units</a:t>
-            </a:r>
-            <a:r>
-              <a:rPr lang="en-CA" sz="800" dirty="0" smtClean="0">
-                <a:solidFill>
-                  <a:srgbClr val="FF8040"/>
-                </a:solidFill>
-                <a:highlight>
-                  <a:srgbClr val="FFFFFF"/>
-                </a:highlight>
-              </a:rPr>
-              <a:t>=</a:t>
-            </a:r>
-            <a:r>
-              <a:rPr lang="en-CA" sz="800" dirty="0" smtClean="0">
-                <a:solidFill>
-                  <a:srgbClr val="993300"/>
-                </a:solidFill>
-                <a:highlight>
-                  <a:srgbClr val="FFFFFF"/>
-                </a:highlight>
-              </a:rPr>
-              <a:t>"map"</a:t>
-            </a:r>
-            <a:r>
-              <a:rPr lang="en-CA" sz="800" dirty="0" smtClean="0">
-                <a:solidFill>
-                  <a:srgbClr val="F5844C"/>
-                </a:solidFill>
-                <a:highlight>
-                  <a:srgbClr val="FFFFFF"/>
-                </a:highlight>
-              </a:rPr>
-              <a:t> axis</a:t>
-            </a:r>
-            <a:r>
-              <a:rPr lang="en-CA" sz="800" dirty="0" smtClean="0">
-                <a:solidFill>
-                  <a:srgbClr val="FF8040"/>
-                </a:solidFill>
-                <a:highlight>
-                  <a:srgbClr val="FFFFFF"/>
-                </a:highlight>
-              </a:rPr>
-              <a:t>=</a:t>
-            </a:r>
-            <a:r>
-              <a:rPr lang="en-CA" sz="800" dirty="0" smtClean="0">
-                <a:solidFill>
-                  <a:srgbClr val="993300"/>
-                </a:solidFill>
-                <a:highlight>
-                  <a:srgbClr val="FFFFFF"/>
-                </a:highlight>
-              </a:rPr>
-              <a:t>"j"</a:t>
-            </a:r>
-            <a:r>
-              <a:rPr lang="en-CA" sz="800" dirty="0" smtClean="0">
-                <a:solidFill>
-                  <a:srgbClr val="000096"/>
-                </a:solidFill>
-                <a:highlight>
-                  <a:srgbClr val="FFFFFF"/>
-                </a:highlight>
-              </a:rPr>
-              <a:t>/&gt;</a:t>
-            </a:r>
-          </a:p>
-          <a:p>
-            <a:r>
-              <a:rPr lang="en-CA" sz="800" dirty="0" smtClean="0">
-                <a:solidFill>
-                  <a:srgbClr val="000000"/>
-                </a:solidFill>
-                <a:highlight>
-                  <a:srgbClr val="FFFFFF"/>
-                </a:highlight>
-              </a:rPr>
-              <a:t/>
-            </a:r>
-            <a:br>
-              <a:rPr lang="en-CA" sz="800" dirty="0" smtClean="0">
-                <a:solidFill>
-                  <a:srgbClr val="000000"/>
-                </a:solidFill>
-                <a:highlight>
-                  <a:srgbClr val="FFFFFF"/>
-                </a:highlight>
-              </a:rPr>
-            </a:br>
-            <a:r>
-              <a:rPr lang="en-CA" sz="800" dirty="0" smtClean="0">
-                <a:solidFill>
-                  <a:srgbClr val="000000"/>
-                </a:solidFill>
-                <a:highlight>
-                  <a:srgbClr val="FFFFFF"/>
-                </a:highlight>
-              </a:rPr>
-              <a:t>  </a:t>
-            </a:r>
-            <a:r>
-              <a:rPr lang="en-CA" sz="800" dirty="0" smtClean="0">
-                <a:solidFill>
-                  <a:srgbClr val="000096"/>
-                </a:solidFill>
-                <a:highlight>
-                  <a:srgbClr val="FFFFFF"/>
-                </a:highlight>
-              </a:rPr>
-              <a:t>&lt;link</a:t>
-            </a:r>
-            <a:r>
-              <a:rPr lang="en-CA" sz="800" dirty="0" smtClean="0">
-                <a:solidFill>
-                  <a:srgbClr val="F5844C"/>
-                </a:solidFill>
-                <a:highlight>
-                  <a:srgbClr val="FFFFFF"/>
-                </a:highlight>
-              </a:rPr>
-              <a:t> </a:t>
-            </a:r>
-            <a:r>
-              <a:rPr lang="en-CA" sz="800" dirty="0" err="1" smtClean="0">
-                <a:solidFill>
-                  <a:srgbClr val="F5844C"/>
-                </a:solidFill>
-                <a:highlight>
-                  <a:srgbClr val="FFFFFF"/>
-                </a:highlight>
-              </a:rPr>
-              <a:t>rel</a:t>
-            </a:r>
-            <a:r>
-              <a:rPr lang="en-CA" sz="800" dirty="0" smtClean="0">
-                <a:solidFill>
-                  <a:srgbClr val="FF8040"/>
-                </a:solidFill>
-                <a:highlight>
-                  <a:srgbClr val="FFFFFF"/>
-                </a:highlight>
-              </a:rPr>
-              <a:t>=</a:t>
-            </a:r>
-            <a:r>
-              <a:rPr lang="en-CA" sz="800" dirty="0" smtClean="0">
-                <a:solidFill>
-                  <a:srgbClr val="993300"/>
-                </a:solidFill>
-                <a:highlight>
-                  <a:srgbClr val="FFFFFF"/>
-                </a:highlight>
-              </a:rPr>
-              <a:t>"query"</a:t>
-            </a:r>
-            <a:r>
-              <a:rPr lang="en-CA" sz="800" dirty="0" smtClean="0">
-                <a:solidFill>
-                  <a:srgbClr val="F5844C"/>
-                </a:solidFill>
-                <a:highlight>
-                  <a:srgbClr val="FFFFFF"/>
-                </a:highlight>
-              </a:rPr>
-              <a:t> </a:t>
-            </a:r>
-            <a:r>
-              <a:rPr lang="en-CA" sz="800" dirty="0" err="1" smtClean="0">
-                <a:solidFill>
-                  <a:srgbClr val="F5844C"/>
-                </a:solidFill>
-                <a:highlight>
-                  <a:srgbClr val="FFFFFF"/>
-                </a:highlight>
-              </a:rPr>
-              <a:t>tref</a:t>
-            </a:r>
-            <a:r>
-              <a:rPr lang="en-CA" sz="800" dirty="0" smtClean="0">
-                <a:solidFill>
-                  <a:srgbClr val="FF8040"/>
-                </a:solidFill>
-                <a:highlight>
-                  <a:srgbClr val="FFFFFF"/>
-                </a:highlight>
-              </a:rPr>
-              <a:t>=</a:t>
-            </a:r>
-            <a:r>
-              <a:rPr lang="en-CA" sz="800" dirty="0" smtClean="0">
-                <a:solidFill>
-                  <a:srgbClr val="993300"/>
-                </a:solidFill>
-                <a:highlight>
-                  <a:srgbClr val="FFFFFF"/>
-                </a:highlight>
-              </a:rPr>
-              <a:t>" https://wms.example.com /?SERVICE=</a:t>
-            </a:r>
-            <a:r>
-              <a:rPr lang="en-CA" sz="800" dirty="0" err="1" smtClean="0">
-                <a:solidFill>
-                  <a:srgbClr val="993300"/>
-                </a:solidFill>
-                <a:highlight>
-                  <a:srgbClr val="FFFFFF"/>
-                </a:highlight>
-              </a:rPr>
-              <a:t>WMS&amp;amp;VERSION</a:t>
-            </a:r>
-            <a:r>
-              <a:rPr lang="en-CA" sz="800" dirty="0" smtClean="0">
-                <a:solidFill>
-                  <a:srgbClr val="993300"/>
-                </a:solidFill>
-                <a:highlight>
-                  <a:srgbClr val="FFFFFF"/>
-                </a:highlight>
-              </a:rPr>
-              <a:t>=1.1.1&amp;amp;SRS=EPSG:3857&amp;amp;LAYERS=</a:t>
-            </a:r>
-            <a:r>
-              <a:rPr lang="en-CA" sz="800" dirty="0" err="1" smtClean="0">
-                <a:solidFill>
-                  <a:srgbClr val="993300"/>
-                </a:solidFill>
-                <a:highlight>
-                  <a:srgbClr val="FFFFFF"/>
-                </a:highlight>
-              </a:rPr>
-              <a:t>weather&amp;amp;QUERY_LAYERS</a:t>
-            </a:r>
-            <a:r>
-              <a:rPr lang="en-CA" sz="800" dirty="0" smtClean="0">
-                <a:solidFill>
-                  <a:srgbClr val="993300"/>
-                </a:solidFill>
-                <a:highlight>
-                  <a:srgbClr val="FFFFFF"/>
-                </a:highlight>
-              </a:rPr>
-              <a:t>=</a:t>
-            </a:r>
-            <a:r>
-              <a:rPr lang="en-CA" sz="800" dirty="0" err="1" smtClean="0">
-                <a:solidFill>
-                  <a:srgbClr val="993300"/>
-                </a:solidFill>
-                <a:highlight>
-                  <a:srgbClr val="FFFFFF"/>
-                </a:highlight>
-              </a:rPr>
-              <a:t>ex&amp;amp;X</a:t>
-            </a:r>
-            <a:r>
-              <a:rPr lang="en-CA" sz="800" dirty="0" smtClean="0">
-                <a:solidFill>
-                  <a:srgbClr val="993300"/>
-                </a:solidFill>
-                <a:highlight>
-                  <a:srgbClr val="FFFFFF"/>
-                </a:highlight>
-              </a:rPr>
-              <a:t>={i}&amp;</a:t>
-            </a:r>
-            <a:r>
-              <a:rPr lang="en-CA" sz="800" dirty="0" err="1" smtClean="0">
-                <a:solidFill>
-                  <a:srgbClr val="993300"/>
-                </a:solidFill>
-                <a:highlight>
-                  <a:srgbClr val="FFFFFF"/>
-                </a:highlight>
-              </a:rPr>
-              <a:t>amp;Y</a:t>
-            </a:r>
-            <a:r>
-              <a:rPr lang="en-CA" sz="800" dirty="0" smtClean="0">
-                <a:solidFill>
-                  <a:srgbClr val="993300"/>
-                </a:solidFill>
-                <a:highlight>
-                  <a:srgbClr val="FFFFFF"/>
-                </a:highlight>
-              </a:rPr>
-              <a:t>={j}&amp;</a:t>
-            </a:r>
-            <a:r>
-              <a:rPr lang="en-CA" sz="800" dirty="0" err="1" smtClean="0">
-                <a:solidFill>
-                  <a:srgbClr val="993300"/>
-                </a:solidFill>
-                <a:highlight>
-                  <a:srgbClr val="FFFFFF"/>
-                </a:highlight>
-              </a:rPr>
-              <a:t>amp;INFO_FORMAT</a:t>
-            </a:r>
-            <a:r>
-              <a:rPr lang="en-CA" sz="800" dirty="0" smtClean="0">
-                <a:solidFill>
-                  <a:srgbClr val="993300"/>
-                </a:solidFill>
-                <a:highlight>
-                  <a:srgbClr val="FFFFFF"/>
-                </a:highlight>
-              </a:rPr>
-              <a:t>=text/</a:t>
-            </a:r>
-            <a:r>
-              <a:rPr lang="en-CA" sz="800" dirty="0" err="1" smtClean="0">
-                <a:solidFill>
-                  <a:srgbClr val="993300"/>
-                </a:solidFill>
-                <a:highlight>
-                  <a:srgbClr val="FFFFFF"/>
-                </a:highlight>
-              </a:rPr>
-              <a:t>plain&amp;amp;BBOX</a:t>
-            </a:r>
-            <a:r>
-              <a:rPr lang="en-CA" sz="800" dirty="0" smtClean="0">
-                <a:solidFill>
-                  <a:srgbClr val="993300"/>
-                </a:solidFill>
-                <a:highlight>
-                  <a:srgbClr val="FFFFFF"/>
-                </a:highlight>
-              </a:rPr>
-              <a:t>={</a:t>
-            </a:r>
-            <a:r>
-              <a:rPr lang="en-CA" sz="800" dirty="0" err="1" smtClean="0">
-                <a:solidFill>
-                  <a:srgbClr val="993300"/>
-                </a:solidFill>
-                <a:highlight>
-                  <a:srgbClr val="FFFFFF"/>
-                </a:highlight>
-              </a:rPr>
-              <a:t>xmin</a:t>
-            </a:r>
-            <a:r>
-              <a:rPr lang="en-CA" sz="800" dirty="0" smtClean="0">
-                <a:solidFill>
-                  <a:srgbClr val="993300"/>
-                </a:solidFill>
-                <a:highlight>
-                  <a:srgbClr val="FFFFFF"/>
-                </a:highlight>
-              </a:rPr>
-              <a:t>},{</a:t>
-            </a:r>
-            <a:r>
-              <a:rPr lang="en-CA" sz="800" dirty="0" err="1" smtClean="0">
-                <a:solidFill>
-                  <a:srgbClr val="993300"/>
-                </a:solidFill>
-                <a:highlight>
-                  <a:srgbClr val="FFFFFF"/>
-                </a:highlight>
-              </a:rPr>
-              <a:t>ymin</a:t>
-            </a:r>
-            <a:r>
-              <a:rPr lang="en-CA" sz="800" dirty="0" smtClean="0">
-                <a:solidFill>
-                  <a:srgbClr val="993300"/>
-                </a:solidFill>
-                <a:highlight>
-                  <a:srgbClr val="FFFFFF"/>
-                </a:highlight>
-              </a:rPr>
-              <a:t>},{</a:t>
-            </a:r>
-            <a:r>
-              <a:rPr lang="en-CA" sz="800" dirty="0" err="1" smtClean="0">
-                <a:solidFill>
-                  <a:srgbClr val="993300"/>
-                </a:solidFill>
-                <a:highlight>
-                  <a:srgbClr val="FFFFFF"/>
-                </a:highlight>
-              </a:rPr>
-              <a:t>xmax</a:t>
-            </a:r>
-            <a:r>
-              <a:rPr lang="en-CA" sz="800" dirty="0" smtClean="0">
-                <a:solidFill>
-                  <a:srgbClr val="993300"/>
-                </a:solidFill>
-                <a:highlight>
-                  <a:srgbClr val="FFFFFF"/>
-                </a:highlight>
-              </a:rPr>
-              <a:t>},{</a:t>
-            </a:r>
-            <a:r>
-              <a:rPr lang="en-CA" sz="800" dirty="0" err="1" smtClean="0">
-                <a:solidFill>
-                  <a:srgbClr val="993300"/>
-                </a:solidFill>
-                <a:highlight>
-                  <a:srgbClr val="FFFFFF"/>
-                </a:highlight>
-              </a:rPr>
-              <a:t>ymax</a:t>
-            </a:r>
-            <a:r>
-              <a:rPr lang="en-CA" sz="800" dirty="0" smtClean="0">
-                <a:solidFill>
-                  <a:srgbClr val="993300"/>
-                </a:solidFill>
-                <a:highlight>
-                  <a:srgbClr val="FFFFFF"/>
-                </a:highlight>
-              </a:rPr>
-              <a:t>}&amp;</a:t>
-            </a:r>
-            <a:r>
-              <a:rPr lang="en-CA" sz="800" dirty="0" err="1" smtClean="0">
-                <a:solidFill>
-                  <a:srgbClr val="993300"/>
-                </a:solidFill>
-                <a:highlight>
-                  <a:srgbClr val="FFFFFF"/>
-                </a:highlight>
-              </a:rPr>
-              <a:t>amp;REQUEST</a:t>
-            </a:r>
-            <a:r>
-              <a:rPr lang="en-CA" sz="800" dirty="0" smtClean="0">
-                <a:solidFill>
-                  <a:srgbClr val="993300"/>
-                </a:solidFill>
-                <a:highlight>
-                  <a:srgbClr val="FFFFFF"/>
-                </a:highlight>
-              </a:rPr>
-              <a:t>=</a:t>
-            </a:r>
-            <a:r>
-              <a:rPr lang="en-CA" sz="800" dirty="0" err="1" smtClean="0">
-                <a:solidFill>
-                  <a:srgbClr val="993300"/>
-                </a:solidFill>
-                <a:highlight>
-                  <a:srgbClr val="FFFFFF"/>
-                </a:highlight>
-              </a:rPr>
-              <a:t>GetFeatureInfo&amp;amp;WIDTH</a:t>
-            </a:r>
-            <a:r>
-              <a:rPr lang="en-CA" sz="800" dirty="0" smtClean="0">
-                <a:solidFill>
-                  <a:srgbClr val="993300"/>
-                </a:solidFill>
-                <a:highlight>
-                  <a:srgbClr val="FFFFFF"/>
-                </a:highlight>
-              </a:rPr>
-              <a:t>={w}&amp;</a:t>
-            </a:r>
-            <a:r>
-              <a:rPr lang="en-CA" sz="800" dirty="0" err="1" smtClean="0">
-                <a:solidFill>
-                  <a:srgbClr val="993300"/>
-                </a:solidFill>
-                <a:highlight>
-                  <a:srgbClr val="FFFFFF"/>
-                </a:highlight>
-              </a:rPr>
-              <a:t>amp;HEIGHT</a:t>
-            </a:r>
-            <a:r>
-              <a:rPr lang="en-CA" sz="800" dirty="0" smtClean="0">
-                <a:solidFill>
-                  <a:srgbClr val="993300"/>
-                </a:solidFill>
-                <a:highlight>
-                  <a:srgbClr val="FFFFFF"/>
-                </a:highlight>
-              </a:rPr>
-              <a:t>={h} "</a:t>
-            </a:r>
-            <a:r>
-              <a:rPr lang="en-CA" sz="800" dirty="0" smtClean="0">
-                <a:solidFill>
-                  <a:srgbClr val="000096"/>
-                </a:solidFill>
-                <a:highlight>
-                  <a:srgbClr val="FFFFFF"/>
-                </a:highlight>
-              </a:rPr>
-              <a:t>/&gt;</a:t>
-            </a:r>
-          </a:p>
-          <a:p>
-            <a:endParaRPr lang="en-CA" sz="800" dirty="0" smtClean="0">
+            <a:endParaRPr lang="en-CA" sz="800" dirty="0">
               <a:solidFill>
                 <a:srgbClr val="000096"/>
               </a:solidFill>
@@ -12215,7 +10376,7 @@
           </a:p>
           <a:p>
             <a:r>
-              <a:rPr lang="en-CA" sz="800" dirty="0" smtClean="0">
+              <a:rPr lang="en-CA" sz="800" dirty="0">
                 <a:solidFill>
                   <a:srgbClr val="000096"/>
                 </a:solidFill>
@@ -12223,23 +10384,1568 @@
                   <a:srgbClr val="FFFFFF"/>
                 </a:highlight>
               </a:rPr>
+              <a:t>&lt;input</a:t>
+            </a:r>
+            <a:r>
+              <a:rPr lang="en-CA" sz="800" dirty="0">
+                <a:solidFill>
+                  <a:srgbClr val="F5844C"/>
+                </a:solidFill>
+                <a:highlight>
+                  <a:srgbClr val="FFFFFF"/>
+                </a:highlight>
+              </a:rPr>
+              <a:t> name</a:t>
+            </a:r>
+            <a:r>
+              <a:rPr lang="en-CA" sz="800" dirty="0">
+                <a:solidFill>
+                  <a:srgbClr val="FF8040"/>
+                </a:solidFill>
+                <a:highlight>
+                  <a:srgbClr val="FFFFFF"/>
+                </a:highlight>
+              </a:rPr>
+              <a:t>=</a:t>
+            </a:r>
+            <a:r>
+              <a:rPr lang="en-CA" sz="800" dirty="0">
+                <a:solidFill>
+                  <a:srgbClr val="993300"/>
+                </a:solidFill>
+                <a:highlight>
+                  <a:srgbClr val="FFFFFF"/>
+                </a:highlight>
+              </a:rPr>
+              <a:t>"y"</a:t>
+            </a:r>
+            <a:r>
+              <a:rPr lang="en-CA" sz="800" dirty="0">
+                <a:solidFill>
+                  <a:srgbClr val="F5844C"/>
+                </a:solidFill>
+                <a:highlight>
+                  <a:srgbClr val="FFFFFF"/>
+                </a:highlight>
+              </a:rPr>
+              <a:t> type</a:t>
+            </a:r>
+            <a:r>
+              <a:rPr lang="en-CA" sz="800" dirty="0">
+                <a:solidFill>
+                  <a:srgbClr val="FF8040"/>
+                </a:solidFill>
+                <a:highlight>
+                  <a:srgbClr val="FFFFFF"/>
+                </a:highlight>
+              </a:rPr>
+              <a:t>=</a:t>
+            </a:r>
+            <a:r>
+              <a:rPr lang="en-CA" sz="800" dirty="0">
+                <a:solidFill>
+                  <a:srgbClr val="993300"/>
+                </a:solidFill>
+                <a:highlight>
+                  <a:srgbClr val="FFFFFF"/>
+                </a:highlight>
+              </a:rPr>
+              <a:t>"location"</a:t>
+            </a:r>
+            <a:r>
+              <a:rPr lang="en-CA" sz="800" dirty="0">
+                <a:solidFill>
+                  <a:srgbClr val="F5844C"/>
+                </a:solidFill>
+                <a:highlight>
+                  <a:srgbClr val="FFFFFF"/>
+                </a:highlight>
+              </a:rPr>
+              <a:t> units</a:t>
+            </a:r>
+            <a:r>
+              <a:rPr lang="en-CA" sz="800" dirty="0">
+                <a:solidFill>
+                  <a:srgbClr val="FF8040"/>
+                </a:solidFill>
+                <a:highlight>
+                  <a:srgbClr val="FFFFFF"/>
+                </a:highlight>
+              </a:rPr>
+              <a:t>=</a:t>
+            </a:r>
+            <a:r>
+              <a:rPr lang="en-CA" sz="800" dirty="0">
+                <a:solidFill>
+                  <a:srgbClr val="993300"/>
+                </a:solidFill>
+                <a:highlight>
+                  <a:srgbClr val="FFFFFF"/>
+                </a:highlight>
+              </a:rPr>
+              <a:t>"</a:t>
+            </a:r>
+            <a:r>
+              <a:rPr lang="en-CA" sz="800" dirty="0" err="1">
+                <a:solidFill>
+                  <a:srgbClr val="993300"/>
+                </a:solidFill>
+                <a:highlight>
+                  <a:srgbClr val="FFFFFF"/>
+                </a:highlight>
+              </a:rPr>
+              <a:t>tilematrix</a:t>
+            </a:r>
+            <a:r>
+              <a:rPr lang="en-CA" sz="800" dirty="0">
+                <a:solidFill>
+                  <a:srgbClr val="993300"/>
+                </a:solidFill>
+                <a:highlight>
+                  <a:srgbClr val="FFFFFF"/>
+                </a:highlight>
+              </a:rPr>
+              <a:t>"</a:t>
+            </a:r>
+            <a:r>
+              <a:rPr lang="en-CA" sz="800" dirty="0">
+                <a:solidFill>
+                  <a:srgbClr val="F5844C"/>
+                </a:solidFill>
+                <a:highlight>
+                  <a:srgbClr val="FFFFFF"/>
+                </a:highlight>
+              </a:rPr>
+              <a:t> axis</a:t>
+            </a:r>
+            <a:r>
+              <a:rPr lang="en-CA" sz="800" dirty="0">
+                <a:solidFill>
+                  <a:srgbClr val="FF8040"/>
+                </a:solidFill>
+                <a:highlight>
+                  <a:srgbClr val="FFFFFF"/>
+                </a:highlight>
+              </a:rPr>
+              <a:t>=</a:t>
+            </a:r>
+            <a:r>
+              <a:rPr lang="en-CA" sz="800" dirty="0">
+                <a:solidFill>
+                  <a:srgbClr val="993300"/>
+                </a:solidFill>
+                <a:highlight>
+                  <a:srgbClr val="FFFFFF"/>
+                </a:highlight>
+              </a:rPr>
+              <a:t>"row"</a:t>
+            </a:r>
+            <a:r>
+              <a:rPr lang="en-CA" sz="800" dirty="0">
+                <a:solidFill>
+                  <a:srgbClr val="000096"/>
+                </a:solidFill>
+                <a:highlight>
+                  <a:srgbClr val="FFFFFF"/>
+                </a:highlight>
+              </a:rPr>
+              <a:t>/&gt;</a:t>
+            </a:r>
+            <a:br>
+              <a:rPr lang="en-CA" sz="800" dirty="0">
+                <a:solidFill>
+                  <a:srgbClr val="000000"/>
+                </a:solidFill>
+                <a:highlight>
+                  <a:srgbClr val="FFFFFF"/>
+                </a:highlight>
+              </a:rPr>
+            </a:br>
+            <a:r>
+              <a:rPr lang="en-CA" sz="800" dirty="0">
+                <a:solidFill>
+                  <a:srgbClr val="000096"/>
+                </a:solidFill>
+                <a:highlight>
+                  <a:srgbClr val="FFFFFF"/>
+                </a:highlight>
+              </a:rPr>
+              <a:t>&lt;input</a:t>
+            </a:r>
+            <a:r>
+              <a:rPr lang="en-CA" sz="800" dirty="0">
+                <a:solidFill>
+                  <a:srgbClr val="F5844C"/>
+                </a:solidFill>
+                <a:highlight>
+                  <a:srgbClr val="FFFFFF"/>
+                </a:highlight>
+              </a:rPr>
+              <a:t> name</a:t>
+            </a:r>
+            <a:r>
+              <a:rPr lang="en-CA" sz="800" dirty="0">
+                <a:solidFill>
+                  <a:srgbClr val="FF8040"/>
+                </a:solidFill>
+                <a:highlight>
+                  <a:srgbClr val="FFFFFF"/>
+                </a:highlight>
+              </a:rPr>
+              <a:t>=</a:t>
+            </a:r>
+            <a:r>
+              <a:rPr lang="en-CA" sz="800" dirty="0">
+                <a:solidFill>
+                  <a:srgbClr val="993300"/>
+                </a:solidFill>
+                <a:highlight>
+                  <a:srgbClr val="FFFFFF"/>
+                </a:highlight>
+              </a:rPr>
+              <a:t>"x"</a:t>
+            </a:r>
+            <a:r>
+              <a:rPr lang="en-CA" sz="800" dirty="0">
+                <a:solidFill>
+                  <a:srgbClr val="F5844C"/>
+                </a:solidFill>
+                <a:highlight>
+                  <a:srgbClr val="FFFFFF"/>
+                </a:highlight>
+              </a:rPr>
+              <a:t> type</a:t>
+            </a:r>
+            <a:r>
+              <a:rPr lang="en-CA" sz="800" dirty="0">
+                <a:solidFill>
+                  <a:srgbClr val="FF8040"/>
+                </a:solidFill>
+                <a:highlight>
+                  <a:srgbClr val="FFFFFF"/>
+                </a:highlight>
+              </a:rPr>
+              <a:t>=</a:t>
+            </a:r>
+            <a:r>
+              <a:rPr lang="en-CA" sz="800" dirty="0">
+                <a:solidFill>
+                  <a:srgbClr val="993300"/>
+                </a:solidFill>
+                <a:highlight>
+                  <a:srgbClr val="FFFFFF"/>
+                </a:highlight>
+              </a:rPr>
+              <a:t>"location"</a:t>
+            </a:r>
+            <a:r>
+              <a:rPr lang="en-CA" sz="800" dirty="0">
+                <a:solidFill>
+                  <a:srgbClr val="F5844C"/>
+                </a:solidFill>
+                <a:highlight>
+                  <a:srgbClr val="FFFFFF"/>
+                </a:highlight>
+              </a:rPr>
+              <a:t> units</a:t>
+            </a:r>
+            <a:r>
+              <a:rPr lang="en-CA" sz="800" dirty="0">
+                <a:solidFill>
+                  <a:srgbClr val="FF8040"/>
+                </a:solidFill>
+                <a:highlight>
+                  <a:srgbClr val="FFFFFF"/>
+                </a:highlight>
+              </a:rPr>
+              <a:t>=</a:t>
+            </a:r>
+            <a:r>
+              <a:rPr lang="en-CA" sz="800" dirty="0">
+                <a:solidFill>
+                  <a:srgbClr val="993300"/>
+                </a:solidFill>
+                <a:highlight>
+                  <a:srgbClr val="FFFFFF"/>
+                </a:highlight>
+              </a:rPr>
+              <a:t>"</a:t>
+            </a:r>
+            <a:r>
+              <a:rPr lang="en-CA" sz="800" dirty="0" err="1">
+                <a:solidFill>
+                  <a:srgbClr val="993300"/>
+                </a:solidFill>
+                <a:highlight>
+                  <a:srgbClr val="FFFFFF"/>
+                </a:highlight>
+              </a:rPr>
+              <a:t>tilematrix</a:t>
+            </a:r>
+            <a:r>
+              <a:rPr lang="en-CA" sz="800" dirty="0">
+                <a:solidFill>
+                  <a:srgbClr val="993300"/>
+                </a:solidFill>
+                <a:highlight>
+                  <a:srgbClr val="FFFFFF"/>
+                </a:highlight>
+              </a:rPr>
+              <a:t>"</a:t>
+            </a:r>
+            <a:r>
+              <a:rPr lang="en-CA" sz="800" dirty="0">
+                <a:solidFill>
+                  <a:srgbClr val="F5844C"/>
+                </a:solidFill>
+                <a:highlight>
+                  <a:srgbClr val="FFFFFF"/>
+                </a:highlight>
+              </a:rPr>
+              <a:t> axis</a:t>
+            </a:r>
+            <a:r>
+              <a:rPr lang="en-CA" sz="800" dirty="0">
+                <a:solidFill>
+                  <a:srgbClr val="FF8040"/>
+                </a:solidFill>
+                <a:highlight>
+                  <a:srgbClr val="FFFFFF"/>
+                </a:highlight>
+              </a:rPr>
+              <a:t>=</a:t>
+            </a:r>
+            <a:r>
+              <a:rPr lang="en-CA" sz="800" dirty="0">
+                <a:solidFill>
+                  <a:srgbClr val="993300"/>
+                </a:solidFill>
+                <a:highlight>
+                  <a:srgbClr val="FFFFFF"/>
+                </a:highlight>
+              </a:rPr>
+              <a:t>"column"</a:t>
+            </a:r>
+            <a:r>
+              <a:rPr lang="en-CA" sz="800" dirty="0">
+                <a:solidFill>
+                  <a:srgbClr val="000096"/>
+                </a:solidFill>
+                <a:highlight>
+                  <a:srgbClr val="FFFFFF"/>
+                </a:highlight>
+              </a:rPr>
+              <a:t>/&gt;</a:t>
+            </a:r>
+            <a:br>
+              <a:rPr lang="en-CA" sz="800" dirty="0">
+                <a:solidFill>
+                  <a:srgbClr val="000000"/>
+                </a:solidFill>
+                <a:highlight>
+                  <a:srgbClr val="FFFFFF"/>
+                </a:highlight>
+              </a:rPr>
+            </a:br>
+            <a:r>
+              <a:rPr lang="en-CA" sz="800" dirty="0">
+                <a:solidFill>
+                  <a:srgbClr val="000096"/>
+                </a:solidFill>
+                <a:highlight>
+                  <a:srgbClr val="FFFFFF"/>
+                </a:highlight>
+              </a:rPr>
+              <a:t>&lt;input</a:t>
+            </a:r>
+            <a:r>
+              <a:rPr lang="en-CA" sz="800" dirty="0">
+                <a:solidFill>
+                  <a:srgbClr val="F5844C"/>
+                </a:solidFill>
+                <a:highlight>
+                  <a:srgbClr val="FFFFFF"/>
+                </a:highlight>
+              </a:rPr>
+              <a:t> name</a:t>
+            </a:r>
+            <a:r>
+              <a:rPr lang="en-CA" sz="800" dirty="0">
+                <a:solidFill>
+                  <a:srgbClr val="FF8040"/>
+                </a:solidFill>
+                <a:highlight>
+                  <a:srgbClr val="FFFFFF"/>
+                </a:highlight>
+              </a:rPr>
+              <a:t>=</a:t>
+            </a:r>
+            <a:r>
+              <a:rPr lang="en-CA" sz="800" dirty="0">
+                <a:solidFill>
+                  <a:srgbClr val="993300"/>
+                </a:solidFill>
+                <a:highlight>
+                  <a:srgbClr val="FFFFFF"/>
+                </a:highlight>
+              </a:rPr>
+              <a:t>"</a:t>
+            </a:r>
+            <a:r>
+              <a:rPr lang="en-CA" sz="800" dirty="0" err="1">
+                <a:solidFill>
+                  <a:srgbClr val="993300"/>
+                </a:solidFill>
+                <a:highlight>
+                  <a:srgbClr val="FFFFFF"/>
+                </a:highlight>
+              </a:rPr>
+              <a:t>utc</a:t>
+            </a:r>
+            <a:r>
+              <a:rPr lang="en-CA" sz="800" dirty="0">
+                <a:solidFill>
+                  <a:srgbClr val="993300"/>
+                </a:solidFill>
+                <a:highlight>
+                  <a:srgbClr val="FFFFFF"/>
+                </a:highlight>
+              </a:rPr>
+              <a:t>"</a:t>
+            </a:r>
+            <a:r>
+              <a:rPr lang="en-CA" sz="800" dirty="0">
+                <a:solidFill>
+                  <a:srgbClr val="F5844C"/>
+                </a:solidFill>
+                <a:highlight>
+                  <a:srgbClr val="FFFFFF"/>
+                </a:highlight>
+              </a:rPr>
+              <a:t> type</a:t>
+            </a:r>
+            <a:r>
+              <a:rPr lang="en-CA" sz="800" dirty="0">
+                <a:solidFill>
+                  <a:srgbClr val="FF8040"/>
+                </a:solidFill>
+                <a:highlight>
+                  <a:srgbClr val="FFFFFF"/>
+                </a:highlight>
+              </a:rPr>
+              <a:t>=</a:t>
+            </a:r>
+            <a:r>
+              <a:rPr lang="en-CA" sz="800" dirty="0">
+                <a:solidFill>
+                  <a:srgbClr val="993300"/>
+                </a:solidFill>
+                <a:highlight>
+                  <a:srgbClr val="FFFFFF"/>
+                </a:highlight>
+              </a:rPr>
+              <a:t>"</a:t>
+            </a:r>
+            <a:r>
+              <a:rPr lang="en-CA" sz="800" dirty="0" err="1">
+                <a:solidFill>
+                  <a:srgbClr val="993300"/>
+                </a:solidFill>
+                <a:highlight>
+                  <a:srgbClr val="FFFFFF"/>
+                </a:highlight>
+              </a:rPr>
+              <a:t>datetime</a:t>
+            </a:r>
+            <a:r>
+              <a:rPr lang="en-CA" sz="800" dirty="0">
+                <a:solidFill>
+                  <a:srgbClr val="993300"/>
+                </a:solidFill>
+                <a:highlight>
+                  <a:srgbClr val="FFFFFF"/>
+                </a:highlight>
+              </a:rPr>
+              <a:t>"</a:t>
+            </a:r>
+            <a:r>
+              <a:rPr lang="en-CA" sz="800" dirty="0">
+                <a:solidFill>
+                  <a:srgbClr val="F5844C"/>
+                </a:solidFill>
+                <a:highlight>
+                  <a:srgbClr val="FFFFFF"/>
+                </a:highlight>
+              </a:rPr>
+              <a:t> min</a:t>
+            </a:r>
+            <a:r>
+              <a:rPr lang="en-CA" sz="800" dirty="0">
+                <a:solidFill>
+                  <a:srgbClr val="FF8040"/>
+                </a:solidFill>
+                <a:highlight>
+                  <a:srgbClr val="FFFFFF"/>
+                </a:highlight>
+              </a:rPr>
+              <a:t>=</a:t>
+            </a:r>
+            <a:r>
+              <a:rPr lang="en-CA" sz="800" dirty="0">
+                <a:solidFill>
+                  <a:srgbClr val="993300"/>
+                </a:solidFill>
+                <a:highlight>
+                  <a:srgbClr val="FFFFFF"/>
+                </a:highlight>
+              </a:rPr>
+              <a:t>"2018-03-02T18:00:00Z"</a:t>
+            </a:r>
+            <a:r>
+              <a:rPr lang="en-CA" sz="800" dirty="0">
+                <a:solidFill>
+                  <a:srgbClr val="F5844C"/>
+                </a:solidFill>
+                <a:highlight>
+                  <a:srgbClr val="FFFFFF"/>
+                </a:highlight>
+              </a:rPr>
+              <a:t> max</a:t>
+            </a:r>
+            <a:r>
+              <a:rPr lang="en-CA" sz="800" dirty="0">
+                <a:solidFill>
+                  <a:srgbClr val="FF8040"/>
+                </a:solidFill>
+                <a:highlight>
+                  <a:srgbClr val="FFFFFF"/>
+                </a:highlight>
+              </a:rPr>
+              <a:t>=</a:t>
+            </a:r>
+            <a:r>
+              <a:rPr lang="en-CA" sz="800" dirty="0">
+                <a:solidFill>
+                  <a:srgbClr val="993300"/>
+                </a:solidFill>
+                <a:highlight>
+                  <a:srgbClr val="FFFFFF"/>
+                </a:highlight>
+              </a:rPr>
+              <a:t>"2018-03-12T00:00:00Z"</a:t>
+            </a:r>
+            <a:r>
+              <a:rPr lang="en-CA" sz="800" dirty="0">
+                <a:solidFill>
+                  <a:srgbClr val="F5844C"/>
+                </a:solidFill>
+                <a:highlight>
+                  <a:srgbClr val="FFFFFF"/>
+                </a:highlight>
+              </a:rPr>
+              <a:t> value</a:t>
+            </a:r>
+            <a:r>
+              <a:rPr lang="en-CA" sz="800" dirty="0">
+                <a:solidFill>
+                  <a:srgbClr val="FF8040"/>
+                </a:solidFill>
+                <a:highlight>
+                  <a:srgbClr val="FFFFFF"/>
+                </a:highlight>
+              </a:rPr>
+              <a:t>=</a:t>
+            </a:r>
+            <a:r>
+              <a:rPr lang="en-CA" sz="800" dirty="0">
+                <a:solidFill>
+                  <a:srgbClr val="993300"/>
+                </a:solidFill>
+                <a:highlight>
+                  <a:srgbClr val="FFFFFF"/>
+                </a:highlight>
+              </a:rPr>
+              <a:t>"2018-03-03T12:00:00Z"</a:t>
+            </a:r>
+            <a:r>
+              <a:rPr lang="en-CA" sz="800" dirty="0">
+                <a:solidFill>
+                  <a:srgbClr val="F5844C"/>
+                </a:solidFill>
+                <a:highlight>
+                  <a:srgbClr val="FFFFFF"/>
+                </a:highlight>
+              </a:rPr>
+              <a:t> step</a:t>
+            </a:r>
+            <a:r>
+              <a:rPr lang="en-CA" sz="800" dirty="0">
+                <a:solidFill>
+                  <a:srgbClr val="FF8040"/>
+                </a:solidFill>
+                <a:highlight>
+                  <a:srgbClr val="FFFFFF"/>
+                </a:highlight>
+              </a:rPr>
+              <a:t>=</a:t>
+            </a:r>
+            <a:r>
+              <a:rPr lang="en-CA" sz="800" dirty="0">
+                <a:solidFill>
+                  <a:srgbClr val="993300"/>
+                </a:solidFill>
+                <a:highlight>
+                  <a:srgbClr val="FFFFFF"/>
+                </a:highlight>
+              </a:rPr>
+              <a:t>"PT1H"</a:t>
+            </a:r>
+            <a:r>
+              <a:rPr lang="en-CA" sz="800" dirty="0">
+                <a:solidFill>
+                  <a:srgbClr val="000096"/>
+                </a:solidFill>
+                <a:highlight>
+                  <a:srgbClr val="FFFFFF"/>
+                </a:highlight>
+              </a:rPr>
+              <a:t>/&gt;</a:t>
+            </a:r>
+          </a:p>
+          <a:p>
+            <a:br>
+              <a:rPr lang="en-CA" sz="800" dirty="0">
+                <a:solidFill>
+                  <a:srgbClr val="000000"/>
+                </a:solidFill>
+                <a:highlight>
+                  <a:srgbClr val="FFFFFF"/>
+                </a:highlight>
+              </a:rPr>
+            </a:br>
+            <a:r>
+              <a:rPr lang="en-CA" sz="800" dirty="0">
+                <a:solidFill>
+                  <a:srgbClr val="000096"/>
+                </a:solidFill>
+                <a:highlight>
+                  <a:srgbClr val="FFFFFF"/>
+                </a:highlight>
+              </a:rPr>
+              <a:t>&lt;link</a:t>
+            </a:r>
+            <a:r>
+              <a:rPr lang="en-CA" sz="800" dirty="0">
+                <a:solidFill>
+                  <a:srgbClr val="F5844C"/>
+                </a:solidFill>
+                <a:highlight>
+                  <a:srgbClr val="FFFFFF"/>
+                </a:highlight>
+              </a:rPr>
+              <a:t> </a:t>
+            </a:r>
+            <a:r>
+              <a:rPr lang="en-CA" sz="800" dirty="0" err="1">
+                <a:solidFill>
+                  <a:srgbClr val="F5844C"/>
+                </a:solidFill>
+                <a:highlight>
+                  <a:srgbClr val="FFFFFF"/>
+                </a:highlight>
+              </a:rPr>
+              <a:t>rel</a:t>
+            </a:r>
+            <a:r>
+              <a:rPr lang="en-CA" sz="800" dirty="0">
+                <a:solidFill>
+                  <a:srgbClr val="FF8040"/>
+                </a:solidFill>
+                <a:highlight>
+                  <a:srgbClr val="FFFFFF"/>
+                </a:highlight>
+              </a:rPr>
+              <a:t>=</a:t>
+            </a:r>
+            <a:r>
+              <a:rPr lang="en-CA" sz="800" dirty="0">
+                <a:solidFill>
+                  <a:srgbClr val="993300"/>
+                </a:solidFill>
+                <a:highlight>
+                  <a:srgbClr val="FFFFFF"/>
+                </a:highlight>
+              </a:rPr>
+              <a:t>"tile"</a:t>
+            </a:r>
+            <a:r>
+              <a:rPr lang="en-CA" sz="800" dirty="0">
+                <a:solidFill>
+                  <a:srgbClr val="F5844C"/>
+                </a:solidFill>
+                <a:highlight>
+                  <a:srgbClr val="FFFFFF"/>
+                </a:highlight>
+              </a:rPr>
+              <a:t> </a:t>
+            </a:r>
+            <a:r>
+              <a:rPr lang="en-CA" sz="800" dirty="0" err="1">
+                <a:solidFill>
+                  <a:srgbClr val="F5844C"/>
+                </a:solidFill>
+                <a:highlight>
+                  <a:srgbClr val="FFFFFF"/>
+                </a:highlight>
+              </a:rPr>
+              <a:t>tref</a:t>
+            </a:r>
+            <a:r>
+              <a:rPr lang="en-CA" sz="800" dirty="0">
+                <a:solidFill>
+                  <a:srgbClr val="FF8040"/>
+                </a:solidFill>
+                <a:highlight>
+                  <a:srgbClr val="FFFFFF"/>
+                </a:highlight>
+              </a:rPr>
+              <a:t>=</a:t>
+            </a:r>
+            <a:r>
+              <a:rPr lang="en-CA" sz="800" dirty="0">
+                <a:solidFill>
+                  <a:srgbClr val="993300"/>
+                </a:solidFill>
+                <a:highlight>
+                  <a:srgbClr val="FFFFFF"/>
+                </a:highlight>
+              </a:rPr>
+              <a:t>"https://tilecache.example.com/weather/tile/{z}/{y}/{x}?time={</a:t>
+            </a:r>
+            <a:r>
+              <a:rPr lang="en-CA" sz="800" dirty="0" err="1">
+                <a:solidFill>
+                  <a:srgbClr val="993300"/>
+                </a:solidFill>
+                <a:highlight>
+                  <a:srgbClr val="FFFFFF"/>
+                </a:highlight>
+              </a:rPr>
+              <a:t>utc</a:t>
+            </a:r>
+            <a:r>
+              <a:rPr lang="en-CA" sz="800" dirty="0">
+                <a:solidFill>
+                  <a:srgbClr val="993300"/>
+                </a:solidFill>
+                <a:highlight>
+                  <a:srgbClr val="FFFFFF"/>
+                </a:highlight>
+              </a:rPr>
+              <a:t>}"</a:t>
+            </a:r>
+            <a:r>
+              <a:rPr lang="en-CA" sz="800" dirty="0">
+                <a:solidFill>
+                  <a:srgbClr val="000096"/>
+                </a:solidFill>
+                <a:highlight>
+                  <a:srgbClr val="FFFFFF"/>
+                </a:highlight>
+              </a:rPr>
+              <a:t>/&gt;</a:t>
+            </a:r>
+          </a:p>
+          <a:p>
+            <a:endParaRPr lang="en-CA" sz="800" dirty="0"/>
+          </a:p>
+          <a:p>
+            <a:r>
+              <a:rPr lang="en-CA" sz="800" dirty="0">
+                <a:solidFill>
+                  <a:srgbClr val="000000"/>
+                </a:solidFill>
+                <a:highlight>
+                  <a:srgbClr val="FFFFFF"/>
+                </a:highlight>
+              </a:rPr>
+              <a:t>  </a:t>
+            </a:r>
+            <a:r>
+              <a:rPr lang="en-CA" sz="800" dirty="0">
+                <a:solidFill>
+                  <a:srgbClr val="000096"/>
+                </a:solidFill>
+                <a:highlight>
+                  <a:srgbClr val="FFFFFF"/>
+                </a:highlight>
+              </a:rPr>
+              <a:t>&lt;input</a:t>
+            </a:r>
+            <a:r>
+              <a:rPr lang="en-CA" sz="800" dirty="0">
+                <a:solidFill>
+                  <a:srgbClr val="F5844C"/>
+                </a:solidFill>
+                <a:highlight>
+                  <a:srgbClr val="FFFFFF"/>
+                </a:highlight>
+              </a:rPr>
+              <a:t> name</a:t>
+            </a:r>
+            <a:r>
+              <a:rPr lang="en-CA" sz="800" dirty="0">
+                <a:solidFill>
+                  <a:srgbClr val="FF8040"/>
+                </a:solidFill>
+                <a:highlight>
+                  <a:srgbClr val="FFFFFF"/>
+                </a:highlight>
+              </a:rPr>
+              <a:t>=</a:t>
+            </a:r>
+            <a:r>
+              <a:rPr lang="en-CA" sz="800" dirty="0">
+                <a:solidFill>
+                  <a:srgbClr val="993300"/>
+                </a:solidFill>
+                <a:highlight>
+                  <a:srgbClr val="FFFFFF"/>
+                </a:highlight>
+              </a:rPr>
+              <a:t>"i"</a:t>
+            </a:r>
+            <a:r>
+              <a:rPr lang="en-CA" sz="800" dirty="0">
+                <a:solidFill>
+                  <a:srgbClr val="F5844C"/>
+                </a:solidFill>
+                <a:highlight>
+                  <a:srgbClr val="FFFFFF"/>
+                </a:highlight>
+              </a:rPr>
+              <a:t> type</a:t>
+            </a:r>
+            <a:r>
+              <a:rPr lang="en-CA" sz="800" dirty="0">
+                <a:solidFill>
+                  <a:srgbClr val="FF8040"/>
+                </a:solidFill>
+                <a:highlight>
+                  <a:srgbClr val="FFFFFF"/>
+                </a:highlight>
+              </a:rPr>
+              <a:t>=</a:t>
+            </a:r>
+            <a:r>
+              <a:rPr lang="en-CA" sz="800" dirty="0">
+                <a:solidFill>
+                  <a:srgbClr val="993300"/>
+                </a:solidFill>
+                <a:highlight>
+                  <a:srgbClr val="FFFFFF"/>
+                </a:highlight>
+              </a:rPr>
+              <a:t>"location"</a:t>
+            </a:r>
+            <a:r>
+              <a:rPr lang="en-CA" sz="800" dirty="0">
+                <a:solidFill>
+                  <a:srgbClr val="F5844C"/>
+                </a:solidFill>
+                <a:highlight>
+                  <a:srgbClr val="FFFFFF"/>
+                </a:highlight>
+              </a:rPr>
+              <a:t> units</a:t>
+            </a:r>
+            <a:r>
+              <a:rPr lang="en-CA" sz="800" dirty="0">
+                <a:solidFill>
+                  <a:srgbClr val="FF8040"/>
+                </a:solidFill>
+                <a:highlight>
+                  <a:srgbClr val="FFFFFF"/>
+                </a:highlight>
+              </a:rPr>
+              <a:t>=</a:t>
+            </a:r>
+            <a:r>
+              <a:rPr lang="en-CA" sz="800" dirty="0">
+                <a:solidFill>
+                  <a:srgbClr val="993300"/>
+                </a:solidFill>
+                <a:highlight>
+                  <a:srgbClr val="FFFFFF"/>
+                </a:highlight>
+              </a:rPr>
+              <a:t>"map"</a:t>
+            </a:r>
+            <a:r>
+              <a:rPr lang="en-CA" sz="800" dirty="0">
+                <a:solidFill>
+                  <a:srgbClr val="F5844C"/>
+                </a:solidFill>
+                <a:highlight>
+                  <a:srgbClr val="FFFFFF"/>
+                </a:highlight>
+              </a:rPr>
+              <a:t> axis</a:t>
+            </a:r>
+            <a:r>
+              <a:rPr lang="en-CA" sz="800" dirty="0">
+                <a:solidFill>
+                  <a:srgbClr val="FF8040"/>
+                </a:solidFill>
+                <a:highlight>
+                  <a:srgbClr val="FFFFFF"/>
+                </a:highlight>
+              </a:rPr>
+              <a:t>=</a:t>
+            </a:r>
+            <a:r>
+              <a:rPr lang="en-CA" sz="800" dirty="0">
+                <a:solidFill>
+                  <a:srgbClr val="993300"/>
+                </a:solidFill>
+                <a:highlight>
+                  <a:srgbClr val="FFFFFF"/>
+                </a:highlight>
+              </a:rPr>
+              <a:t>"i"</a:t>
+            </a:r>
+            <a:r>
+              <a:rPr lang="en-CA" sz="800" dirty="0">
+                <a:solidFill>
+                  <a:srgbClr val="000096"/>
+                </a:solidFill>
+                <a:highlight>
+                  <a:srgbClr val="FFFFFF"/>
+                </a:highlight>
+              </a:rPr>
+              <a:t>/&gt;</a:t>
+            </a:r>
+            <a:br>
+              <a:rPr lang="en-CA" sz="800" dirty="0">
+                <a:solidFill>
+                  <a:srgbClr val="000000"/>
+                </a:solidFill>
+                <a:highlight>
+                  <a:srgbClr val="FFFFFF"/>
+                </a:highlight>
+              </a:rPr>
+            </a:br>
+            <a:r>
+              <a:rPr lang="en-CA" sz="800" dirty="0">
+                <a:solidFill>
+                  <a:srgbClr val="000000"/>
+                </a:solidFill>
+                <a:highlight>
+                  <a:srgbClr val="FFFFFF"/>
+                </a:highlight>
+              </a:rPr>
+              <a:t>  </a:t>
+            </a:r>
+            <a:r>
+              <a:rPr lang="en-CA" sz="800" dirty="0">
+                <a:solidFill>
+                  <a:srgbClr val="000096"/>
+                </a:solidFill>
+                <a:highlight>
+                  <a:srgbClr val="FFFFFF"/>
+                </a:highlight>
+              </a:rPr>
+              <a:t>&lt;input</a:t>
+            </a:r>
+            <a:r>
+              <a:rPr lang="en-CA" sz="800" dirty="0">
+                <a:solidFill>
+                  <a:srgbClr val="F5844C"/>
+                </a:solidFill>
+                <a:highlight>
+                  <a:srgbClr val="FFFFFF"/>
+                </a:highlight>
+              </a:rPr>
+              <a:t> name</a:t>
+            </a:r>
+            <a:r>
+              <a:rPr lang="en-CA" sz="800" dirty="0">
+                <a:solidFill>
+                  <a:srgbClr val="FF8040"/>
+                </a:solidFill>
+                <a:highlight>
+                  <a:srgbClr val="FFFFFF"/>
+                </a:highlight>
+              </a:rPr>
+              <a:t>=</a:t>
+            </a:r>
+            <a:r>
+              <a:rPr lang="en-CA" sz="800" dirty="0">
+                <a:solidFill>
+                  <a:srgbClr val="993300"/>
+                </a:solidFill>
+                <a:highlight>
+                  <a:srgbClr val="FFFFFF"/>
+                </a:highlight>
+              </a:rPr>
+              <a:t>"j"</a:t>
+            </a:r>
+            <a:r>
+              <a:rPr lang="en-CA" sz="800" dirty="0">
+                <a:solidFill>
+                  <a:srgbClr val="F5844C"/>
+                </a:solidFill>
+                <a:highlight>
+                  <a:srgbClr val="FFFFFF"/>
+                </a:highlight>
+              </a:rPr>
+              <a:t> type</a:t>
+            </a:r>
+            <a:r>
+              <a:rPr lang="en-CA" sz="800" dirty="0">
+                <a:solidFill>
+                  <a:srgbClr val="FF8040"/>
+                </a:solidFill>
+                <a:highlight>
+                  <a:srgbClr val="FFFFFF"/>
+                </a:highlight>
+              </a:rPr>
+              <a:t>=</a:t>
+            </a:r>
+            <a:r>
+              <a:rPr lang="en-CA" sz="800" dirty="0">
+                <a:solidFill>
+                  <a:srgbClr val="993300"/>
+                </a:solidFill>
+                <a:highlight>
+                  <a:srgbClr val="FFFFFF"/>
+                </a:highlight>
+              </a:rPr>
+              <a:t>"location"</a:t>
+            </a:r>
+            <a:r>
+              <a:rPr lang="en-CA" sz="800" dirty="0">
+                <a:solidFill>
+                  <a:srgbClr val="F5844C"/>
+                </a:solidFill>
+                <a:highlight>
+                  <a:srgbClr val="FFFFFF"/>
+                </a:highlight>
+              </a:rPr>
+              <a:t> units</a:t>
+            </a:r>
+            <a:r>
+              <a:rPr lang="en-CA" sz="800" dirty="0">
+                <a:solidFill>
+                  <a:srgbClr val="FF8040"/>
+                </a:solidFill>
+                <a:highlight>
+                  <a:srgbClr val="FFFFFF"/>
+                </a:highlight>
+              </a:rPr>
+              <a:t>=</a:t>
+            </a:r>
+            <a:r>
+              <a:rPr lang="en-CA" sz="800" dirty="0">
+                <a:solidFill>
+                  <a:srgbClr val="993300"/>
+                </a:solidFill>
+                <a:highlight>
+                  <a:srgbClr val="FFFFFF"/>
+                </a:highlight>
+              </a:rPr>
+              <a:t>"map"</a:t>
+            </a:r>
+            <a:r>
+              <a:rPr lang="en-CA" sz="800" dirty="0">
+                <a:solidFill>
+                  <a:srgbClr val="F5844C"/>
+                </a:solidFill>
+                <a:highlight>
+                  <a:srgbClr val="FFFFFF"/>
+                </a:highlight>
+              </a:rPr>
+              <a:t> axis</a:t>
+            </a:r>
+            <a:r>
+              <a:rPr lang="en-CA" sz="800" dirty="0">
+                <a:solidFill>
+                  <a:srgbClr val="FF8040"/>
+                </a:solidFill>
+                <a:highlight>
+                  <a:srgbClr val="FFFFFF"/>
+                </a:highlight>
+              </a:rPr>
+              <a:t>=</a:t>
+            </a:r>
+            <a:r>
+              <a:rPr lang="en-CA" sz="800" dirty="0">
+                <a:solidFill>
+                  <a:srgbClr val="993300"/>
+                </a:solidFill>
+                <a:highlight>
+                  <a:srgbClr val="FFFFFF"/>
+                </a:highlight>
+              </a:rPr>
+              <a:t>"j"</a:t>
+            </a:r>
+            <a:r>
+              <a:rPr lang="en-CA" sz="800" dirty="0">
+                <a:solidFill>
+                  <a:srgbClr val="000096"/>
+                </a:solidFill>
+                <a:highlight>
+                  <a:srgbClr val="FFFFFF"/>
+                </a:highlight>
+              </a:rPr>
+              <a:t>/&gt;</a:t>
+            </a:r>
+          </a:p>
+          <a:p>
+            <a:br>
+              <a:rPr lang="en-CA" sz="800" dirty="0">
+                <a:solidFill>
+                  <a:srgbClr val="000000"/>
+                </a:solidFill>
+                <a:highlight>
+                  <a:srgbClr val="FFFFFF"/>
+                </a:highlight>
+              </a:rPr>
+            </a:br>
+            <a:r>
+              <a:rPr lang="en-CA" sz="800" dirty="0">
+                <a:solidFill>
+                  <a:srgbClr val="000000"/>
+                </a:solidFill>
+                <a:highlight>
+                  <a:srgbClr val="FFFFFF"/>
+                </a:highlight>
+              </a:rPr>
+              <a:t>  </a:t>
+            </a:r>
+            <a:r>
+              <a:rPr lang="en-CA" sz="800" dirty="0">
+                <a:solidFill>
+                  <a:srgbClr val="000096"/>
+                </a:solidFill>
+                <a:highlight>
+                  <a:srgbClr val="FFFFFF"/>
+                </a:highlight>
+              </a:rPr>
+              <a:t>&lt;link</a:t>
+            </a:r>
+            <a:r>
+              <a:rPr lang="en-CA" sz="800" dirty="0">
+                <a:solidFill>
+                  <a:srgbClr val="F5844C"/>
+                </a:solidFill>
+                <a:highlight>
+                  <a:srgbClr val="FFFFFF"/>
+                </a:highlight>
+              </a:rPr>
+              <a:t> </a:t>
+            </a:r>
+            <a:r>
+              <a:rPr lang="en-CA" sz="800" dirty="0" err="1">
+                <a:solidFill>
+                  <a:srgbClr val="F5844C"/>
+                </a:solidFill>
+                <a:highlight>
+                  <a:srgbClr val="FFFFFF"/>
+                </a:highlight>
+              </a:rPr>
+              <a:t>rel</a:t>
+            </a:r>
+            <a:r>
+              <a:rPr lang="en-CA" sz="800" dirty="0">
+                <a:solidFill>
+                  <a:srgbClr val="FF8040"/>
+                </a:solidFill>
+                <a:highlight>
+                  <a:srgbClr val="FFFFFF"/>
+                </a:highlight>
+              </a:rPr>
+              <a:t>=</a:t>
+            </a:r>
+            <a:r>
+              <a:rPr lang="en-CA" sz="800" dirty="0">
+                <a:solidFill>
+                  <a:srgbClr val="993300"/>
+                </a:solidFill>
+                <a:highlight>
+                  <a:srgbClr val="FFFFFF"/>
+                </a:highlight>
+              </a:rPr>
+              <a:t>"query"</a:t>
+            </a:r>
+            <a:r>
+              <a:rPr lang="en-CA" sz="800" dirty="0">
+                <a:solidFill>
+                  <a:srgbClr val="F5844C"/>
+                </a:solidFill>
+                <a:highlight>
+                  <a:srgbClr val="FFFFFF"/>
+                </a:highlight>
+              </a:rPr>
+              <a:t> </a:t>
+            </a:r>
+            <a:r>
+              <a:rPr lang="en-CA" sz="800" dirty="0" err="1">
+                <a:solidFill>
+                  <a:srgbClr val="F5844C"/>
+                </a:solidFill>
+                <a:highlight>
+                  <a:srgbClr val="FFFFFF"/>
+                </a:highlight>
+              </a:rPr>
+              <a:t>tref</a:t>
+            </a:r>
+            <a:r>
+              <a:rPr lang="en-CA" sz="800" dirty="0">
+                <a:solidFill>
+                  <a:srgbClr val="FF8040"/>
+                </a:solidFill>
+                <a:highlight>
+                  <a:srgbClr val="FFFFFF"/>
+                </a:highlight>
+              </a:rPr>
+              <a:t>=</a:t>
+            </a:r>
+            <a:r>
+              <a:rPr lang="en-CA" sz="800" dirty="0">
+                <a:solidFill>
+                  <a:srgbClr val="993300"/>
+                </a:solidFill>
+                <a:highlight>
+                  <a:srgbClr val="FFFFFF"/>
+                </a:highlight>
+              </a:rPr>
+              <a:t>" https://wms.example.com /?SERVICE=</a:t>
+            </a:r>
+            <a:r>
+              <a:rPr lang="en-CA" sz="800" dirty="0" err="1">
+                <a:solidFill>
+                  <a:srgbClr val="993300"/>
+                </a:solidFill>
+                <a:highlight>
+                  <a:srgbClr val="FFFFFF"/>
+                </a:highlight>
+              </a:rPr>
+              <a:t>WMS&amp;amp;VERSION</a:t>
+            </a:r>
+            <a:r>
+              <a:rPr lang="en-CA" sz="800" dirty="0">
+                <a:solidFill>
+                  <a:srgbClr val="993300"/>
+                </a:solidFill>
+                <a:highlight>
+                  <a:srgbClr val="FFFFFF"/>
+                </a:highlight>
+              </a:rPr>
+              <a:t>=1.1.1&amp;amp;SRS=EPSG:3857&amp;amp;LAYERS=</a:t>
+            </a:r>
+            <a:r>
+              <a:rPr lang="en-CA" sz="800" dirty="0" err="1">
+                <a:solidFill>
+                  <a:srgbClr val="993300"/>
+                </a:solidFill>
+                <a:highlight>
+                  <a:srgbClr val="FFFFFF"/>
+                </a:highlight>
+              </a:rPr>
+              <a:t>weather&amp;amp;QUERY_LAYERS</a:t>
+            </a:r>
+            <a:r>
+              <a:rPr lang="en-CA" sz="800" dirty="0">
+                <a:solidFill>
+                  <a:srgbClr val="993300"/>
+                </a:solidFill>
+                <a:highlight>
+                  <a:srgbClr val="FFFFFF"/>
+                </a:highlight>
+              </a:rPr>
+              <a:t>=</a:t>
+            </a:r>
+            <a:r>
+              <a:rPr lang="en-CA" sz="800" dirty="0" err="1">
+                <a:solidFill>
+                  <a:srgbClr val="993300"/>
+                </a:solidFill>
+                <a:highlight>
+                  <a:srgbClr val="FFFFFF"/>
+                </a:highlight>
+              </a:rPr>
+              <a:t>ex&amp;amp;X</a:t>
+            </a:r>
+            <a:r>
+              <a:rPr lang="en-CA" sz="800" dirty="0">
+                <a:solidFill>
+                  <a:srgbClr val="993300"/>
+                </a:solidFill>
+                <a:highlight>
+                  <a:srgbClr val="FFFFFF"/>
+                </a:highlight>
+              </a:rPr>
+              <a:t>={i}&amp;</a:t>
+            </a:r>
+            <a:r>
+              <a:rPr lang="en-CA" sz="800" dirty="0" err="1">
+                <a:solidFill>
+                  <a:srgbClr val="993300"/>
+                </a:solidFill>
+                <a:highlight>
+                  <a:srgbClr val="FFFFFF"/>
+                </a:highlight>
+              </a:rPr>
+              <a:t>amp;Y</a:t>
+            </a:r>
+            <a:r>
+              <a:rPr lang="en-CA" sz="800" dirty="0">
+                <a:solidFill>
+                  <a:srgbClr val="993300"/>
+                </a:solidFill>
+                <a:highlight>
+                  <a:srgbClr val="FFFFFF"/>
+                </a:highlight>
+              </a:rPr>
+              <a:t>={j}&amp;</a:t>
+            </a:r>
+            <a:r>
+              <a:rPr lang="en-CA" sz="800" dirty="0" err="1">
+                <a:solidFill>
+                  <a:srgbClr val="993300"/>
+                </a:solidFill>
+                <a:highlight>
+                  <a:srgbClr val="FFFFFF"/>
+                </a:highlight>
+              </a:rPr>
+              <a:t>amp;INFO_FORMAT</a:t>
+            </a:r>
+            <a:r>
+              <a:rPr lang="en-CA" sz="800" dirty="0">
+                <a:solidFill>
+                  <a:srgbClr val="993300"/>
+                </a:solidFill>
+                <a:highlight>
+                  <a:srgbClr val="FFFFFF"/>
+                </a:highlight>
+              </a:rPr>
+              <a:t>=text/</a:t>
+            </a:r>
+            <a:r>
+              <a:rPr lang="en-CA" sz="800" dirty="0" err="1">
+                <a:solidFill>
+                  <a:srgbClr val="993300"/>
+                </a:solidFill>
+                <a:highlight>
+                  <a:srgbClr val="FFFFFF"/>
+                </a:highlight>
+              </a:rPr>
+              <a:t>plain&amp;amp;BBOX</a:t>
+            </a:r>
+            <a:r>
+              <a:rPr lang="en-CA" sz="800" dirty="0">
+                <a:solidFill>
+                  <a:srgbClr val="993300"/>
+                </a:solidFill>
+                <a:highlight>
+                  <a:srgbClr val="FFFFFF"/>
+                </a:highlight>
+              </a:rPr>
+              <a:t>={</a:t>
+            </a:r>
+            <a:r>
+              <a:rPr lang="en-CA" sz="800" dirty="0" err="1">
+                <a:solidFill>
+                  <a:srgbClr val="993300"/>
+                </a:solidFill>
+                <a:highlight>
+                  <a:srgbClr val="FFFFFF"/>
+                </a:highlight>
+              </a:rPr>
+              <a:t>xmin</a:t>
+            </a:r>
+            <a:r>
+              <a:rPr lang="en-CA" sz="800" dirty="0">
+                <a:solidFill>
+                  <a:srgbClr val="993300"/>
+                </a:solidFill>
+                <a:highlight>
+                  <a:srgbClr val="FFFFFF"/>
+                </a:highlight>
+              </a:rPr>
+              <a:t>},{</a:t>
+            </a:r>
+            <a:r>
+              <a:rPr lang="en-CA" sz="800" dirty="0" err="1">
+                <a:solidFill>
+                  <a:srgbClr val="993300"/>
+                </a:solidFill>
+                <a:highlight>
+                  <a:srgbClr val="FFFFFF"/>
+                </a:highlight>
+              </a:rPr>
+              <a:t>ymin</a:t>
+            </a:r>
+            <a:r>
+              <a:rPr lang="en-CA" sz="800" dirty="0">
+                <a:solidFill>
+                  <a:srgbClr val="993300"/>
+                </a:solidFill>
+                <a:highlight>
+                  <a:srgbClr val="FFFFFF"/>
+                </a:highlight>
+              </a:rPr>
+              <a:t>},{</a:t>
+            </a:r>
+            <a:r>
+              <a:rPr lang="en-CA" sz="800" dirty="0" err="1">
+                <a:solidFill>
+                  <a:srgbClr val="993300"/>
+                </a:solidFill>
+                <a:highlight>
+                  <a:srgbClr val="FFFFFF"/>
+                </a:highlight>
+              </a:rPr>
+              <a:t>xmax</a:t>
+            </a:r>
+            <a:r>
+              <a:rPr lang="en-CA" sz="800" dirty="0">
+                <a:solidFill>
+                  <a:srgbClr val="993300"/>
+                </a:solidFill>
+                <a:highlight>
+                  <a:srgbClr val="FFFFFF"/>
+                </a:highlight>
+              </a:rPr>
+              <a:t>},{</a:t>
+            </a:r>
+            <a:r>
+              <a:rPr lang="en-CA" sz="800" dirty="0" err="1">
+                <a:solidFill>
+                  <a:srgbClr val="993300"/>
+                </a:solidFill>
+                <a:highlight>
+                  <a:srgbClr val="FFFFFF"/>
+                </a:highlight>
+              </a:rPr>
+              <a:t>ymax</a:t>
+            </a:r>
+            <a:r>
+              <a:rPr lang="en-CA" sz="800" dirty="0">
+                <a:solidFill>
+                  <a:srgbClr val="993300"/>
+                </a:solidFill>
+                <a:highlight>
+                  <a:srgbClr val="FFFFFF"/>
+                </a:highlight>
+              </a:rPr>
+              <a:t>}&amp;</a:t>
+            </a:r>
+            <a:r>
+              <a:rPr lang="en-CA" sz="800" dirty="0" err="1">
+                <a:solidFill>
+                  <a:srgbClr val="993300"/>
+                </a:solidFill>
+                <a:highlight>
+                  <a:srgbClr val="FFFFFF"/>
+                </a:highlight>
+              </a:rPr>
+              <a:t>amp;REQUEST</a:t>
+            </a:r>
+            <a:r>
+              <a:rPr lang="en-CA" sz="800" dirty="0">
+                <a:solidFill>
+                  <a:srgbClr val="993300"/>
+                </a:solidFill>
+                <a:highlight>
+                  <a:srgbClr val="FFFFFF"/>
+                </a:highlight>
+              </a:rPr>
+              <a:t>=</a:t>
+            </a:r>
+            <a:r>
+              <a:rPr lang="en-CA" sz="800" dirty="0" err="1">
+                <a:solidFill>
+                  <a:srgbClr val="993300"/>
+                </a:solidFill>
+                <a:highlight>
+                  <a:srgbClr val="FFFFFF"/>
+                </a:highlight>
+              </a:rPr>
+              <a:t>GetFeatureInfo&amp;amp;WIDTH</a:t>
+            </a:r>
+            <a:r>
+              <a:rPr lang="en-CA" sz="800" dirty="0">
+                <a:solidFill>
+                  <a:srgbClr val="993300"/>
+                </a:solidFill>
+                <a:highlight>
+                  <a:srgbClr val="FFFFFF"/>
+                </a:highlight>
+              </a:rPr>
+              <a:t>={w}&amp;</a:t>
+            </a:r>
+            <a:r>
+              <a:rPr lang="en-CA" sz="800" dirty="0" err="1">
+                <a:solidFill>
+                  <a:srgbClr val="993300"/>
+                </a:solidFill>
+                <a:highlight>
+                  <a:srgbClr val="FFFFFF"/>
+                </a:highlight>
+              </a:rPr>
+              <a:t>amp;HEIGHT</a:t>
+            </a:r>
+            <a:r>
+              <a:rPr lang="en-CA" sz="800" dirty="0">
+                <a:solidFill>
+                  <a:srgbClr val="993300"/>
+                </a:solidFill>
+                <a:highlight>
+                  <a:srgbClr val="FFFFFF"/>
+                </a:highlight>
+              </a:rPr>
+              <a:t>={h} "</a:t>
+            </a:r>
+            <a:r>
+              <a:rPr lang="en-CA" sz="800" dirty="0">
+                <a:solidFill>
+                  <a:srgbClr val="000096"/>
+                </a:solidFill>
+                <a:highlight>
+                  <a:srgbClr val="FFFFFF"/>
+                </a:highlight>
+              </a:rPr>
+              <a:t>/&gt;</a:t>
+            </a:r>
+          </a:p>
+          <a:p>
+            <a:endParaRPr lang="en-CA" sz="800" dirty="0">
+              <a:solidFill>
+                <a:srgbClr val="000096"/>
+              </a:solidFill>
+              <a:highlight>
+                <a:srgbClr val="FFFFFF"/>
+              </a:highlight>
+            </a:endParaRPr>
+          </a:p>
+          <a:p>
+            <a:r>
+              <a:rPr lang="en-CA" sz="800" dirty="0">
+                <a:solidFill>
+                  <a:srgbClr val="000096"/>
+                </a:solidFill>
+                <a:highlight>
+                  <a:srgbClr val="FFFFFF"/>
+                </a:highlight>
+              </a:rPr>
               <a:t>&lt;/extent&gt;</a:t>
             </a:r>
           </a:p>
           <a:p>
-            <a:r>
-              <a:rPr lang="en-CA" sz="800" dirty="0" smtClean="0">
-                <a:solidFill>
-                  <a:srgbClr val="000000"/>
-                </a:solidFill>
-                <a:highlight>
-                  <a:srgbClr val="FFFFFF"/>
-                </a:highlight>
-              </a:rPr>
-              <a:t/>
-            </a:r>
             <a:br>
-              <a:rPr lang="en-CA" sz="800" dirty="0" smtClean="0">
+              <a:rPr lang="en-CA" sz="800" dirty="0">
                 <a:solidFill>
                   <a:srgbClr val="000000"/>
                 </a:solidFill>
@@ -12275,10 +11981,9 @@
           <a:lstStyle/>
           <a:p>
             <a:r>
-              <a:rPr lang="en-CA" sz="1100" dirty="0" smtClean="0"/>
+              <a:rPr lang="en-CA" sz="1100" dirty="0"/>
               <a:t>PCRS positive “easting” axis (m)</a:t>
             </a:r>
-            <a:endParaRPr lang="en-CA" sz="1100" dirty="0"/>
           </a:p>
         </p:txBody>
       </p:sp>
@@ -12383,18 +12088,17 @@
           <a:lstStyle/>
           <a:p>
             <a:r>
-              <a:rPr lang="en-CA" sz="1100" dirty="0" smtClean="0"/>
+              <a:rPr lang="en-CA" sz="1100" dirty="0"/>
               <a:t>GCRS positive “latitude” axis (</a:t>
             </a:r>
             <a:r>
-              <a:rPr lang="en-CA" sz="1100" dirty="0" err="1" smtClean="0"/>
+              <a:rPr lang="en-CA" sz="1100" dirty="0" err="1"/>
               <a:t>dd</a:t>
             </a:r>
             <a:r>
-              <a:rPr lang="en-CA" sz="1100" dirty="0" smtClean="0"/>
+              <a:rPr lang="en-CA" sz="1100" dirty="0"/>
               <a:t>)</a:t>
             </a:r>
-            <a:endParaRPr lang="en-CA" sz="1100" dirty="0"/>
           </a:p>
         </p:txBody>
       </p:sp>
@@ -12421,18 +12125,17 @@
           <a:lstStyle/>
           <a:p>
             <a:r>
-              <a:rPr lang="en-CA" sz="1100" dirty="0" smtClean="0"/>
+              <a:rPr lang="en-CA" sz="1100" dirty="0"/>
               <a:t>GCRS positive “longitude” axis   (</a:t>
             </a:r>
             <a:r>
-              <a:rPr lang="en-CA" sz="1100" dirty="0" err="1" smtClean="0"/>
+              <a:rPr lang="en-CA" sz="1100" dirty="0" err="1"/>
               <a:t>dd</a:t>
             </a:r>
             <a:r>
-              <a:rPr lang="en-CA" sz="1100" dirty="0" smtClean="0"/>
+              <a:rPr lang="en-CA" sz="1100" dirty="0"/>
               <a:t>)</a:t>
             </a:r>
-            <a:endParaRPr lang="en-CA" sz="1100" dirty="0"/>
           </a:p>
         </p:txBody>
       </p:sp>
@@ -12500,18 +12203,17 @@
           <a:lstStyle/>
           <a:p>
             <a:r>
-              <a:rPr lang="en-CA" sz="800" dirty="0" smtClean="0"/>
+              <a:rPr lang="en-CA" sz="800" dirty="0"/>
               <a:t>Height </a:t>
             </a:r>
             <a:r>
-              <a:rPr lang="en-CA" sz="800" i="1" dirty="0" smtClean="0"/>
+              <a:rPr lang="en-CA" sz="800" i="1" dirty="0"/>
               <a:t>h</a:t>
             </a:r>
             <a:r>
-              <a:rPr lang="en-CA" sz="800" dirty="0" smtClean="0"/>
+              <a:rPr lang="en-CA" sz="800" dirty="0"/>
               <a:t> of extent</a:t>
             </a:r>
-            <a:endParaRPr lang="en-CA" sz="800" dirty="0"/>
           </a:p>
         </p:txBody>
       </p:sp>
@@ -12604,10 +12306,9 @@
           <a:lstStyle/>
           <a:p>
             <a:r>
-              <a:rPr lang="en-CA" sz="800" dirty="0" smtClean="0"/>
-              <a:t>top-left of extent</a:t>
-            </a:r>
-            <a:endParaRPr lang="en-CA" sz="800" dirty="0"/>
+              <a:rPr lang="en-CA" sz="800" dirty="0"/>
+              <a:t>top-left of viewport</a:t>
+            </a:r>
           </a:p>
         </p:txBody>
       </p:sp>
@@ -12667,10 +12368,9 @@
           <a:lstStyle/>
           <a:p>
             <a:r>
-              <a:rPr lang="en-CA" sz="800" dirty="0" smtClean="0"/>
-              <a:t>bottom-right of extent</a:t>
-            </a:r>
-            <a:endParaRPr lang="en-CA" sz="800" dirty="0"/>
+              <a:rPr lang="en-CA" sz="800" dirty="0"/>
+              <a:t>bottom-right of viewport</a:t>
+            </a:r>
           </a:p>
         </p:txBody>
       </p:sp>
@@ -12739,10 +12439,9 @@
           <a:lstStyle/>
           <a:p>
             <a:r>
-              <a:rPr lang="en-CA" sz="900" dirty="0" smtClean="0"/>
+              <a:rPr lang="en-CA" sz="900" dirty="0"/>
               <a:t>TileMatrix tile edges (256 px)</a:t>
             </a:r>
-            <a:endParaRPr lang="en-CA" sz="900" dirty="0"/>
           </a:p>
         </p:txBody>
       </p:sp>
@@ -12878,10 +12577,9 @@
           <a:lstStyle/>
           <a:p>
             <a:r>
-              <a:rPr lang="en-CA" sz="1000" dirty="0" smtClean="0"/>
+              <a:rPr lang="en-CA" sz="1000" dirty="0"/>
               <a:t>TileMatrix column</a:t>
             </a:r>
-            <a:endParaRPr lang="en-CA" sz="1000" dirty="0"/>
           </a:p>
         </p:txBody>
       </p:sp>
@@ -12948,10 +12646,9 @@
           <a:lstStyle/>
           <a:p>
             <a:r>
-              <a:rPr lang="en-CA" sz="1000" dirty="0" smtClean="0"/>
+              <a:rPr lang="en-CA" sz="1000" dirty="0"/>
               <a:t>TileMatrix row</a:t>
             </a:r>
-            <a:endParaRPr lang="en-CA" sz="1000" dirty="0"/>
           </a:p>
         </p:txBody>
       </p:sp>
@@ -12978,10 +12675,9 @@
           <a:lstStyle/>
           <a:p>
             <a:r>
-              <a:rPr lang="en-CA" sz="1100" dirty="0" smtClean="0"/>
+              <a:rPr lang="en-CA" sz="1100" dirty="0"/>
               <a:t>Origin of Map CS</a:t>
             </a:r>
-            <a:endParaRPr lang="en-CA" sz="1100" dirty="0"/>
           </a:p>
         </p:txBody>
       </p:sp>
@@ -13028,13 +12724,6 @@
   <p:clrMapOvr>
     <a:masterClrMapping/>
   </p:clrMapOvr>
-  <p:timing>
-    <p:tnLst>
-      <p:par>
-        <p:cTn id="1" dur="indefinite" restart="never" nodeType="tmRoot"/>
-      </p:par>
-    </p:tnLst>
-  </p:timing>
 </p:sld>
 </file>
 
@@ -13185,10 +12874,9 @@
           <a:lstStyle/>
           <a:p>
             <a:r>
-              <a:rPr lang="en-CA" dirty="0" smtClean="0"/>
+              <a:rPr lang="en-CA" dirty="0"/>
               <a:t>Origin</a:t>
             </a:r>
-            <a:endParaRPr lang="en-CA" dirty="0"/>
           </a:p>
         </p:txBody>
       </p:sp>
@@ -13248,10 +12936,9 @@
           <a:lstStyle/>
           <a:p>
             <a:r>
-              <a:rPr lang="en-CA" dirty="0" smtClean="0"/>
+              <a:rPr lang="en-CA" dirty="0"/>
               <a:t>TCRS  Positive “x” axis</a:t>
             </a:r>
-            <a:endParaRPr lang="en-CA" dirty="0"/>
           </a:p>
         </p:txBody>
       </p:sp>
@@ -13313,10 +13000,9 @@
           <a:lstStyle/>
           <a:p>
             <a:r>
-              <a:rPr lang="en-CA" dirty="0" smtClean="0"/>
+              <a:rPr lang="en-CA" dirty="0"/>
               <a:t>TCRS Positive “y” axis</a:t>
             </a:r>
-            <a:endParaRPr lang="en-CA" dirty="0"/>
           </a:p>
         </p:txBody>
       </p:sp>
@@ -13577,10 +13263,9 @@
           <a:lstStyle/>
           <a:p>
             <a:r>
-              <a:rPr lang="en-CA" dirty="0" smtClean="0"/>
+              <a:rPr lang="en-CA" dirty="0"/>
               <a:t>Tiled Coordinate Reference System</a:t>
             </a:r>
-            <a:endParaRPr lang="en-CA" dirty="0"/>
           </a:p>
         </p:txBody>
       </p:sp>
@@ -13607,10 +13292,9 @@
           <a:lstStyle/>
           <a:p>
             <a:r>
-              <a:rPr lang="en-CA" dirty="0" smtClean="0"/>
+              <a:rPr lang="en-CA" dirty="0"/>
               <a:t>Origin</a:t>
             </a:r>
-            <a:endParaRPr lang="en-CA" dirty="0"/>
           </a:p>
         </p:txBody>
       </p:sp>
@@ -13624,13 +13308,6 @@
   <p:clrMapOvr>
     <a:masterClrMapping/>
   </p:clrMapOvr>
-  <p:timing>
-    <p:tnLst>
-      <p:par>
-        <p:cTn id="1" dur="indefinite" restart="never" nodeType="tmRoot"/>
-      </p:par>
-    </p:tnLst>
-  </p:timing>
 </p:sld>
 </file>
 
@@ -13825,13 +13502,6 @@
   <p:clrMapOvr>
     <a:masterClrMapping/>
   </p:clrMapOvr>
-  <p:timing>
-    <p:tnLst>
-      <p:par>
-        <p:cTn id="1" dur="indefinite" restart="never" nodeType="tmRoot"/>
-      </p:par>
-    </p:tnLst>
-  </p:timing>
 </p:sld>
 </file>
 
@@ -13997,18 +13667,13 @@
             <a:lstStyle/>
             <a:p>
               <a:r>
-                <a:rPr lang="en-CA" dirty="0" smtClean="0">
+                <a:rPr lang="en-CA" dirty="0">
                   <a:solidFill>
                     <a:schemeClr val="accent2"/>
                   </a:solidFill>
                 </a:rPr>
                 <a:t>0,0</a:t>
               </a:r>
-              <a:endParaRPr lang="en-CA" dirty="0">
-                <a:solidFill>
-                  <a:schemeClr val="accent2"/>
-                </a:solidFill>
-              </a:endParaRPr>
             </a:p>
           </p:txBody>
         </p:sp>
@@ -14035,18 +13700,13 @@
             <a:lstStyle/>
             <a:p>
               <a:r>
-                <a:rPr lang="en-CA" dirty="0" smtClean="0">
+                <a:rPr lang="en-CA" dirty="0">
                   <a:solidFill>
                     <a:schemeClr val="accent2"/>
                   </a:solidFill>
                 </a:rPr>
                 <a:t>0,1</a:t>
               </a:r>
-              <a:endParaRPr lang="en-CA" dirty="0">
-                <a:solidFill>
-                  <a:schemeClr val="accent2"/>
-                </a:solidFill>
-              </a:endParaRPr>
             </a:p>
           </p:txBody>
         </p:sp>
@@ -14078,21 +13738,8 @@
                     <a:schemeClr val="accent2"/>
                   </a:solidFill>
                 </a:rPr>
-                <a:t>1</a:t>
+                <a:t>1,0</a:t>
               </a:r>
-              <a:r>
-                <a:rPr lang="en-CA" dirty="0" smtClean="0">
-                  <a:solidFill>
-                    <a:schemeClr val="accent2"/>
-                  </a:solidFill>
-                </a:rPr>
-                <a:t>,0</a:t>
-              </a:r>
-              <a:endParaRPr lang="en-CA" dirty="0">
-                <a:solidFill>
-                  <a:schemeClr val="accent2"/>
-                </a:solidFill>
-              </a:endParaRPr>
             </a:p>
           </p:txBody>
         </p:sp>
@@ -14119,18 +13766,13 @@
             <a:lstStyle/>
             <a:p>
               <a:r>
-                <a:rPr lang="en-CA" dirty="0" smtClean="0">
+                <a:rPr lang="en-CA" dirty="0">
                   <a:solidFill>
                     <a:schemeClr val="accent2"/>
                   </a:solidFill>
                 </a:rPr>
                 <a:t>1,1</a:t>
               </a:r>
-              <a:endParaRPr lang="en-CA" dirty="0">
-                <a:solidFill>
-                  <a:schemeClr val="accent2"/>
-                </a:solidFill>
-              </a:endParaRPr>
             </a:p>
           </p:txBody>
         </p:sp>
@@ -14226,10 +13868,9 @@
             <a:lstStyle/>
             <a:p>
               <a:r>
-                <a:rPr lang="en-CA" dirty="0" smtClean="0"/>
+                <a:rPr lang="en-CA" dirty="0"/>
                 <a:t>TileMatrix  Positive “column” axis</a:t>
               </a:r>
-              <a:endParaRPr lang="en-CA" dirty="0"/>
             </a:p>
           </p:txBody>
         </p:sp>
@@ -14289,10 +13930,9 @@
             <a:lstStyle/>
             <a:p>
               <a:r>
-                <a:rPr lang="en-CA" dirty="0" smtClean="0"/>
+                <a:rPr lang="en-CA" dirty="0"/>
                 <a:t>TileMatrix Positive “row” axis</a:t>
               </a:r>
-              <a:endParaRPr lang="en-CA" dirty="0"/>
             </a:p>
           </p:txBody>
         </p:sp>
@@ -14432,10 +14072,9 @@
             <a:lstStyle/>
             <a:p>
               <a:r>
-                <a:rPr lang="en-CA" dirty="0" smtClean="0"/>
+                <a:rPr lang="en-CA" dirty="0"/>
                 <a:t>column</a:t>
               </a:r>
-              <a:endParaRPr lang="en-CA" dirty="0"/>
             </a:p>
           </p:txBody>
         </p:sp>
@@ -14503,10 +14142,9 @@
             <a:lstStyle/>
             <a:p>
               <a:r>
-                <a:rPr lang="en-CA" dirty="0" smtClean="0"/>
+                <a:rPr lang="en-CA" dirty="0"/>
                 <a:t>row</a:t>
               </a:r>
-              <a:endParaRPr lang="en-CA" dirty="0"/>
             </a:p>
           </p:txBody>
         </p:sp>
@@ -14521,14 +14159,13 @@
   <p:clrMapOvr>
     <a:masterClrMapping/>
   </p:clrMapOvr>
-  <p:timing>
-    <p:tnLst>
-      <p:par>
-        <p:cTn id="1" dur="indefinite" restart="never" nodeType="tmRoot"/>
-      </p:par>
-    </p:tnLst>
-  </p:timing>
 </p:sld>
+</file>
+
+<file path=ppt/tags/tag1.xml><?xml version="1.0" encoding="utf-8"?>
+<p:tagLst xmlns:a="http://schemas.openxmlformats.org/drawingml/2006/main" xmlns:r="http://schemas.openxmlformats.org/officeDocument/2006/relationships" xmlns:p="http://schemas.openxmlformats.org/presentationml/2006/main">
+  <p:tag name="ENGAGE" val="{&quot;SavedSwatch&quot;:&quot;-11240108|-11700327|-8754175|-9605520|-12039861|NRCan&quot;,&quot;Id&quot;:&quot;649dad5c3834415f04c60532&quot;,&quot;SmartGridHorizontal&quot;:0,&quot;LinkedExcelSources&quot;:{},&quot;LinkedProjectSources&quot;:{},&quot;FlowConfig&quot;:{&quot;Canvas&quot;:{&quot;Slide&quot;:-1,&quot;Width&quot;:0,&quot;Height&quot;:0},&quot;Timeline&quot;:{&quot;Actions&quot;:[]}},&quot;LinkedSlideMergeSources&quot;:{},&quot;LinkedSharePointSlideMergeSources&quot;:{}}"/>
+</p:tagLst>
 </file>
 
 <file path=ppt/theme/theme1.xml><?xml version="1.0" encoding="utf-8"?>

--- a/resources/tcrs.pptx
+++ b/resources/tcrs.pptx
@@ -218,7 +218,7 @@
           <a:p>
             <a:fld id="{4DBBD189-96E9-46B4-AD8F-C82A888AE887}" type="datetimeFigureOut">
               <a:rPr lang="en-CA" smtClean="0"/>
-              <a:t>2023-06-29</a:t>
+              <a:t>2023-11-07</a:t>
             </a:fld>
             <a:endParaRPr lang="en-CA"/>
           </a:p>
@@ -617,7 +617,7 @@
           <a:p>
             <a:fld id="{0062E371-98E4-479B-95D6-4889C56667E5}" type="datetimeFigureOut">
               <a:rPr lang="en-CA" smtClean="0"/>
-              <a:t>2023-06-29</a:t>
+              <a:t>2023-11-07</a:t>
             </a:fld>
             <a:endParaRPr lang="en-CA"/>
           </a:p>
@@ -787,7 +787,7 @@
           <a:p>
             <a:fld id="{0062E371-98E4-479B-95D6-4889C56667E5}" type="datetimeFigureOut">
               <a:rPr lang="en-CA" smtClean="0"/>
-              <a:t>2023-06-29</a:t>
+              <a:t>2023-11-07</a:t>
             </a:fld>
             <a:endParaRPr lang="en-CA"/>
           </a:p>
@@ -967,7 +967,7 @@
           <a:p>
             <a:fld id="{0062E371-98E4-479B-95D6-4889C56667E5}" type="datetimeFigureOut">
               <a:rPr lang="en-CA" smtClean="0"/>
-              <a:t>2023-06-29</a:t>
+              <a:t>2023-11-07</a:t>
             </a:fld>
             <a:endParaRPr lang="en-CA"/>
           </a:p>
@@ -1137,7 +1137,7 @@
           <a:p>
             <a:fld id="{0062E371-98E4-479B-95D6-4889C56667E5}" type="datetimeFigureOut">
               <a:rPr lang="en-CA" smtClean="0"/>
-              <a:t>2023-06-29</a:t>
+              <a:t>2023-11-07</a:t>
             </a:fld>
             <a:endParaRPr lang="en-CA"/>
           </a:p>
@@ -1383,7 +1383,7 @@
           <a:p>
             <a:fld id="{0062E371-98E4-479B-95D6-4889C56667E5}" type="datetimeFigureOut">
               <a:rPr lang="en-CA" smtClean="0"/>
-              <a:t>2023-06-29</a:t>
+              <a:t>2023-11-07</a:t>
             </a:fld>
             <a:endParaRPr lang="en-CA"/>
           </a:p>
@@ -1615,7 +1615,7 @@
           <a:p>
             <a:fld id="{0062E371-98E4-479B-95D6-4889C56667E5}" type="datetimeFigureOut">
               <a:rPr lang="en-CA" smtClean="0"/>
-              <a:t>2023-06-29</a:t>
+              <a:t>2023-11-07</a:t>
             </a:fld>
             <a:endParaRPr lang="en-CA"/>
           </a:p>
@@ -1982,7 +1982,7 @@
           <a:p>
             <a:fld id="{0062E371-98E4-479B-95D6-4889C56667E5}" type="datetimeFigureOut">
               <a:rPr lang="en-CA" smtClean="0"/>
-              <a:t>2023-06-29</a:t>
+              <a:t>2023-11-07</a:t>
             </a:fld>
             <a:endParaRPr lang="en-CA"/>
           </a:p>
@@ -2100,7 +2100,7 @@
           <a:p>
             <a:fld id="{0062E371-98E4-479B-95D6-4889C56667E5}" type="datetimeFigureOut">
               <a:rPr lang="en-CA" smtClean="0"/>
-              <a:t>2023-06-29</a:t>
+              <a:t>2023-11-07</a:t>
             </a:fld>
             <a:endParaRPr lang="en-CA"/>
           </a:p>
@@ -2195,7 +2195,7 @@
           <a:p>
             <a:fld id="{0062E371-98E4-479B-95D6-4889C56667E5}" type="datetimeFigureOut">
               <a:rPr lang="en-CA" smtClean="0"/>
-              <a:t>2023-06-29</a:t>
+              <a:t>2023-11-07</a:t>
             </a:fld>
             <a:endParaRPr lang="en-CA"/>
           </a:p>
@@ -2472,7 +2472,7 @@
           <a:p>
             <a:fld id="{0062E371-98E4-479B-95D6-4889C56667E5}" type="datetimeFigureOut">
               <a:rPr lang="en-CA" smtClean="0"/>
-              <a:t>2023-06-29</a:t>
+              <a:t>2023-11-07</a:t>
             </a:fld>
             <a:endParaRPr lang="en-CA"/>
           </a:p>
@@ -2725,7 +2725,7 @@
           <a:p>
             <a:fld id="{0062E371-98E4-479B-95D6-4889C56667E5}" type="datetimeFigureOut">
               <a:rPr lang="en-CA" smtClean="0"/>
-              <a:t>2023-06-29</a:t>
+              <a:t>2023-11-07</a:t>
             </a:fld>
             <a:endParaRPr lang="en-CA"/>
           </a:p>
@@ -2938,7 +2938,7 @@
           <a:p>
             <a:fld id="{0062E371-98E4-479B-95D6-4889C56667E5}" type="datetimeFigureOut">
               <a:rPr lang="en-CA" smtClean="0"/>
-              <a:t>2023-06-29</a:t>
+              <a:t>2023-11-07</a:t>
             </a:fld>
             <a:endParaRPr lang="en-CA"/>
           </a:p>
@@ -8572,7 +8572,7 @@
                   <a:srgbClr val="FFFFFF"/>
                 </a:highlight>
               </a:rPr>
-              <a:t>"OSMTILE"</a:t>
+              <a:t>"OSMTILE“ checked=“checked”</a:t>
             </a:r>
             <a:r>
               <a:rPr lang="en-CA" sz="800" dirty="0">
